--- a/PROGRAMACION/FOL/Tema 4 La nómina 2023.pptx
+++ b/PROGRAMACION/FOL/Tema 4 La nómina 2023.pptx
@@ -13,15 +13,17 @@
     <p:sldId id="273" r:id="rId7"/>
     <p:sldId id="260" r:id="rId8"/>
     <p:sldId id="274" r:id="rId9"/>
-    <p:sldId id="263" r:id="rId10"/>
-    <p:sldId id="265" r:id="rId11"/>
-    <p:sldId id="277" r:id="rId12"/>
-    <p:sldId id="278" r:id="rId13"/>
-    <p:sldId id="266" r:id="rId14"/>
-    <p:sldId id="267" r:id="rId15"/>
-    <p:sldId id="268" r:id="rId16"/>
-    <p:sldId id="269" r:id="rId17"/>
-    <p:sldId id="270" r:id="rId18"/>
+    <p:sldId id="279" r:id="rId10"/>
+    <p:sldId id="280" r:id="rId11"/>
+    <p:sldId id="263" r:id="rId12"/>
+    <p:sldId id="265" r:id="rId13"/>
+    <p:sldId id="277" r:id="rId14"/>
+    <p:sldId id="278" r:id="rId15"/>
+    <p:sldId id="266" r:id="rId16"/>
+    <p:sldId id="267" r:id="rId17"/>
+    <p:sldId id="268" r:id="rId18"/>
+    <p:sldId id="269" r:id="rId19"/>
+    <p:sldId id="270" r:id="rId20"/>
   </p:sldIdLst>
   <p:sldSz cx="12192000" cy="6858000"/>
   <p:notesSz cx="6858000" cy="9144000"/>
@@ -282,7 +284,7 @@
           <a:p>
             <a:fld id="{0A23F45E-0E51-496A-8ED3-DC81B716CFEC}" type="datetimeFigureOut">
               <a:rPr lang="es-ES" smtClean="0"/>
-              <a:t>29/11/2023</a:t>
+              <a:t>13/12/2023</a:t>
             </a:fld>
             <a:endParaRPr lang="es-ES"/>
           </a:p>
@@ -452,7 +454,7 @@
           <a:p>
             <a:fld id="{0A23F45E-0E51-496A-8ED3-DC81B716CFEC}" type="datetimeFigureOut">
               <a:rPr lang="es-ES" smtClean="0"/>
-              <a:t>29/11/2023</a:t>
+              <a:t>13/12/2023</a:t>
             </a:fld>
             <a:endParaRPr lang="es-ES"/>
           </a:p>
@@ -632,7 +634,7 @@
           <a:p>
             <a:fld id="{0A23F45E-0E51-496A-8ED3-DC81B716CFEC}" type="datetimeFigureOut">
               <a:rPr lang="es-ES" smtClean="0"/>
-              <a:t>29/11/2023</a:t>
+              <a:t>13/12/2023</a:t>
             </a:fld>
             <a:endParaRPr lang="es-ES"/>
           </a:p>
@@ -802,7 +804,7 @@
           <a:p>
             <a:fld id="{0A23F45E-0E51-496A-8ED3-DC81B716CFEC}" type="datetimeFigureOut">
               <a:rPr lang="es-ES" smtClean="0"/>
-              <a:t>29/11/2023</a:t>
+              <a:t>13/12/2023</a:t>
             </a:fld>
             <a:endParaRPr lang="es-ES"/>
           </a:p>
@@ -1048,7 +1050,7 @@
           <a:p>
             <a:fld id="{0A23F45E-0E51-496A-8ED3-DC81B716CFEC}" type="datetimeFigureOut">
               <a:rPr lang="es-ES" smtClean="0"/>
-              <a:t>29/11/2023</a:t>
+              <a:t>13/12/2023</a:t>
             </a:fld>
             <a:endParaRPr lang="es-ES"/>
           </a:p>
@@ -1280,7 +1282,7 @@
           <a:p>
             <a:fld id="{0A23F45E-0E51-496A-8ED3-DC81B716CFEC}" type="datetimeFigureOut">
               <a:rPr lang="es-ES" smtClean="0"/>
-              <a:t>29/11/2023</a:t>
+              <a:t>13/12/2023</a:t>
             </a:fld>
             <a:endParaRPr lang="es-ES"/>
           </a:p>
@@ -1647,7 +1649,7 @@
           <a:p>
             <a:fld id="{0A23F45E-0E51-496A-8ED3-DC81B716CFEC}" type="datetimeFigureOut">
               <a:rPr lang="es-ES" smtClean="0"/>
-              <a:t>29/11/2023</a:t>
+              <a:t>13/12/2023</a:t>
             </a:fld>
             <a:endParaRPr lang="es-ES"/>
           </a:p>
@@ -1765,7 +1767,7 @@
           <a:p>
             <a:fld id="{0A23F45E-0E51-496A-8ED3-DC81B716CFEC}" type="datetimeFigureOut">
               <a:rPr lang="es-ES" smtClean="0"/>
-              <a:t>29/11/2023</a:t>
+              <a:t>13/12/2023</a:t>
             </a:fld>
             <a:endParaRPr lang="es-ES"/>
           </a:p>
@@ -1860,7 +1862,7 @@
           <a:p>
             <a:fld id="{0A23F45E-0E51-496A-8ED3-DC81B716CFEC}" type="datetimeFigureOut">
               <a:rPr lang="es-ES" smtClean="0"/>
-              <a:t>29/11/2023</a:t>
+              <a:t>13/12/2023</a:t>
             </a:fld>
             <a:endParaRPr lang="es-ES"/>
           </a:p>
@@ -2137,7 +2139,7 @@
           <a:p>
             <a:fld id="{0A23F45E-0E51-496A-8ED3-DC81B716CFEC}" type="datetimeFigureOut">
               <a:rPr lang="es-ES" smtClean="0"/>
-              <a:t>29/11/2023</a:t>
+              <a:t>13/12/2023</a:t>
             </a:fld>
             <a:endParaRPr lang="es-ES"/>
           </a:p>
@@ -2394,7 +2396,7 @@
           <a:p>
             <a:fld id="{0A23F45E-0E51-496A-8ED3-DC81B716CFEC}" type="datetimeFigureOut">
               <a:rPr lang="es-ES" smtClean="0"/>
-              <a:t>29/11/2023</a:t>
+              <a:t>13/12/2023</a:t>
             </a:fld>
             <a:endParaRPr lang="es-ES"/>
           </a:p>
@@ -2607,7 +2609,7 @@
           <a:p>
             <a:fld id="{0A23F45E-0E51-496A-8ED3-DC81B716CFEC}" type="datetimeFigureOut">
               <a:rPr lang="es-ES" smtClean="0"/>
-              <a:t>29/11/2023</a:t>
+              <a:t>13/12/2023</a:t>
             </a:fld>
             <a:endParaRPr lang="es-ES"/>
           </a:p>
@@ -3028,7 +3030,7 @@
                 <a16:creationId xmlns:a16="http://schemas.microsoft.com/office/drawing/2014/main" id="{E91DC736-0EF8-4F87-9146-EBF1D2EE4D3D}"/>
               </a:ext>
               <a:ext uri="{C183D7F6-B498-43B3-948B-1728B52AA6E4}">
-                <adec:decorative xmlns:adec="http://schemas.microsoft.com/office/drawing/2017/decorative" xmlns="" val="1"/>
+                <adec:decorative xmlns="" xmlns:adec="http://schemas.microsoft.com/office/drawing/2017/decorative" val="1"/>
               </a:ext>
             </a:extLst>
           </p:cNvPr>
@@ -3111,7 +3113,7 @@
                 <a16:creationId xmlns:a16="http://schemas.microsoft.com/office/drawing/2014/main" id="{097CD68E-23E3-4007-8847-CD0944C4F7BE}"/>
               </a:ext>
               <a:ext uri="{C183D7F6-B498-43B3-948B-1728B52AA6E4}">
-                <adec:decorative xmlns:adec="http://schemas.microsoft.com/office/drawing/2017/decorative" xmlns="" val="1"/>
+                <adec:decorative xmlns="" xmlns:adec="http://schemas.microsoft.com/office/drawing/2017/decorative" val="1"/>
               </a:ext>
             </a:extLst>
           </p:cNvPr>
@@ -3264,7 +3266,7 @@
                 <a16:creationId xmlns:a16="http://schemas.microsoft.com/office/drawing/2014/main" id="{AF2F604E-43BE-4DC3-B983-E071523364F8}"/>
               </a:ext>
               <a:ext uri="{C183D7F6-B498-43B3-948B-1728B52AA6E4}">
-                <adec:decorative xmlns:adec="http://schemas.microsoft.com/office/drawing/2017/decorative" xmlns="" val="1"/>
+                <adec:decorative xmlns="" xmlns:adec="http://schemas.microsoft.com/office/drawing/2017/decorative" val="1"/>
               </a:ext>
             </a:extLst>
           </p:cNvPr>
@@ -3332,7 +3334,7 @@
                 <a16:creationId xmlns:a16="http://schemas.microsoft.com/office/drawing/2014/main" id="{08C9B587-E65E-4B52-B37C-ABEBB6E87928}"/>
               </a:ext>
               <a:ext uri="{C183D7F6-B498-43B3-948B-1728B52AA6E4}">
-                <adec:decorative xmlns:adec="http://schemas.microsoft.com/office/drawing/2017/decorative" xmlns="" val="1"/>
+                <adec:decorative xmlns="" xmlns:adec="http://schemas.microsoft.com/office/drawing/2017/decorative" val="1"/>
               </a:ext>
             </a:extLst>
           </p:cNvPr>
@@ -3586,6 +3588,589 @@
           <a:chExt cx="0" cy="0"/>
         </a:xfrm>
       </p:grpSpPr>
+      <p:sp>
+        <p:nvSpPr>
+          <p:cNvPr id="2" name="Título 1"/>
+          <p:cNvSpPr>
+            <a:spLocks noGrp="1"/>
+          </p:cNvSpPr>
+          <p:nvPr>
+            <p:ph type="title"/>
+          </p:nvPr>
+        </p:nvSpPr>
+        <p:spPr/>
+        <p:txBody>
+          <a:bodyPr>
+            <a:normAutofit/>
+          </a:bodyPr>
+          <a:lstStyle/>
+          <a:p>
+            <a:r>
+              <a:rPr lang="es-ES" sz="2000" b="1" dirty="0" smtClean="0"/>
+              <a:t>Actividad: </a:t>
+            </a:r>
+            <a:r>
+              <a:rPr lang="es-ES" sz="2000" b="1" u="sng" dirty="0" smtClean="0">
+                <a:solidFill>
+                  <a:schemeClr val="accent6"/>
+                </a:solidFill>
+              </a:rPr>
+              <a:t>Calcula BCCC (B) </a:t>
+            </a:r>
+            <a:r>
+              <a:rPr lang="es-ES" sz="2000" b="1" dirty="0"/>
+              <a:t>y el </a:t>
+            </a:r>
+            <a:r>
+              <a:rPr lang="es-ES" sz="2000" b="1" u="sng" dirty="0">
+                <a:solidFill>
+                  <a:schemeClr val="accent1"/>
+                </a:solidFill>
+              </a:rPr>
+              <a:t>Total </a:t>
+            </a:r>
+            <a:r>
+              <a:rPr lang="es-ES" sz="2000" b="1" u="sng" dirty="0" smtClean="0">
+                <a:solidFill>
+                  <a:schemeClr val="accent1"/>
+                </a:solidFill>
+              </a:rPr>
+              <a:t>Devengado (D=SUMAR TODO MENOS LA PAGA EXTRA)  </a:t>
+            </a:r>
+            <a:r>
+              <a:rPr lang="es-ES" sz="2000" b="1" dirty="0"/>
+              <a:t>correspondientes a un trabajador que en el presente mes ha recibido las siguientes retribuciones:</a:t>
+            </a:r>
+            <a:r>
+              <a:rPr lang="es-ES" dirty="0"/>
+              <a:t> </a:t>
+            </a:r>
+          </a:p>
+        </p:txBody>
+      </p:sp>
+      <p:sp>
+        <p:nvSpPr>
+          <p:cNvPr id="3" name="Marcador de contenido 2"/>
+          <p:cNvSpPr>
+            <a:spLocks noGrp="1"/>
+          </p:cNvSpPr>
+          <p:nvPr>
+            <p:ph idx="1"/>
+          </p:nvPr>
+        </p:nvSpPr>
+        <p:spPr/>
+        <p:txBody>
+          <a:bodyPr>
+            <a:normAutofit fontScale="62500" lnSpcReduction="20000"/>
+          </a:bodyPr>
+          <a:lstStyle/>
+          <a:p>
+            <a:r>
+              <a:rPr lang="es-ES" dirty="0" smtClean="0"/>
+              <a:t>Salario </a:t>
+            </a:r>
+            <a:r>
+              <a:rPr lang="es-ES" dirty="0"/>
+              <a:t>base: 1.500 €. </a:t>
+            </a:r>
+            <a:r>
+              <a:rPr lang="es-ES" dirty="0" smtClean="0">
+                <a:solidFill>
+                  <a:schemeClr val="accent1"/>
+                </a:solidFill>
+              </a:rPr>
+              <a:t>D </a:t>
+            </a:r>
+            <a:r>
+              <a:rPr lang="es-ES" dirty="0" smtClean="0">
+                <a:solidFill>
+                  <a:schemeClr val="accent6"/>
+                </a:solidFill>
+              </a:rPr>
+              <a:t>BS</a:t>
+            </a:r>
+            <a:endParaRPr lang="es-ES" dirty="0">
+              <a:solidFill>
+                <a:schemeClr val="accent6"/>
+              </a:solidFill>
+            </a:endParaRPr>
+          </a:p>
+          <a:p>
+            <a:r>
+              <a:rPr lang="es-ES" dirty="0" smtClean="0"/>
+              <a:t>Antigüedad</a:t>
+            </a:r>
+            <a:r>
+              <a:rPr lang="es-ES" dirty="0"/>
+              <a:t>: 7% del salario base por trienio. </a:t>
+            </a:r>
+            <a:r>
+              <a:rPr lang="es-ES" dirty="0" smtClean="0"/>
+              <a:t>(0,07*1500)*3=315€ </a:t>
+            </a:r>
+            <a:r>
+              <a:rPr lang="es-ES" dirty="0" smtClean="0">
+                <a:solidFill>
+                  <a:schemeClr val="accent1"/>
+                </a:solidFill>
+              </a:rPr>
+              <a:t>D </a:t>
+            </a:r>
+            <a:r>
+              <a:rPr lang="es-ES" dirty="0" smtClean="0">
+                <a:solidFill>
+                  <a:schemeClr val="accent6"/>
+                </a:solidFill>
+              </a:rPr>
+              <a:t>BS</a:t>
+            </a:r>
+            <a:endParaRPr lang="es-ES" dirty="0">
+              <a:solidFill>
+                <a:schemeClr val="accent6"/>
+              </a:solidFill>
+            </a:endParaRPr>
+          </a:p>
+          <a:p>
+            <a:r>
+              <a:rPr lang="es-ES" dirty="0"/>
+              <a:t>Plus de actividad: 150 €. </a:t>
+            </a:r>
+            <a:r>
+              <a:rPr lang="es-ES" dirty="0" smtClean="0">
+                <a:solidFill>
+                  <a:schemeClr val="accent1"/>
+                </a:solidFill>
+              </a:rPr>
+              <a:t>D </a:t>
+            </a:r>
+            <a:r>
+              <a:rPr lang="es-ES" dirty="0" smtClean="0">
+                <a:solidFill>
+                  <a:schemeClr val="accent6"/>
+                </a:solidFill>
+              </a:rPr>
+              <a:t>BS</a:t>
+            </a:r>
+            <a:endParaRPr lang="es-ES" dirty="0">
+              <a:solidFill>
+                <a:schemeClr val="accent6"/>
+              </a:solidFill>
+            </a:endParaRPr>
+          </a:p>
+          <a:p>
+            <a:r>
+              <a:rPr lang="es-ES" dirty="0"/>
+              <a:t>Gastos de locomoción en transporte público justificados: 250 €. </a:t>
+            </a:r>
+            <a:r>
+              <a:rPr lang="es-ES" dirty="0" smtClean="0">
+                <a:solidFill>
+                  <a:schemeClr val="accent1"/>
+                </a:solidFill>
+              </a:rPr>
+              <a:t>D NS</a:t>
+            </a:r>
+            <a:endParaRPr lang="es-ES" dirty="0">
+              <a:solidFill>
+                <a:schemeClr val="accent1"/>
+              </a:solidFill>
+            </a:endParaRPr>
+          </a:p>
+          <a:p>
+            <a:r>
+              <a:rPr lang="es-ES" dirty="0"/>
+              <a:t>Plus quebranto de moneda : 300 €. </a:t>
+            </a:r>
+            <a:r>
+              <a:rPr lang="es-ES" dirty="0" smtClean="0">
+                <a:solidFill>
+                  <a:schemeClr val="accent1"/>
+                </a:solidFill>
+              </a:rPr>
+              <a:t>D </a:t>
+            </a:r>
+            <a:r>
+              <a:rPr lang="es-ES" dirty="0" smtClean="0">
+                <a:solidFill>
+                  <a:schemeClr val="accent6"/>
+                </a:solidFill>
+              </a:rPr>
+              <a:t>BNSINTEGRO</a:t>
+            </a:r>
+            <a:endParaRPr lang="es-ES" dirty="0">
+              <a:solidFill>
+                <a:schemeClr val="accent1"/>
+              </a:solidFill>
+            </a:endParaRPr>
+          </a:p>
+          <a:p>
+            <a:r>
+              <a:rPr lang="es-ES" dirty="0"/>
+              <a:t>Horas extras fuerza mayor : 550 €. </a:t>
+            </a:r>
+            <a:r>
+              <a:rPr lang="es-ES" dirty="0" smtClean="0">
+                <a:solidFill>
+                  <a:schemeClr val="accent1"/>
+                </a:solidFill>
+              </a:rPr>
+              <a:t>D</a:t>
+            </a:r>
+            <a:endParaRPr lang="es-ES" dirty="0">
+              <a:solidFill>
+                <a:schemeClr val="accent1"/>
+              </a:solidFill>
+            </a:endParaRPr>
+          </a:p>
+          <a:p>
+            <a:r>
+              <a:rPr lang="es-ES" dirty="0"/>
+              <a:t>Otras horas extraordinarias: 230 €.  </a:t>
+            </a:r>
+            <a:r>
+              <a:rPr lang="es-ES" dirty="0" smtClean="0">
+                <a:solidFill>
+                  <a:schemeClr val="accent1"/>
+                </a:solidFill>
+              </a:rPr>
+              <a:t>D</a:t>
+            </a:r>
+            <a:endParaRPr lang="es-ES" dirty="0">
+              <a:solidFill>
+                <a:schemeClr val="accent1"/>
+              </a:solidFill>
+            </a:endParaRPr>
+          </a:p>
+          <a:p>
+            <a:r>
+              <a:rPr lang="es-ES" dirty="0"/>
+              <a:t>Plus de transporte: 150 €. </a:t>
+            </a:r>
+            <a:r>
+              <a:rPr lang="es-ES" dirty="0" smtClean="0">
+                <a:solidFill>
+                  <a:schemeClr val="accent1"/>
+                </a:solidFill>
+              </a:rPr>
+              <a:t>D </a:t>
+            </a:r>
+            <a:r>
+              <a:rPr lang="es-ES" dirty="0" err="1" smtClean="0">
+                <a:solidFill>
+                  <a:schemeClr val="accent6"/>
+                </a:solidFill>
+              </a:rPr>
+              <a:t>bns</a:t>
+            </a:r>
+            <a:endParaRPr lang="es-ES" dirty="0">
+              <a:solidFill>
+                <a:schemeClr val="accent6"/>
+              </a:solidFill>
+            </a:endParaRPr>
+          </a:p>
+          <a:p>
+            <a:r>
+              <a:rPr lang="es-ES" dirty="0"/>
+              <a:t>Tiene una antigüedad en la empresa de diez años. Percibe anualmente dos pagas extraordinarias y el importe de cada una es igual al salario base más la antigüedad</a:t>
+            </a:r>
+            <a:r>
+              <a:rPr lang="es-ES" dirty="0" smtClean="0"/>
+              <a:t>. </a:t>
+            </a:r>
+            <a:r>
+              <a:rPr lang="es-ES" dirty="0" smtClean="0">
+                <a:solidFill>
+                  <a:schemeClr val="accent6"/>
+                </a:solidFill>
+              </a:rPr>
+              <a:t>2*(1500+315)/12=302,50</a:t>
+            </a:r>
+          </a:p>
+          <a:p>
+            <a:endParaRPr lang="es-ES" dirty="0"/>
+          </a:p>
+          <a:p>
+            <a:r>
+              <a:rPr lang="es-ES" dirty="0" err="1" smtClean="0"/>
+              <a:t>Bccc</a:t>
+            </a:r>
+            <a:r>
+              <a:rPr lang="es-ES" dirty="0" smtClean="0"/>
+              <a:t> = bs=1500+315+ 150; </a:t>
+            </a:r>
+          </a:p>
+          <a:p>
+            <a:r>
+              <a:rPr lang="es-ES" dirty="0" smtClean="0"/>
+              <a:t>BCCC= 2717,5€</a:t>
+            </a:r>
+          </a:p>
+          <a:p>
+            <a:r>
+              <a:rPr lang="es-ES" dirty="0" smtClean="0"/>
+              <a:t>TD= 3445€</a:t>
+            </a:r>
+            <a:endParaRPr lang="es-ES" dirty="0"/>
+          </a:p>
+        </p:txBody>
+      </p:sp>
+    </p:spTree>
+    <p:extLst>
+      <p:ext uri="{BB962C8B-B14F-4D97-AF65-F5344CB8AC3E}">
+        <p14:creationId xmlns:p14="http://schemas.microsoft.com/office/powerpoint/2010/main" val="3004054213"/>
+      </p:ext>
+    </p:extLst>
+  </p:cSld>
+  <p:clrMapOvr>
+    <a:masterClrMapping/>
+  </p:clrMapOvr>
+</p:sld>
+</file>
+
+<file path=ppt/slides/slide11.xml><?xml version="1.0" encoding="utf-8"?>
+<p:sld xmlns:a="http://schemas.openxmlformats.org/drawingml/2006/main" xmlns:r="http://schemas.openxmlformats.org/officeDocument/2006/relationships" xmlns:p="http://schemas.openxmlformats.org/presentationml/2006/main">
+  <p:cSld>
+    <p:spTree>
+      <p:nvGrpSpPr>
+        <p:cNvPr id="1" name=""/>
+        <p:cNvGrpSpPr/>
+        <p:nvPr/>
+      </p:nvGrpSpPr>
+      <p:grpSpPr>
+        <a:xfrm>
+          <a:off x="0" y="0"/>
+          <a:ext cx="0" cy="0"/>
+          <a:chOff x="0" y="0"/>
+          <a:chExt cx="0" cy="0"/>
+        </a:xfrm>
+      </p:grpSpPr>
+      <p:pic>
+        <p:nvPicPr>
+          <p:cNvPr id="4" name="Imagen 3"/>
+          <p:cNvPicPr>
+            <a:picLocks noChangeAspect="1"/>
+          </p:cNvPicPr>
+          <p:nvPr/>
+        </p:nvPicPr>
+        <p:blipFill rotWithShape="1">
+          <a:blip r:embed="rId2"/>
+          <a:srcRect r="-3" b="4037"/>
+          <a:stretch/>
+        </p:blipFill>
+        <p:spPr>
+          <a:xfrm>
+            <a:off x="410818" y="2582971"/>
+            <a:ext cx="2474183" cy="3286123"/>
+          </a:xfrm>
+          <a:prstGeom prst="rect">
+            <a:avLst/>
+          </a:prstGeom>
+        </p:spPr>
+      </p:pic>
+      <p:sp>
+        <p:nvSpPr>
+          <p:cNvPr id="2" name="Título 1"/>
+          <p:cNvSpPr>
+            <a:spLocks noGrp="1"/>
+          </p:cNvSpPr>
+          <p:nvPr>
+            <p:ph type="title"/>
+          </p:nvPr>
+        </p:nvSpPr>
+        <p:spPr>
+          <a:xfrm>
+            <a:off x="1338470" y="634946"/>
+            <a:ext cx="10628243" cy="1450757"/>
+          </a:xfrm>
+        </p:spPr>
+        <p:txBody>
+          <a:bodyPr anchor="ctr">
+            <a:normAutofit fontScale="90000"/>
+          </a:bodyPr>
+          <a:lstStyle/>
+          <a:p>
+            <a:pPr>
+              <a:lnSpc>
+                <a:spcPct val="150000"/>
+              </a:lnSpc>
+            </a:pPr>
+            <a:r>
+              <a:rPr lang="es-ES" sz="3600" dirty="0"/>
+              <a:t>B) BASES DE COTIZACIÓN CONTINGENCIAS PROFESIONALES</a:t>
+            </a:r>
+          </a:p>
+        </p:txBody>
+      </p:sp>
+      <p:sp>
+        <p:nvSpPr>
+          <p:cNvPr id="3" name="Marcador de contenido 2"/>
+          <p:cNvSpPr>
+            <a:spLocks noGrp="1"/>
+          </p:cNvSpPr>
+          <p:nvPr>
+            <p:ph idx="1"/>
+          </p:nvPr>
+        </p:nvSpPr>
+        <p:spPr>
+          <a:xfrm>
+            <a:off x="4974769" y="2198914"/>
+            <a:ext cx="6574973" cy="3670180"/>
+          </a:xfrm>
+        </p:spPr>
+        <p:txBody>
+          <a:bodyPr>
+            <a:normAutofit/>
+          </a:bodyPr>
+          <a:lstStyle/>
+          <a:p>
+            <a:pPr marL="384048" lvl="2" indent="0">
+              <a:buNone/>
+            </a:pPr>
+            <a:endParaRPr lang="es-ES" dirty="0"/>
+          </a:p>
+          <a:p>
+            <a:pPr>
+              <a:buFont typeface="Wingdings" panose="05000000000000000000" pitchFamily="2" charset="2"/>
+              <a:buChar char="Ø"/>
+            </a:pPr>
+            <a:r>
+              <a:rPr lang="es-ES" dirty="0"/>
+              <a:t>¿CÓMO SE CALCULA?</a:t>
+            </a:r>
+          </a:p>
+          <a:p>
+            <a:pPr>
+              <a:buFont typeface="Wingdings" panose="05000000000000000000" pitchFamily="2" charset="2"/>
+              <a:buChar char="Ø"/>
+            </a:pPr>
+            <a:endParaRPr lang="es-ES" dirty="0"/>
+          </a:p>
+          <a:p>
+            <a:pPr marL="0" indent="0" algn="ctr">
+              <a:buNone/>
+            </a:pPr>
+            <a:r>
+              <a:rPr lang="es-ES" b="1" dirty="0"/>
+              <a:t>BCCC + </a:t>
+            </a:r>
+            <a:r>
+              <a:rPr lang="es-ES" b="1" dirty="0">
+                <a:solidFill>
+                  <a:schemeClr val="accent4"/>
+                </a:solidFill>
+              </a:rPr>
+              <a:t>HORAS </a:t>
+            </a:r>
+            <a:r>
+              <a:rPr lang="es-ES" b="1" dirty="0" smtClean="0">
+                <a:solidFill>
+                  <a:schemeClr val="accent4"/>
+                </a:solidFill>
+              </a:rPr>
+              <a:t>EXTRAS(fuerzas mayor y extraordinarias)</a:t>
+            </a:r>
+          </a:p>
+          <a:p>
+            <a:pPr marL="0" indent="0" algn="ctr">
+              <a:buNone/>
+            </a:pPr>
+            <a:r>
+              <a:rPr lang="es-ES" dirty="0">
+                <a:solidFill>
+                  <a:schemeClr val="accent6"/>
+                </a:solidFill>
+              </a:rPr>
+              <a:t>2717,5</a:t>
+            </a:r>
+            <a:r>
+              <a:rPr lang="es-ES" dirty="0" smtClean="0">
+                <a:solidFill>
+                  <a:schemeClr val="accent6"/>
+                </a:solidFill>
+              </a:rPr>
+              <a:t>€ </a:t>
+            </a:r>
+            <a:r>
+              <a:rPr lang="es-ES" dirty="0" smtClean="0"/>
+              <a:t>+ </a:t>
+            </a:r>
+            <a:r>
+              <a:rPr lang="es-ES" dirty="0">
+                <a:solidFill>
+                  <a:schemeClr val="accent4"/>
+                </a:solidFill>
+              </a:rPr>
+              <a:t>550</a:t>
+            </a:r>
+            <a:r>
+              <a:rPr lang="es-ES" dirty="0"/>
+              <a:t> </a:t>
+            </a:r>
+            <a:r>
+              <a:rPr lang="es-ES" dirty="0" smtClean="0"/>
+              <a:t>+</a:t>
+            </a:r>
+            <a:r>
+              <a:rPr lang="es-ES" dirty="0" smtClean="0">
+                <a:solidFill>
+                  <a:schemeClr val="accent4"/>
+                </a:solidFill>
+              </a:rPr>
+              <a:t>230</a:t>
+            </a:r>
+            <a:r>
+              <a:rPr lang="es-ES" dirty="0" smtClean="0"/>
+              <a:t>=3497,50€</a:t>
+            </a:r>
+            <a:endParaRPr lang="es-ES" dirty="0"/>
+          </a:p>
+          <a:p>
+            <a:pPr marL="0" indent="0" algn="ctr">
+              <a:buNone/>
+            </a:pPr>
+            <a:endParaRPr lang="es-ES" b="1" dirty="0" smtClean="0"/>
+          </a:p>
+          <a:p>
+            <a:pPr marL="0" indent="0" algn="ctr">
+              <a:buNone/>
+            </a:pPr>
+            <a:endParaRPr lang="es-ES" b="1" dirty="0"/>
+          </a:p>
+          <a:p>
+            <a:endParaRPr lang="es-ES" dirty="0"/>
+          </a:p>
+        </p:txBody>
+      </p:sp>
+    </p:spTree>
+    <p:extLst>
+      <p:ext uri="{BB962C8B-B14F-4D97-AF65-F5344CB8AC3E}">
+        <p14:creationId xmlns:p14="http://schemas.microsoft.com/office/powerpoint/2010/main" val="2903661134"/>
+      </p:ext>
+    </p:extLst>
+  </p:cSld>
+  <p:clrMapOvr>
+    <a:masterClrMapping/>
+  </p:clrMapOvr>
+</p:sld>
+</file>
+
+<file path=ppt/slides/slide12.xml><?xml version="1.0" encoding="utf-8"?>
+<p:sld xmlns:a="http://schemas.openxmlformats.org/drawingml/2006/main" xmlns:r="http://schemas.openxmlformats.org/officeDocument/2006/relationships" xmlns:p="http://schemas.openxmlformats.org/presentationml/2006/main">
+  <p:cSld>
+    <p:spTree>
+      <p:nvGrpSpPr>
+        <p:cNvPr id="1" name=""/>
+        <p:cNvGrpSpPr/>
+        <p:nvPr/>
+      </p:nvGrpSpPr>
+      <p:grpSpPr>
+        <a:xfrm>
+          <a:off x="0" y="0"/>
+          <a:ext cx="0" cy="0"/>
+          <a:chOff x="0" y="0"/>
+          <a:chExt cx="0" cy="0"/>
+        </a:xfrm>
+      </p:grpSpPr>
       <p:pic>
         <p:nvPicPr>
           <p:cNvPr id="4" name="Imagen 3"/>
@@ -3665,7 +4250,7 @@
         </p:spPr>
         <p:txBody>
           <a:bodyPr>
-            <a:normAutofit fontScale="77500" lnSpcReduction="20000"/>
+            <a:normAutofit fontScale="62500" lnSpcReduction="20000"/>
           </a:bodyPr>
           <a:lstStyle/>
           <a:p>
@@ -3682,16 +4267,52 @@
             </a:r>
             <a:r>
               <a:rPr lang="es-ES" dirty="0"/>
-              <a:t>. Se sumarán todas las percepciones salariales (incluidas horas extras) y las no salariales tendrán el mismo tratamiento que en la BCCC.</a:t>
-            </a:r>
-          </a:p>
-          <a:p>
-            <a:pPr algn="just">
+              <a:t>. Se sumarán todas las percepciones salariales (incluidas horas extras) y las no salariales tendrán el mismo tratamiento que en la BCCC</a:t>
+            </a:r>
+            <a:r>
+              <a:rPr lang="es-ES" dirty="0" smtClean="0"/>
+              <a:t>.</a:t>
+            </a:r>
+          </a:p>
+          <a:p>
+            <a:pPr marL="0" indent="0" algn="just">
               <a:lnSpc>
                 <a:spcPct val="150000"/>
               </a:lnSpc>
-              <a:buFont typeface="Wingdings" panose="05000000000000000000" pitchFamily="2" charset="2"/>
-              <a:buChar char="Ø"/>
+              <a:buNone/>
+            </a:pPr>
+            <a:r>
+              <a:rPr lang="es-ES" dirty="0" err="1" smtClean="0">
+                <a:solidFill>
+                  <a:schemeClr val="accent6"/>
+                </a:solidFill>
+              </a:rPr>
+              <a:t>Bccc</a:t>
+            </a:r>
+            <a:r>
+              <a:rPr lang="es-ES" dirty="0" smtClean="0"/>
+              <a:t>- </a:t>
+            </a:r>
+            <a:r>
+              <a:rPr lang="es-ES" dirty="0" smtClean="0">
+                <a:solidFill>
+                  <a:schemeClr val="accent5"/>
+                </a:solidFill>
+              </a:rPr>
+              <a:t>prorrata de paga extra</a:t>
+            </a:r>
+            <a:r>
+              <a:rPr lang="es-ES" dirty="0" smtClean="0"/>
+              <a:t>= 3497,5 – 302,5= 3195€</a:t>
+            </a:r>
+            <a:endParaRPr lang="es-ES" dirty="0"/>
+          </a:p>
+          <a:p>
+            <a:pPr marL="0" indent="0" algn="just">
+              <a:lnSpc>
+                <a:spcPct val="150000"/>
+              </a:lnSpc>
+              <a:buNone/>
             </a:pPr>
             <a:endParaRPr lang="es-ES" dirty="0"/>
           </a:p>
@@ -3727,7 +4348,7 @@
 </p:sld>
 </file>
 
-<file path=ppt/slides/slide11.xml><?xml version="1.0" encoding="utf-8"?>
+<file path=ppt/slides/slide13.xml><?xml version="1.0" encoding="utf-8"?>
 <p:sld xmlns:a="http://schemas.openxmlformats.org/drawingml/2006/main" xmlns:r="http://schemas.openxmlformats.org/officeDocument/2006/relationships" xmlns:p="http://schemas.openxmlformats.org/presentationml/2006/main">
   <p:cSld>
     <p:spTree>
@@ -5247,7 +5868,7 @@
 </p:sld>
 </file>
 
-<file path=ppt/slides/slide12.xml><?xml version="1.0" encoding="utf-8"?>
+<file path=ppt/slides/slide14.xml><?xml version="1.0" encoding="utf-8"?>
 <p:sld xmlns:a="http://schemas.openxmlformats.org/drawingml/2006/main" xmlns:r="http://schemas.openxmlformats.org/officeDocument/2006/relationships" xmlns:p="http://schemas.openxmlformats.org/presentationml/2006/main">
   <p:cSld>
     <p:bg>
@@ -5280,7 +5901,7 @@
                 <a16:creationId xmlns:a16="http://schemas.microsoft.com/office/drawing/2014/main" id="{823AC064-BC96-4F32-8AE1-B2FD38754823}"/>
               </a:ext>
               <a:ext uri="{C183D7F6-B498-43B3-948B-1728B52AA6E4}">
-                <adec:decorative xmlns:adec="http://schemas.microsoft.com/office/drawing/2017/decorative" xmlns="" val="1"/>
+                <adec:decorative xmlns="" xmlns:adec="http://schemas.microsoft.com/office/drawing/2017/decorative" val="1"/>
               </a:ext>
             </a:extLst>
           </p:cNvPr>
@@ -5385,7 +6006,7 @@
                 <a16:creationId xmlns:a16="http://schemas.microsoft.com/office/drawing/2014/main" id="{7E7C77BC-7138-40B1-A15B-20F57A494629}"/>
               </a:ext>
               <a:ext uri="{C183D7F6-B498-43B3-948B-1728B52AA6E4}">
-                <adec:decorative xmlns:adec="http://schemas.microsoft.com/office/drawing/2017/decorative" xmlns="" val="1"/>
+                <adec:decorative xmlns="" xmlns:adec="http://schemas.microsoft.com/office/drawing/2017/decorative" val="1"/>
               </a:ext>
             </a:extLst>
           </p:cNvPr>
@@ -5467,7 +6088,7 @@
                 <a16:creationId xmlns:a16="http://schemas.microsoft.com/office/drawing/2014/main" id="{DB146403-F3D6-484B-B2ED-97F9565D0370}"/>
               </a:ext>
               <a:ext uri="{C183D7F6-B498-43B3-948B-1728B52AA6E4}">
-                <adec:decorative xmlns:adec="http://schemas.microsoft.com/office/drawing/2017/decorative" xmlns="" val="1"/>
+                <adec:decorative xmlns="" xmlns:adec="http://schemas.microsoft.com/office/drawing/2017/decorative" val="1"/>
               </a:ext>
             </a:extLst>
           </p:cNvPr>
@@ -5556,347 +6177,6 @@
 </p:sld>
 </file>
 
-<file path=ppt/slides/slide13.xml><?xml version="1.0" encoding="utf-8"?>
-<p:sld xmlns:a="http://schemas.openxmlformats.org/drawingml/2006/main" xmlns:r="http://schemas.openxmlformats.org/officeDocument/2006/relationships" xmlns:p="http://schemas.openxmlformats.org/presentationml/2006/main">
-  <p:cSld>
-    <p:spTree>
-      <p:nvGrpSpPr>
-        <p:cNvPr id="1" name=""/>
-        <p:cNvGrpSpPr/>
-        <p:nvPr/>
-      </p:nvGrpSpPr>
-      <p:grpSpPr>
-        <a:xfrm>
-          <a:off x="0" y="0"/>
-          <a:ext cx="0" cy="0"/>
-          <a:chOff x="0" y="0"/>
-          <a:chExt cx="0" cy="0"/>
-        </a:xfrm>
-      </p:grpSpPr>
-      <p:sp>
-        <p:nvSpPr>
-          <p:cNvPr id="2" name="Título 1"/>
-          <p:cNvSpPr>
-            <a:spLocks noGrp="1"/>
-          </p:cNvSpPr>
-          <p:nvPr>
-            <p:ph type="title"/>
-          </p:nvPr>
-        </p:nvSpPr>
-        <p:spPr>
-          <a:xfrm>
-            <a:off x="0" y="1"/>
-            <a:ext cx="12192000" cy="981986"/>
-          </a:xfrm>
-          <a:solidFill>
-            <a:schemeClr val="accent3">
-              <a:lumMod val="60000"/>
-              <a:lumOff val="40000"/>
-            </a:schemeClr>
-          </a:solidFill>
-        </p:spPr>
-        <p:txBody>
-          <a:bodyPr>
-            <a:normAutofit/>
-          </a:bodyPr>
-          <a:lstStyle/>
-          <a:p>
-            <a:pPr algn="ctr"/>
-            <a:r>
-              <a:rPr lang="es-ES" b="1" dirty="0"/>
-              <a:t>ACTIVIDADES</a:t>
-            </a:r>
-          </a:p>
-        </p:txBody>
-      </p:sp>
-      <p:sp>
-        <p:nvSpPr>
-          <p:cNvPr id="3" name="Marcador de contenido 2"/>
-          <p:cNvSpPr>
-            <a:spLocks noGrp="1"/>
-          </p:cNvSpPr>
-          <p:nvPr>
-            <p:ph idx="1"/>
-          </p:nvPr>
-        </p:nvSpPr>
-        <p:spPr>
-          <a:xfrm>
-            <a:off x="0" y="981986"/>
-            <a:ext cx="12192000" cy="5876013"/>
-          </a:xfrm>
-          <a:solidFill>
-            <a:schemeClr val="bg1"/>
-          </a:solidFill>
-        </p:spPr>
-        <p:txBody>
-          <a:bodyPr>
-            <a:normAutofit/>
-          </a:bodyPr>
-          <a:lstStyle/>
-          <a:p>
-            <a:pPr marL="0" indent="0">
-              <a:lnSpc>
-                <a:spcPct val="130000"/>
-              </a:lnSpc>
-              <a:buNone/>
-            </a:pPr>
-            <a:r>
-              <a:rPr lang="es-ES" sz="1800" b="1" dirty="0"/>
-              <a:t>1.-</a:t>
-            </a:r>
-            <a:r>
-              <a:rPr lang="es-ES" sz="1800" dirty="0"/>
-              <a:t>Una empresa ha enviado a un trabajador a Ámsterdam, durante cinco días, para captar nuevos clientes: Este trabajador recibió 150 euros diarios para pagar los </a:t>
-            </a:r>
-            <a:r>
-              <a:rPr lang="es-ES" sz="1800" b="1" u="sng" dirty="0"/>
-              <a:t>gastos de manutención</a:t>
-            </a:r>
-            <a:r>
-              <a:rPr lang="es-ES" sz="1800" dirty="0"/>
-              <a:t>. El propio trabajador pagó los </a:t>
-            </a:r>
-            <a:r>
-              <a:rPr lang="es-ES" sz="1800" b="1" u="sng" dirty="0"/>
-              <a:t>gastos de alojamiento</a:t>
-            </a:r>
-            <a:r>
-              <a:rPr lang="es-ES" sz="1800" dirty="0"/>
-              <a:t>, que ascendieron a 900 € y, posteriormente, la factura le fue abonada por la empresa. Además percibió 0,25 € por kilómetro en concepto de </a:t>
-            </a:r>
-            <a:r>
-              <a:rPr lang="es-ES" sz="1800" b="1" u="sng" dirty="0"/>
-              <a:t>gastos de locomoción</a:t>
-            </a:r>
-            <a:r>
-              <a:rPr lang="es-ES" sz="1800" dirty="0"/>
-              <a:t>, habiendo realizado 100 kilómetros. Realizó </a:t>
-            </a:r>
-            <a:r>
-              <a:rPr lang="es-ES" sz="1800" b="1" u="sng" dirty="0"/>
-              <a:t>horas extras </a:t>
-            </a:r>
-            <a:r>
-              <a:rPr lang="es-ES" sz="1800" dirty="0"/>
-              <a:t>por importe de 100 €. El salario base es igual a 1.000 € y percibe tres pagas extras iguales a salario base</a:t>
-            </a:r>
-          </a:p>
-          <a:p>
-            <a:pPr marL="0" indent="0">
-              <a:lnSpc>
-                <a:spcPct val="130000"/>
-              </a:lnSpc>
-              <a:buNone/>
-            </a:pPr>
-            <a:r>
-              <a:rPr lang="es-ES" sz="1800" dirty="0"/>
-              <a:t>Calcula: Total devengado, BCCC y BCCP.</a:t>
-            </a:r>
-          </a:p>
-          <a:p>
-            <a:pPr marL="0" indent="0">
-              <a:lnSpc>
-                <a:spcPct val="130000"/>
-              </a:lnSpc>
-              <a:buNone/>
-            </a:pPr>
-            <a:r>
-              <a:rPr lang="es-ES" sz="1800" b="1" dirty="0"/>
-              <a:t>2.-</a:t>
-            </a:r>
-            <a:r>
-              <a:rPr lang="es-ES" sz="1800" dirty="0"/>
-              <a:t>Calcula las bases de cotización (BCCC Y BCCP) correspondientes a un trabajador que recibe las siguientes retribuciones: Salario base: 1300 €. Incentivos: 100 €.Plus de transporte: 130 €. Quebranto de moneda: 300 €. El trabajador percibe dos pagas extraordinarias de un importe igual al salario base. </a:t>
-            </a:r>
-          </a:p>
-          <a:p>
-            <a:pPr marL="0" indent="0">
-              <a:lnSpc>
-                <a:spcPct val="130000"/>
-              </a:lnSpc>
-              <a:buNone/>
-            </a:pPr>
-            <a:r>
-              <a:rPr lang="es-ES" sz="1800" b="1" dirty="0"/>
-              <a:t>3.-</a:t>
-            </a:r>
-            <a:r>
-              <a:rPr lang="es-ES" sz="1800" dirty="0"/>
-              <a:t>Calcula las bases de cotización correspondientes a un trabajador que en el presente mes ha recibido las siguientes retribuciones: Salario base: 1.500 €. Antigüedad: 7% del salario base por trienio. Plus de actividad: 150 €. Gastos de locomoción justificados: 250 €. Plus quebranto de moneda : 300 €. Horas extras fuerza mayor : 550 €.  Otras horas extraordinarias: 230 €.  Plus de transporte: 150 €. Tiene una antigüedad en la empresa de diez años. Percibe anualmente dos pagas extraordinarias y el importe de cada una es igual al salario base más la antigüedad. Además, percibe una paga extra de vacaciones de 500 €.</a:t>
-            </a:r>
-          </a:p>
-        </p:txBody>
-      </p:sp>
-    </p:spTree>
-    <p:extLst>
-      <p:ext uri="{BB962C8B-B14F-4D97-AF65-F5344CB8AC3E}">
-        <p14:creationId xmlns:p14="http://schemas.microsoft.com/office/powerpoint/2010/main" val="790468829"/>
-      </p:ext>
-    </p:extLst>
-  </p:cSld>
-  <p:clrMapOvr>
-    <a:masterClrMapping/>
-  </p:clrMapOvr>
-</p:sld>
-</file>
-
-<file path=ppt/slides/slide14.xml><?xml version="1.0" encoding="utf-8"?>
-<p:sld xmlns:a="http://schemas.openxmlformats.org/drawingml/2006/main" xmlns:r="http://schemas.openxmlformats.org/officeDocument/2006/relationships" xmlns:p="http://schemas.openxmlformats.org/presentationml/2006/main">
-  <p:cSld>
-    <p:spTree>
-      <p:nvGrpSpPr>
-        <p:cNvPr id="1" name=""/>
-        <p:cNvGrpSpPr/>
-        <p:nvPr/>
-      </p:nvGrpSpPr>
-      <p:grpSpPr>
-        <a:xfrm>
-          <a:off x="0" y="0"/>
-          <a:ext cx="0" cy="0"/>
-          <a:chOff x="0" y="0"/>
-          <a:chExt cx="0" cy="0"/>
-        </a:xfrm>
-      </p:grpSpPr>
-      <p:sp>
-        <p:nvSpPr>
-          <p:cNvPr id="2" name="Título 1"/>
-          <p:cNvSpPr>
-            <a:spLocks noGrp="1"/>
-          </p:cNvSpPr>
-          <p:nvPr>
-            <p:ph type="title"/>
-          </p:nvPr>
-        </p:nvSpPr>
-        <p:spPr>
-          <a:xfrm>
-            <a:off x="0" y="1"/>
-            <a:ext cx="12192000" cy="981986"/>
-          </a:xfrm>
-          <a:solidFill>
-            <a:schemeClr val="accent3">
-              <a:lumMod val="60000"/>
-              <a:lumOff val="40000"/>
-            </a:schemeClr>
-          </a:solidFill>
-        </p:spPr>
-        <p:txBody>
-          <a:bodyPr>
-            <a:normAutofit/>
-          </a:bodyPr>
-          <a:lstStyle/>
-          <a:p>
-            <a:pPr algn="ctr"/>
-            <a:r>
-              <a:rPr lang="es-ES" dirty="0"/>
-              <a:t>ACTIVIDADES</a:t>
-            </a:r>
-          </a:p>
-        </p:txBody>
-      </p:sp>
-      <p:sp>
-        <p:nvSpPr>
-          <p:cNvPr id="3" name="Marcador de contenido 2"/>
-          <p:cNvSpPr>
-            <a:spLocks noGrp="1"/>
-          </p:cNvSpPr>
-          <p:nvPr>
-            <p:ph idx="1"/>
-          </p:nvPr>
-        </p:nvSpPr>
-        <p:spPr>
-          <a:xfrm>
-            <a:off x="0" y="981986"/>
-            <a:ext cx="12192000" cy="5876013"/>
-          </a:xfrm>
-          <a:solidFill>
-            <a:schemeClr val="bg1"/>
-          </a:solidFill>
-        </p:spPr>
-        <p:txBody>
-          <a:bodyPr>
-            <a:normAutofit/>
-          </a:bodyPr>
-          <a:lstStyle/>
-          <a:p>
-            <a:pPr marL="0" indent="0">
-              <a:lnSpc>
-                <a:spcPct val="130000"/>
-              </a:lnSpc>
-              <a:buNone/>
-            </a:pPr>
-            <a:r>
-              <a:rPr lang="es-ES" sz="1800" b="1" dirty="0"/>
-              <a:t>4.- Confecciona la nómina de un trabajador con una antigüedad de 11 años, contrato indefinido a tiempo completo. Según el Convenio Colectivo, el trabajador percibe las siguientes retribuciones:</a:t>
-            </a:r>
-          </a:p>
-          <a:p>
-            <a:pPr marL="0" indent="0">
-              <a:lnSpc>
-                <a:spcPct val="130000"/>
-              </a:lnSpc>
-              <a:buNone/>
-            </a:pPr>
-            <a:r>
-              <a:rPr lang="es-ES" sz="1800" b="1" dirty="0"/>
-              <a:t>Salario Base: 1.100 €. Incentivos, 120€. Plus nocturnidad: 150 €. Horas extras fuerza mayor: 250 €. Otras horas extra: 125 €.</a:t>
-            </a:r>
-          </a:p>
-          <a:p>
-            <a:pPr marL="0" indent="0">
-              <a:lnSpc>
-                <a:spcPct val="130000"/>
-              </a:lnSpc>
-              <a:buNone/>
-            </a:pPr>
-            <a:r>
-              <a:rPr lang="es-ES" sz="1800" b="1" dirty="0"/>
-              <a:t>Antigüedad: 5% del salario base por trienio. Locomoción: 0,22€/km, habiendo realizado 700 Km con el propio coche. Pagas extra: 3 al año equivalentes al salario base más la antigüedad.</a:t>
-            </a:r>
-          </a:p>
-          <a:p>
-            <a:pPr marL="0" indent="0">
-              <a:lnSpc>
-                <a:spcPct val="130000"/>
-              </a:lnSpc>
-              <a:buNone/>
-            </a:pPr>
-            <a:endParaRPr lang="es-ES" sz="1800" b="1" dirty="0"/>
-          </a:p>
-          <a:p>
-            <a:pPr marL="0" indent="0">
-              <a:lnSpc>
-                <a:spcPct val="130000"/>
-              </a:lnSpc>
-              <a:buNone/>
-            </a:pPr>
-            <a:r>
-              <a:rPr lang="es-ES" sz="1800" b="1" dirty="0"/>
-              <a:t>El tipo de retención de IRPF es del 14 %. </a:t>
-            </a:r>
-          </a:p>
-          <a:p>
-            <a:pPr>
-              <a:lnSpc>
-                <a:spcPct val="130000"/>
-              </a:lnSpc>
-            </a:pPr>
-            <a:endParaRPr lang="es-ES" sz="1800" b="1" dirty="0"/>
-          </a:p>
-        </p:txBody>
-      </p:sp>
-    </p:spTree>
-    <p:extLst>
-      <p:ext uri="{BB962C8B-B14F-4D97-AF65-F5344CB8AC3E}">
-        <p14:creationId xmlns:p14="http://schemas.microsoft.com/office/powerpoint/2010/main" val="1498121082"/>
-      </p:ext>
-    </p:extLst>
-  </p:cSld>
-  <p:clrMapOvr>
-    <a:masterClrMapping/>
-  </p:clrMapOvr>
-</p:sld>
-</file>
-
 <file path=ppt/slides/slide15.xml><?xml version="1.0" encoding="utf-8"?>
 <p:sld xmlns:a="http://schemas.openxmlformats.org/drawingml/2006/main" xmlns:r="http://schemas.openxmlformats.org/officeDocument/2006/relationships" xmlns:p="http://schemas.openxmlformats.org/presentationml/2006/main">
   <p:cSld>
@@ -5944,7 +6224,7 @@
           <a:p>
             <a:pPr algn="ctr"/>
             <a:r>
-              <a:rPr lang="es-ES" dirty="0"/>
+              <a:rPr lang="es-ES" b="1" dirty="0"/>
               <a:t>ACTIVIDADES</a:t>
             </a:r>
           </a:p>
@@ -5962,7 +6242,7 @@
         </p:nvSpPr>
         <p:spPr>
           <a:xfrm>
-            <a:off x="0" y="1008491"/>
+            <a:off x="0" y="981986"/>
             <a:ext cx="12192000" cy="5876013"/>
           </a:xfrm>
           <a:solidFill>
@@ -5983,7 +6263,43 @@
             </a:pPr>
             <a:r>
               <a:rPr lang="es-ES" sz="1800" b="1" dirty="0"/>
-              <a:t>5.- La trabajadora Patricia Ramírez percibe durante el mes de mayo, según Convenio Colectivo, las siguientes percepciones:</a:t>
+              <a:t>1.-</a:t>
+            </a:r>
+            <a:r>
+              <a:rPr lang="es-ES" sz="1800" dirty="0"/>
+              <a:t>Una empresa ha enviado a un trabajador a Ámsterdam, durante cinco días, para captar nuevos clientes: Este trabajador recibió 150 euros diarios para pagar los </a:t>
+            </a:r>
+            <a:r>
+              <a:rPr lang="es-ES" sz="1800" b="1" u="sng" dirty="0"/>
+              <a:t>gastos de manutención</a:t>
+            </a:r>
+            <a:r>
+              <a:rPr lang="es-ES" sz="1800" dirty="0"/>
+              <a:t>. El propio trabajador pagó los </a:t>
+            </a:r>
+            <a:r>
+              <a:rPr lang="es-ES" sz="1800" b="1" u="sng" dirty="0"/>
+              <a:t>gastos de alojamiento</a:t>
+            </a:r>
+            <a:r>
+              <a:rPr lang="es-ES" sz="1800" dirty="0"/>
+              <a:t>, que ascendieron a 900 € y, posteriormente, la factura le fue abonada por la empresa. Además percibió 0,25 € por kilómetro en concepto de </a:t>
+            </a:r>
+            <a:r>
+              <a:rPr lang="es-ES" sz="1800" b="1" u="sng" dirty="0"/>
+              <a:t>gastos de locomoción</a:t>
+            </a:r>
+            <a:r>
+              <a:rPr lang="es-ES" sz="1800" dirty="0"/>
+              <a:t>, habiendo realizado 100 kilómetros. Realizó </a:t>
+            </a:r>
+            <a:r>
+              <a:rPr lang="es-ES" sz="1800" b="1" u="sng" dirty="0"/>
+              <a:t>horas extras </a:t>
+            </a:r>
+            <a:r>
+              <a:rPr lang="es-ES" sz="1800" dirty="0"/>
+              <a:t>por importe de 100 €. El salario base es igual a 1.000 € y percibe tres pagas extras iguales a salario base</a:t>
             </a:r>
           </a:p>
           <a:p>
@@ -5994,8 +6310,8 @@
               <a:buNone/>
             </a:pPr>
             <a:r>
-              <a:rPr lang="es-ES" sz="1800" b="1" dirty="0"/>
-              <a:t>Salario base: 2.200 €; Plus de transporte: 155 €. Plus de dedicación: 200 €. Complemento de disponibilidad: 290 €. Horas extras fuerza mayor: 450 €. Horas extras voluntarias: 140 €. Ha percibido dietas por importe de 500 €, cantidad exenta de Seguridad Social. Anualmente percibe dos pagas extras – a cobrar en junio y en diciembre- por importe igual al salario base. También recibe una paga de beneficios de 500 € a cobrar en febrero. El tipo de retención de IRPF es del 18 %</a:t>
+              <a:rPr lang="es-ES" sz="1800" dirty="0"/>
+              <a:t>Calcula: Total devengado, BCCC y BCCP.</a:t>
             </a:r>
           </a:p>
           <a:p>
@@ -6005,7 +6321,14 @@
               </a:lnSpc>
               <a:buNone/>
             </a:pPr>
-            <a:endParaRPr lang="es-ES" sz="1800" b="1" dirty="0"/>
+            <a:r>
+              <a:rPr lang="es-ES" sz="1800" b="1" dirty="0"/>
+              <a:t>2.-</a:t>
+            </a:r>
+            <a:r>
+              <a:rPr lang="es-ES" sz="1800" dirty="0"/>
+              <a:t>Calcula las bases de cotización (BCCC Y BCCP) correspondientes a un trabajador que recibe las siguientes retribuciones: Salario base: 1300 €. Incentivos: 100 €.Plus de transporte: 130 €. Quebranto de moneda: 300 €. El trabajador percibe dos pagas extraordinarias de un importe igual al salario base. </a:t>
+            </a:r>
           </a:p>
           <a:p>
             <a:pPr marL="0" indent="0">
@@ -6016,23 +6339,19 @@
             </a:pPr>
             <a:r>
               <a:rPr lang="es-ES" sz="1800" b="1" dirty="0"/>
-              <a:t>Elabora la nómina.</a:t>
-            </a:r>
-          </a:p>
-          <a:p>
-            <a:pPr>
-              <a:lnSpc>
-                <a:spcPct val="130000"/>
-              </a:lnSpc>
-            </a:pPr>
-            <a:endParaRPr lang="es-ES" sz="1800" b="1" dirty="0"/>
+              <a:t>3.-</a:t>
+            </a:r>
+            <a:r>
+              <a:rPr lang="es-ES" sz="1800" dirty="0"/>
+              <a:t>Calcula las bases de cotización correspondientes a un trabajador que en el presente mes ha recibido las siguientes retribuciones: Salario base: 1.500 €. Antigüedad: 7% del salario base por trienio. Plus de actividad: 150 €. Gastos de locomoción justificados: 250 €. Plus quebranto de moneda : 300 €. Horas extras fuerza mayor : 550 €.  Otras horas extraordinarias: 230 €.  Plus de transporte: 150 €. Tiene una antigüedad en la empresa de diez años. Percibe anualmente dos pagas extraordinarias y el importe de cada una es igual al salario base más la antigüedad. Además, percibe una paga extra de vacaciones de 500 €.</a:t>
+            </a:r>
           </a:p>
         </p:txBody>
       </p:sp>
     </p:spTree>
     <p:extLst>
       <p:ext uri="{BB962C8B-B14F-4D97-AF65-F5344CB8AC3E}">
-        <p14:creationId xmlns:p14="http://schemas.microsoft.com/office/powerpoint/2010/main" val="238721856"/>
+        <p14:creationId xmlns:p14="http://schemas.microsoft.com/office/powerpoint/2010/main" val="790468829"/>
       </p:ext>
     </p:extLst>
   </p:cSld>
@@ -6128,6 +6447,308 @@
             </a:pPr>
             <a:r>
               <a:rPr lang="es-ES" sz="1800" b="1" dirty="0"/>
+              <a:t>4.- Confecciona la nómina de un trabajador con una antigüedad de 11 años, contrato indefinido a tiempo completo. Según el Convenio Colectivo, el trabajador percibe las siguientes retribuciones:</a:t>
+            </a:r>
+          </a:p>
+          <a:p>
+            <a:pPr marL="0" indent="0">
+              <a:lnSpc>
+                <a:spcPct val="130000"/>
+              </a:lnSpc>
+              <a:buNone/>
+            </a:pPr>
+            <a:r>
+              <a:rPr lang="es-ES" sz="1800" b="1" dirty="0"/>
+              <a:t>Salario Base: 1.100 €. Incentivos, 120€. Plus nocturnidad: 150 €. Horas extras fuerza mayor: 250 €. Otras horas extra: 125 €.</a:t>
+            </a:r>
+          </a:p>
+          <a:p>
+            <a:pPr marL="0" indent="0">
+              <a:lnSpc>
+                <a:spcPct val="130000"/>
+              </a:lnSpc>
+              <a:buNone/>
+            </a:pPr>
+            <a:r>
+              <a:rPr lang="es-ES" sz="1800" b="1" dirty="0"/>
+              <a:t>Antigüedad: 5% del salario base por trienio. Locomoción: 0,22€/km, habiendo realizado 700 Km con el propio coche. Pagas extra: 3 al año equivalentes al salario base más la antigüedad.</a:t>
+            </a:r>
+          </a:p>
+          <a:p>
+            <a:pPr marL="0" indent="0">
+              <a:lnSpc>
+                <a:spcPct val="130000"/>
+              </a:lnSpc>
+              <a:buNone/>
+            </a:pPr>
+            <a:endParaRPr lang="es-ES" sz="1800" b="1" dirty="0"/>
+          </a:p>
+          <a:p>
+            <a:pPr marL="0" indent="0">
+              <a:lnSpc>
+                <a:spcPct val="130000"/>
+              </a:lnSpc>
+              <a:buNone/>
+            </a:pPr>
+            <a:r>
+              <a:rPr lang="es-ES" sz="1800" b="1" dirty="0"/>
+              <a:t>El tipo de retención de IRPF es del 14 %. </a:t>
+            </a:r>
+          </a:p>
+          <a:p>
+            <a:pPr>
+              <a:lnSpc>
+                <a:spcPct val="130000"/>
+              </a:lnSpc>
+            </a:pPr>
+            <a:endParaRPr lang="es-ES" sz="1800" b="1" dirty="0"/>
+          </a:p>
+        </p:txBody>
+      </p:sp>
+    </p:spTree>
+    <p:extLst>
+      <p:ext uri="{BB962C8B-B14F-4D97-AF65-F5344CB8AC3E}">
+        <p14:creationId xmlns:p14="http://schemas.microsoft.com/office/powerpoint/2010/main" val="1498121082"/>
+      </p:ext>
+    </p:extLst>
+  </p:cSld>
+  <p:clrMapOvr>
+    <a:masterClrMapping/>
+  </p:clrMapOvr>
+</p:sld>
+</file>
+
+<file path=ppt/slides/slide17.xml><?xml version="1.0" encoding="utf-8"?>
+<p:sld xmlns:a="http://schemas.openxmlformats.org/drawingml/2006/main" xmlns:r="http://schemas.openxmlformats.org/officeDocument/2006/relationships" xmlns:p="http://schemas.openxmlformats.org/presentationml/2006/main">
+  <p:cSld>
+    <p:spTree>
+      <p:nvGrpSpPr>
+        <p:cNvPr id="1" name=""/>
+        <p:cNvGrpSpPr/>
+        <p:nvPr/>
+      </p:nvGrpSpPr>
+      <p:grpSpPr>
+        <a:xfrm>
+          <a:off x="0" y="0"/>
+          <a:ext cx="0" cy="0"/>
+          <a:chOff x="0" y="0"/>
+          <a:chExt cx="0" cy="0"/>
+        </a:xfrm>
+      </p:grpSpPr>
+      <p:sp>
+        <p:nvSpPr>
+          <p:cNvPr id="2" name="Título 1"/>
+          <p:cNvSpPr>
+            <a:spLocks noGrp="1"/>
+          </p:cNvSpPr>
+          <p:nvPr>
+            <p:ph type="title"/>
+          </p:nvPr>
+        </p:nvSpPr>
+        <p:spPr>
+          <a:xfrm>
+            <a:off x="0" y="1"/>
+            <a:ext cx="12192000" cy="981986"/>
+          </a:xfrm>
+          <a:solidFill>
+            <a:schemeClr val="accent3">
+              <a:lumMod val="60000"/>
+              <a:lumOff val="40000"/>
+            </a:schemeClr>
+          </a:solidFill>
+        </p:spPr>
+        <p:txBody>
+          <a:bodyPr>
+            <a:normAutofit/>
+          </a:bodyPr>
+          <a:lstStyle/>
+          <a:p>
+            <a:pPr algn="ctr"/>
+            <a:r>
+              <a:rPr lang="es-ES" dirty="0"/>
+              <a:t>ACTIVIDADES</a:t>
+            </a:r>
+          </a:p>
+        </p:txBody>
+      </p:sp>
+      <p:sp>
+        <p:nvSpPr>
+          <p:cNvPr id="3" name="Marcador de contenido 2"/>
+          <p:cNvSpPr>
+            <a:spLocks noGrp="1"/>
+          </p:cNvSpPr>
+          <p:nvPr>
+            <p:ph idx="1"/>
+          </p:nvPr>
+        </p:nvSpPr>
+        <p:spPr>
+          <a:xfrm>
+            <a:off x="0" y="1008491"/>
+            <a:ext cx="12192000" cy="5876013"/>
+          </a:xfrm>
+          <a:solidFill>
+            <a:schemeClr val="bg1"/>
+          </a:solidFill>
+        </p:spPr>
+        <p:txBody>
+          <a:bodyPr>
+            <a:normAutofit/>
+          </a:bodyPr>
+          <a:lstStyle/>
+          <a:p>
+            <a:pPr marL="0" indent="0">
+              <a:lnSpc>
+                <a:spcPct val="130000"/>
+              </a:lnSpc>
+              <a:buNone/>
+            </a:pPr>
+            <a:r>
+              <a:rPr lang="es-ES" sz="1800" b="1" dirty="0"/>
+              <a:t>5.- La trabajadora Patricia Ramírez percibe durante el mes de mayo, según Convenio Colectivo, las siguientes percepciones:</a:t>
+            </a:r>
+          </a:p>
+          <a:p>
+            <a:pPr marL="0" indent="0">
+              <a:lnSpc>
+                <a:spcPct val="130000"/>
+              </a:lnSpc>
+              <a:buNone/>
+            </a:pPr>
+            <a:r>
+              <a:rPr lang="es-ES" sz="1800" b="1" dirty="0"/>
+              <a:t>Salario base: 2.200 €; Plus de transporte: 155 €. Plus de dedicación: 200 €. Complemento de disponibilidad: 290 €. Horas extras fuerza mayor: 450 €. Horas extras voluntarias: 140 €. Ha percibido dietas por importe de 500 €, cantidad exenta de Seguridad Social. Anualmente percibe dos pagas extras – a cobrar en junio y en diciembre- por importe igual al salario base. También recibe una paga de beneficios de 500 € a cobrar en febrero. El tipo de retención de IRPF es del 18 %</a:t>
+            </a:r>
+          </a:p>
+          <a:p>
+            <a:pPr marL="0" indent="0">
+              <a:lnSpc>
+                <a:spcPct val="130000"/>
+              </a:lnSpc>
+              <a:buNone/>
+            </a:pPr>
+            <a:endParaRPr lang="es-ES" sz="1800" b="1" dirty="0"/>
+          </a:p>
+          <a:p>
+            <a:pPr marL="0" indent="0">
+              <a:lnSpc>
+                <a:spcPct val="130000"/>
+              </a:lnSpc>
+              <a:buNone/>
+            </a:pPr>
+            <a:r>
+              <a:rPr lang="es-ES" sz="1800" b="1" dirty="0"/>
+              <a:t>Elabora la nómina.</a:t>
+            </a:r>
+          </a:p>
+          <a:p>
+            <a:pPr>
+              <a:lnSpc>
+                <a:spcPct val="130000"/>
+              </a:lnSpc>
+            </a:pPr>
+            <a:endParaRPr lang="es-ES" sz="1800" b="1" dirty="0"/>
+          </a:p>
+        </p:txBody>
+      </p:sp>
+    </p:spTree>
+    <p:extLst>
+      <p:ext uri="{BB962C8B-B14F-4D97-AF65-F5344CB8AC3E}">
+        <p14:creationId xmlns:p14="http://schemas.microsoft.com/office/powerpoint/2010/main" val="238721856"/>
+      </p:ext>
+    </p:extLst>
+  </p:cSld>
+  <p:clrMapOvr>
+    <a:masterClrMapping/>
+  </p:clrMapOvr>
+</p:sld>
+</file>
+
+<file path=ppt/slides/slide18.xml><?xml version="1.0" encoding="utf-8"?>
+<p:sld xmlns:a="http://schemas.openxmlformats.org/drawingml/2006/main" xmlns:r="http://schemas.openxmlformats.org/officeDocument/2006/relationships" xmlns:p="http://schemas.openxmlformats.org/presentationml/2006/main">
+  <p:cSld>
+    <p:spTree>
+      <p:nvGrpSpPr>
+        <p:cNvPr id="1" name=""/>
+        <p:cNvGrpSpPr/>
+        <p:nvPr/>
+      </p:nvGrpSpPr>
+      <p:grpSpPr>
+        <a:xfrm>
+          <a:off x="0" y="0"/>
+          <a:ext cx="0" cy="0"/>
+          <a:chOff x="0" y="0"/>
+          <a:chExt cx="0" cy="0"/>
+        </a:xfrm>
+      </p:grpSpPr>
+      <p:sp>
+        <p:nvSpPr>
+          <p:cNvPr id="2" name="Título 1"/>
+          <p:cNvSpPr>
+            <a:spLocks noGrp="1"/>
+          </p:cNvSpPr>
+          <p:nvPr>
+            <p:ph type="title"/>
+          </p:nvPr>
+        </p:nvSpPr>
+        <p:spPr>
+          <a:xfrm>
+            <a:off x="0" y="1"/>
+            <a:ext cx="12192000" cy="981986"/>
+          </a:xfrm>
+          <a:solidFill>
+            <a:schemeClr val="accent3">
+              <a:lumMod val="60000"/>
+              <a:lumOff val="40000"/>
+            </a:schemeClr>
+          </a:solidFill>
+        </p:spPr>
+        <p:txBody>
+          <a:bodyPr>
+            <a:normAutofit/>
+          </a:bodyPr>
+          <a:lstStyle/>
+          <a:p>
+            <a:pPr algn="ctr"/>
+            <a:r>
+              <a:rPr lang="es-ES" dirty="0"/>
+              <a:t>ACTIVIDADES</a:t>
+            </a:r>
+          </a:p>
+        </p:txBody>
+      </p:sp>
+      <p:sp>
+        <p:nvSpPr>
+          <p:cNvPr id="3" name="Marcador de contenido 2"/>
+          <p:cNvSpPr>
+            <a:spLocks noGrp="1"/>
+          </p:cNvSpPr>
+          <p:nvPr>
+            <p:ph idx="1"/>
+          </p:nvPr>
+        </p:nvSpPr>
+        <p:spPr>
+          <a:xfrm>
+            <a:off x="0" y="981986"/>
+            <a:ext cx="12192000" cy="5876013"/>
+          </a:xfrm>
+          <a:solidFill>
+            <a:schemeClr val="bg1"/>
+          </a:solidFill>
+        </p:spPr>
+        <p:txBody>
+          <a:bodyPr>
+            <a:normAutofit/>
+          </a:bodyPr>
+          <a:lstStyle/>
+          <a:p>
+            <a:pPr marL="0" indent="0">
+              <a:lnSpc>
+                <a:spcPct val="130000"/>
+              </a:lnSpc>
+              <a:buNone/>
+            </a:pPr>
+            <a:r>
+              <a:rPr lang="es-ES" sz="1800" b="1" dirty="0"/>
               <a:t>6.- Durante el mes de noviembre, Antonio Serrano percibe, en concepto de salario:   Salario base: 1800 €. Antigüedad: 2 % del sueldo base por trienio; lleva 18 años en la empresa.  Plus de </a:t>
             </a:r>
             <a:r>
@@ -6174,7 +6795,7 @@
 </p:sld>
 </file>
 
-<file path=ppt/slides/slide17.xml><?xml version="1.0" encoding="utf-8"?>
+<file path=ppt/slides/slide19.xml><?xml version="1.0" encoding="utf-8"?>
 <p:sld xmlns:a="http://schemas.openxmlformats.org/drawingml/2006/main" xmlns:r="http://schemas.openxmlformats.org/officeDocument/2006/relationships" xmlns:p="http://schemas.openxmlformats.org/presentationml/2006/main">
   <p:cSld>
     <p:spTree>
@@ -6798,7 +7419,7 @@
                 <a16:creationId xmlns:a16="http://schemas.microsoft.com/office/drawing/2014/main" id="{6EFC920F-B85A-4068-BD93-41064EDE93D3}"/>
               </a:ext>
               <a:ext uri="{C183D7F6-B498-43B3-948B-1728B52AA6E4}">
-                <adec:decorative xmlns:adec="http://schemas.microsoft.com/office/drawing/2017/decorative" xmlns="" val="1"/>
+                <adec:decorative xmlns="" xmlns:adec="http://schemas.microsoft.com/office/drawing/2017/decorative" val="1"/>
               </a:ext>
             </a:extLst>
           </p:cNvPr>
@@ -6858,7 +7479,7 @@
                 <a16:creationId xmlns:a16="http://schemas.microsoft.com/office/drawing/2014/main" id="{1C559108-BBAE-426C-8564-051D2BA6DDC8}"/>
               </a:ext>
               <a:ext uri="{C183D7F6-B498-43B3-948B-1728B52AA6E4}">
-                <adec:decorative xmlns:adec="http://schemas.microsoft.com/office/drawing/2017/decorative" xmlns="" val="1"/>
+                <adec:decorative xmlns="" xmlns:adec="http://schemas.microsoft.com/office/drawing/2017/decorative" val="1"/>
               </a:ext>
             </a:extLst>
           </p:cNvPr>
@@ -6892,7 +7513,7 @@
                   <a16:creationId xmlns:a16="http://schemas.microsoft.com/office/drawing/2014/main" id="{42BC35EE-6650-42D2-AEFB-4B7CD1AFC9BD}"/>
                 </a:ext>
                 <a:ext uri="{C183D7F6-B498-43B3-948B-1728B52AA6E4}">
-                  <adec:decorative xmlns:adec="http://schemas.microsoft.com/office/drawing/2017/decorative" xmlns="" val="1"/>
+                  <adec:decorative xmlns="" xmlns:adec="http://schemas.microsoft.com/office/drawing/2017/decorative" val="1"/>
                 </a:ext>
               </a:extLst>
             </p:cNvPr>
@@ -6951,7 +7572,7 @@
                   <a16:creationId xmlns:a16="http://schemas.microsoft.com/office/drawing/2014/main" id="{0952C743-9049-4DFB-878B-2AB07B6E4FD1}"/>
                 </a:ext>
                 <a:ext uri="{C183D7F6-B498-43B3-948B-1728B52AA6E4}">
-                  <adec:decorative xmlns:adec="http://schemas.microsoft.com/office/drawing/2017/decorative" xmlns="" val="1"/>
+                  <adec:decorative xmlns="" xmlns:adec="http://schemas.microsoft.com/office/drawing/2017/decorative" val="1"/>
                 </a:ext>
               </a:extLst>
             </p:cNvPr>
@@ -7011,7 +7632,7 @@
                 <a16:creationId xmlns:a16="http://schemas.microsoft.com/office/drawing/2014/main" id="{CBC4F608-B4B8-48C3-9572-C0F061B1CD99}"/>
               </a:ext>
               <a:ext uri="{C183D7F6-B498-43B3-948B-1728B52AA6E4}">
-                <adec:decorative xmlns:adec="http://schemas.microsoft.com/office/drawing/2017/decorative" xmlns="" val="1"/>
+                <adec:decorative xmlns="" xmlns:adec="http://schemas.microsoft.com/office/drawing/2017/decorative" val="1"/>
               </a:ext>
             </a:extLst>
           </p:cNvPr>
@@ -7133,7 +7754,7 @@
                 <a16:creationId xmlns:a16="http://schemas.microsoft.com/office/drawing/2014/main" id="{1382A32C-5B0C-4B1C-A074-76C6DBCC9F87}"/>
               </a:ext>
               <a:ext uri="{C183D7F6-B498-43B3-948B-1728B52AA6E4}">
-                <adec:decorative xmlns:adec="http://schemas.microsoft.com/office/drawing/2017/decorative" xmlns="" val="1"/>
+                <adec:decorative xmlns="" xmlns:adec="http://schemas.microsoft.com/office/drawing/2017/decorative" val="1"/>
               </a:ext>
             </a:extLst>
           </p:cNvPr>
@@ -7585,7 +8206,15 @@
             </a:pPr>
             <a:r>
               <a:rPr lang="es-ES" sz="12800" b="1" dirty="0"/>
-              <a:t>  TOTAL DEVENGADO      –      DEDUCCIONES     =     SALARIO LÍQUIDO</a:t>
+              <a:t>  TOTAL </a:t>
+            </a:r>
+            <a:r>
+              <a:rPr lang="es-ES" sz="12800" b="1" dirty="0" smtClean="0"/>
+              <a:t>DEVENGADO–DEDUCCIONES     </a:t>
+            </a:r>
+            <a:r>
+              <a:rPr lang="es-ES" sz="12800" b="1" dirty="0"/>
+              <a:t>=     SALARIO LÍQUIDO</a:t>
             </a:r>
             <a:endParaRPr lang="es-ES" sz="12800" dirty="0"/>
           </a:p>
@@ -7670,7 +8299,15 @@
                   <a:schemeClr val="tx1"/>
                 </a:solidFill>
               </a:rPr>
-              <a:t>Percepciones salariales</a:t>
+              <a:t>Percepciones </a:t>
+            </a:r>
+            <a:r>
+              <a:rPr lang="es-ES" b="1" dirty="0" smtClean="0">
+                <a:solidFill>
+                  <a:schemeClr val="tx1"/>
+                </a:solidFill>
+              </a:rPr>
+              <a:t>salariales</a:t>
             </a:r>
           </a:p>
         </p:txBody>
@@ -7683,8 +8320,8 @@
         </p:nvSpPr>
         <p:spPr>
           <a:xfrm>
-            <a:off x="3057176" y="3885283"/>
-            <a:ext cx="2120348" cy="914402"/>
+            <a:off x="2776451" y="3885283"/>
+            <a:ext cx="2401073" cy="914402"/>
           </a:xfrm>
           <a:prstGeom prst="ellipse">
             <a:avLst/>
@@ -7717,7 +8354,15 @@
                   <a:schemeClr val="tx1"/>
                 </a:solidFill>
               </a:rPr>
-              <a:t>Percepciones no salariales</a:t>
+              <a:t>Percepciones no </a:t>
+            </a:r>
+            <a:r>
+              <a:rPr lang="es-ES" b="1" dirty="0" smtClean="0">
+                <a:solidFill>
+                  <a:schemeClr val="tx1"/>
+                </a:solidFill>
+              </a:rPr>
+              <a:t>salariales</a:t>
             </a:r>
           </a:p>
         </p:txBody>
@@ -8262,6 +8907,34 @@
           </a:p>
         </p:txBody>
       </p:sp>
+      <p:sp>
+        <p:nvSpPr>
+          <p:cNvPr id="6" name="Rectángulo 5"/>
+          <p:cNvSpPr/>
+          <p:nvPr/>
+        </p:nvSpPr>
+        <p:spPr>
+          <a:xfrm>
+            <a:off x="1108172" y="1465240"/>
+            <a:ext cx="2408736" cy="369332"/>
+          </a:xfrm>
+          <a:prstGeom prst="rect">
+            <a:avLst/>
+          </a:prstGeom>
+        </p:spPr>
+        <p:txBody>
+          <a:bodyPr wrap="none">
+            <a:spAutoFit/>
+          </a:bodyPr>
+          <a:lstStyle/>
+          <a:p>
+            <a:r>
+              <a:rPr lang="es-ES" dirty="0"/>
+              <a:t>lo que la empresa paga </a:t>
+            </a:r>
+          </a:p>
+        </p:txBody>
+      </p:sp>
     </p:spTree>
     <p:extLst>
       <p:ext uri="{BB962C8B-B14F-4D97-AF65-F5344CB8AC3E}">
@@ -8310,14 +8983,47 @@
         </p:spPr>
         <p:txBody>
           <a:bodyPr>
-            <a:normAutofit/>
+            <a:normAutofit fontScale="90000"/>
           </a:bodyPr>
           <a:lstStyle/>
           <a:p>
             <a:r>
               <a:rPr lang="es-ES" sz="3200" b="1" dirty="0"/>
-              <a:t>PASO 1.- TOTAL DEVENGADO (o salario bruto)</a:t>
-            </a:r>
+              <a:t>PASO 1.- TOTAL DEVENGADO (o salario bruto</a:t>
+            </a:r>
+            <a:r>
+              <a:rPr lang="es-ES" sz="3200" b="1" dirty="0" smtClean="0"/>
+              <a:t>) </a:t>
+            </a:r>
+            <a:r>
+              <a:rPr lang="es-ES" sz="3200" b="1" dirty="0" smtClean="0">
+                <a:solidFill>
+                  <a:schemeClr val="accent6"/>
+                </a:solidFill>
+              </a:rPr>
+              <a:t>Se calcula sumando todo lo que percibe el trabajador excepto las pagas </a:t>
+            </a:r>
+            <a:r>
+              <a:rPr lang="es-ES" sz="3200" b="1" u="sng" dirty="0" smtClean="0">
+                <a:solidFill>
+                  <a:schemeClr val="accent6"/>
+                </a:solidFill>
+              </a:rPr>
+              <a:t>extras</a:t>
+            </a:r>
+            <a:r>
+              <a:rPr lang="es-ES" sz="3200" b="1" dirty="0" smtClean="0">
+                <a:solidFill>
+                  <a:schemeClr val="accent6"/>
+                </a:solidFill>
+              </a:rPr>
+              <a:t>.*</a:t>
+            </a:r>
+            <a:endParaRPr lang="es-ES" sz="3200" b="1" dirty="0">
+              <a:solidFill>
+                <a:schemeClr val="accent6"/>
+              </a:solidFill>
+            </a:endParaRPr>
           </a:p>
         </p:txBody>
       </p:sp>
@@ -8333,8 +9039,8 @@
         </p:nvSpPr>
         <p:spPr>
           <a:xfrm>
-            <a:off x="845488" y="1417983"/>
-            <a:ext cx="4937760" cy="5108713"/>
+            <a:off x="448887" y="1172095"/>
+            <a:ext cx="5334361" cy="5354601"/>
           </a:xfrm>
           <a:solidFill>
             <a:schemeClr val="bg1"/>
@@ -8354,14 +9060,8 @@
             <a:pPr marL="0" indent="0" algn="ctr">
               <a:buNone/>
             </a:pPr>
-            <a:endParaRPr lang="es-ES" b="1" dirty="0"/>
-          </a:p>
-          <a:p>
-            <a:pPr marL="0" indent="0" algn="ctr">
-              <a:buNone/>
-            </a:pPr>
-            <a:r>
-              <a:rPr lang="es-ES" sz="1800" b="1" dirty="0">
+            <a:r>
+              <a:rPr lang="es-ES" sz="1800" b="1" dirty="0" smtClean="0">
                 <a:solidFill>
                   <a:schemeClr val="accent1">
                     <a:lumMod val="75000"/>
@@ -8372,6 +9072,28 @@
             </a:r>
           </a:p>
           <a:p>
+            <a:pPr marL="0" indent="0" algn="ctr">
+              <a:buNone/>
+            </a:pPr>
+            <a:r>
+              <a:rPr lang="es-ES" sz="1200" b="1" dirty="0" smtClean="0">
+                <a:solidFill>
+                  <a:schemeClr val="accent1">
+                    <a:lumMod val="75000"/>
+                  </a:schemeClr>
+                </a:solidFill>
+              </a:rPr>
+              <a:t>Lo que percibe el trabajador por su trabajo como pago de su trabajo</a:t>
+            </a:r>
+            <a:endParaRPr lang="es-ES" sz="1200" b="1" dirty="0">
+              <a:solidFill>
+                <a:schemeClr val="accent1">
+                  <a:lumMod val="75000"/>
+                </a:schemeClr>
+              </a:solidFill>
+            </a:endParaRPr>
+          </a:p>
+          <a:p>
             <a:pPr algn="just">
               <a:lnSpc>
                 <a:spcPct val="130000"/>
@@ -8381,8 +9103,29 @@
             </a:pPr>
             <a:r>
               <a:rPr lang="es-ES" sz="1800" b="1" dirty="0"/>
-              <a:t>Salario base:</a:t>
-            </a:r>
+              <a:t>Salario base</a:t>
+            </a:r>
+            <a:r>
+              <a:rPr lang="es-ES" sz="1800" b="1" dirty="0" smtClean="0"/>
+              <a:t>:</a:t>
+            </a:r>
+            <a:r>
+              <a:rPr lang="es-ES" sz="1400" b="1" dirty="0" smtClean="0"/>
+              <a:t> </a:t>
+            </a:r>
+            <a:r>
+              <a:rPr lang="es-ES" sz="1400" b="1" dirty="0" smtClean="0">
+                <a:solidFill>
+                  <a:schemeClr val="accent6"/>
+                </a:solidFill>
+              </a:rPr>
+              <a:t>Partida más importante fijada por el convenio colectivo.</a:t>
+            </a:r>
+            <a:endParaRPr lang="es-ES" sz="1400" b="1" dirty="0">
+              <a:solidFill>
+                <a:schemeClr val="accent6"/>
+              </a:solidFill>
+            </a:endParaRPr>
           </a:p>
           <a:p>
             <a:pPr algn="just">
@@ -8393,39 +9136,78 @@
               <a:rPr lang="es-ES" sz="1800" b="1" dirty="0"/>
               <a:t>Complementos: </a:t>
             </a:r>
-          </a:p>
-          <a:p>
-            <a:pPr lvl="1" algn="just">
-              <a:lnSpc>
-                <a:spcPct val="110000"/>
-              </a:lnSpc>
+            <a:endParaRPr lang="es-ES" sz="1800" b="1" dirty="0" smtClean="0"/>
+          </a:p>
+          <a:p>
+            <a:pPr marL="228600" lvl="1" algn="just">
+              <a:spcBef>
+                <a:spcPts val="1000"/>
+              </a:spcBef>
+              <a:buFont typeface="Wingdings" panose="05000000000000000000" pitchFamily="2" charset="2"/>
+              <a:buChar char="Ø"/>
             </a:pPr>
             <a:r>
+              <a:rPr lang="es-ES" sz="1800" b="1" dirty="0" smtClean="0"/>
+              <a:t>1. Según las características de los trabajadores: </a:t>
+            </a:r>
+            <a:r>
+              <a:rPr lang="es-ES" sz="1800" dirty="0" smtClean="0"/>
+              <a:t>Antigüedad.</a:t>
+            </a:r>
+            <a:endParaRPr lang="es-ES" sz="1800" b="1" dirty="0" smtClean="0"/>
+          </a:p>
+          <a:p>
+            <a:pPr marL="228600" lvl="1" algn="just">
+              <a:spcBef>
+                <a:spcPts val="1000"/>
+              </a:spcBef>
+              <a:buFont typeface="Wingdings" panose="05000000000000000000" pitchFamily="2" charset="2"/>
+              <a:buChar char="Ø"/>
+            </a:pPr>
+            <a:r>
+              <a:rPr lang="es-ES" sz="1800" b="1" dirty="0" smtClean="0"/>
+              <a:t>2. Según el puesto de trabajo.</a:t>
+            </a:r>
+            <a:r>
               <a:rPr lang="es-ES" sz="1800" dirty="0"/>
-              <a:t>Antigüedad, </a:t>
-            </a:r>
-          </a:p>
-          <a:p>
-            <a:pPr lvl="1" algn="just">
-              <a:lnSpc>
-                <a:spcPct val="110000"/>
-              </a:lnSpc>
+              <a:t> Peligrosidad, toxicidad, </a:t>
+            </a:r>
+            <a:r>
+              <a:rPr lang="es-ES" sz="1800" dirty="0" err="1"/>
+              <a:t>turnicidad</a:t>
+            </a:r>
+            <a:r>
+              <a:rPr lang="es-ES" sz="1800" dirty="0"/>
+              <a:t>, </a:t>
+            </a:r>
+            <a:r>
+              <a:rPr lang="es-ES" sz="1800" dirty="0" smtClean="0"/>
+              <a:t>nocturnidad.</a:t>
+            </a:r>
+            <a:endParaRPr lang="es-ES" sz="1800" b="1" dirty="0" smtClean="0"/>
+          </a:p>
+          <a:p>
+            <a:pPr algn="just">
+              <a:buFont typeface="Wingdings" panose="05000000000000000000" pitchFamily="2" charset="2"/>
+              <a:buChar char="Ø"/>
             </a:pPr>
             <a:r>
+              <a:rPr lang="es-ES" sz="1800" b="1" dirty="0" smtClean="0"/>
+              <a:t>3. Por Productividad: </a:t>
+            </a:r>
+            <a:r>
+              <a:rPr lang="es-ES" sz="1800" dirty="0" smtClean="0"/>
+              <a:t>Incentivos</a:t>
+            </a:r>
+            <a:r>
               <a:rPr lang="es-ES" sz="1800" dirty="0"/>
-              <a:t>Peligrosidad, toxicidad, turnicidad, nocturnidad, </a:t>
-            </a:r>
-          </a:p>
-          <a:p>
-            <a:pPr lvl="1" algn="just">
-              <a:lnSpc>
-                <a:spcPct val="110000"/>
-              </a:lnSpc>
-            </a:pPr>
-            <a:r>
-              <a:rPr lang="es-ES" sz="1800" dirty="0"/>
-              <a:t>Incentivos, primas o plus de activad, asistencia o puntualidad</a:t>
-            </a:r>
+              <a:t>, primas o plus de activad, asistencia o </a:t>
+            </a:r>
+            <a:r>
+              <a:rPr lang="es-ES" sz="1800" dirty="0" smtClean="0"/>
+              <a:t>puntualidad.</a:t>
+            </a:r>
+            <a:endParaRPr lang="es-ES" sz="1800" dirty="0"/>
           </a:p>
           <a:p>
             <a:pPr algn="just">
@@ -8437,8 +9219,25 @@
             </a:pPr>
             <a:r>
               <a:rPr lang="es-ES" sz="1800" b="1" dirty="0"/>
-              <a:t>Horas extraordinarias</a:t>
-            </a:r>
+              <a:t>Horas </a:t>
+            </a:r>
+            <a:r>
+              <a:rPr lang="es-ES" sz="1800" b="1" dirty="0" smtClean="0"/>
+              <a:t>extraordinarias: </a:t>
+            </a:r>
+            <a:r>
+              <a:rPr lang="es-ES" sz="1400" b="1" dirty="0" smtClean="0">
+                <a:solidFill>
+                  <a:schemeClr val="accent6"/>
+                </a:solidFill>
+              </a:rPr>
+              <a:t>80 anuales.</a:t>
+            </a:r>
+            <a:endParaRPr lang="es-ES" sz="1400" b="1" dirty="0">
+              <a:solidFill>
+                <a:schemeClr val="accent6"/>
+              </a:solidFill>
+            </a:endParaRPr>
           </a:p>
           <a:p>
             <a:pPr algn="just">
@@ -8450,8 +9249,25 @@
             </a:pPr>
             <a:r>
               <a:rPr lang="es-ES" sz="1800" b="1" dirty="0"/>
-              <a:t>Participación en beneficios</a:t>
-            </a:r>
+              <a:t>Participación en </a:t>
+            </a:r>
+            <a:r>
+              <a:rPr lang="es-ES" sz="1800" b="1" dirty="0" smtClean="0"/>
+              <a:t>beneficios de la empresa: </a:t>
+            </a:r>
+            <a:r>
+              <a:rPr lang="es-ES" sz="1400" b="1" dirty="0" smtClean="0">
+                <a:solidFill>
+                  <a:schemeClr val="accent6"/>
+                </a:solidFill>
+              </a:rPr>
+              <a:t>Reparto de  parte los beneficios generados en la empresa con los empleados.</a:t>
+            </a:r>
+            <a:endParaRPr lang="es-ES" sz="1400" b="1" dirty="0">
+              <a:solidFill>
+                <a:schemeClr val="accent6"/>
+              </a:solidFill>
+            </a:endParaRPr>
           </a:p>
           <a:p>
             <a:pPr algn="just">
@@ -8463,8 +9279,25 @@
             </a:pPr>
             <a:r>
               <a:rPr lang="es-ES" sz="1800" b="1" dirty="0"/>
-              <a:t>Pagas extraordinarias</a:t>
-            </a:r>
+              <a:t>Pagas </a:t>
+            </a:r>
+            <a:r>
+              <a:rPr lang="es-ES" sz="1800" b="1" dirty="0" smtClean="0"/>
+              <a:t>extraordinarias: </a:t>
+            </a:r>
+            <a:r>
+              <a:rPr lang="es-ES" sz="1400" b="1" dirty="0" smtClean="0">
+                <a:solidFill>
+                  <a:schemeClr val="accent6"/>
+                </a:solidFill>
+              </a:rPr>
+              <a:t>Al menos 2 al año.</a:t>
+            </a:r>
+            <a:endParaRPr lang="es-ES" sz="1400" b="1" dirty="0">
+              <a:solidFill>
+                <a:schemeClr val="accent6"/>
+              </a:solidFill>
+            </a:endParaRPr>
           </a:p>
         </p:txBody>
       </p:sp>
@@ -8480,8 +9313,8 @@
         </p:nvSpPr>
         <p:spPr>
           <a:xfrm>
-            <a:off x="6217920" y="1417984"/>
-            <a:ext cx="4937760" cy="5108712"/>
+            <a:off x="6217920" y="1172095"/>
+            <a:ext cx="5436524" cy="5354601"/>
           </a:xfrm>
           <a:solidFill>
             <a:schemeClr val="bg1"/>
@@ -8494,19 +9327,23 @@
         </p:spPr>
         <p:txBody>
           <a:bodyPr>
-            <a:normAutofit/>
+            <a:normAutofit lnSpcReduction="10000"/>
           </a:bodyPr>
           <a:lstStyle/>
           <a:p>
             <a:pPr marL="0" indent="0" algn="ctr">
               <a:buNone/>
             </a:pPr>
-            <a:endParaRPr lang="es-ES" sz="1800" b="1" dirty="0"/>
-          </a:p>
-          <a:p>
-            <a:pPr marL="0" indent="0" algn="ctr">
-              <a:buNone/>
-            </a:pPr>
+            <a:r>
+              <a:rPr lang="es-ES" sz="1800" b="1" dirty="0" smtClean="0">
+                <a:solidFill>
+                  <a:schemeClr val="accent1">
+                    <a:lumMod val="75000"/>
+                  </a:schemeClr>
+                </a:solidFill>
+              </a:rPr>
+              <a:t>PERCEPCIONES </a:t>
+            </a:r>
             <a:r>
               <a:rPr lang="es-ES" sz="1800" b="1" dirty="0">
                 <a:solidFill>
@@ -8515,8 +9352,94 @@
                   </a:schemeClr>
                 </a:solidFill>
               </a:rPr>
-              <a:t>PERCEPCIONES NO SALARIALES</a:t>
-            </a:r>
+              <a:t>NO </a:t>
+            </a:r>
+            <a:r>
+              <a:rPr lang="es-ES" sz="1800" b="1" dirty="0" smtClean="0">
+                <a:solidFill>
+                  <a:schemeClr val="accent1">
+                    <a:lumMod val="75000"/>
+                  </a:schemeClr>
+                </a:solidFill>
+              </a:rPr>
+              <a:t>SALARIALES</a:t>
+            </a:r>
+          </a:p>
+          <a:p>
+            <a:pPr marL="0" indent="0" algn="ctr">
+              <a:buNone/>
+            </a:pPr>
+            <a:r>
+              <a:rPr lang="es-ES" sz="1400" b="1" dirty="0" smtClean="0">
+                <a:solidFill>
+                  <a:schemeClr val="accent1">
+                    <a:lumMod val="75000"/>
+                  </a:schemeClr>
+                </a:solidFill>
+              </a:rPr>
+              <a:t>Gastos que tiene el trabajador como consecuencia de su trabajo. Financiar los gastos que su trabajo ocasiona.</a:t>
+            </a:r>
+            <a:endParaRPr lang="es-ES" sz="1400" b="1" dirty="0">
+              <a:solidFill>
+                <a:schemeClr val="accent1">
+                  <a:lumMod val="75000"/>
+                </a:schemeClr>
+              </a:solidFill>
+            </a:endParaRPr>
+          </a:p>
+          <a:p>
+            <a:pPr algn="just">
+              <a:buFont typeface="Arial" panose="020B0604020202020204" pitchFamily="34" charset="0"/>
+              <a:buChar char="•"/>
+            </a:pPr>
+            <a:r>
+              <a:rPr lang="es-ES" sz="1800" dirty="0"/>
+              <a:t>Plus de </a:t>
+            </a:r>
+            <a:r>
+              <a:rPr lang="es-ES" sz="1800" dirty="0" smtClean="0"/>
+              <a:t>transporte: </a:t>
+            </a:r>
+            <a:r>
+              <a:rPr lang="es-ES" sz="1400" dirty="0" smtClean="0">
+                <a:solidFill>
+                  <a:schemeClr val="accent6"/>
+                </a:solidFill>
+              </a:rPr>
+              <a:t>Lo suele fijar el convenio colectivo. Se paga el desplazamiento del trabajador de casa al trabajo y del trabajo a casa.</a:t>
+            </a:r>
+            <a:endParaRPr lang="es-ES" sz="1400" dirty="0">
+              <a:solidFill>
+                <a:schemeClr val="accent6"/>
+              </a:solidFill>
+            </a:endParaRPr>
+          </a:p>
+          <a:p>
+            <a:pPr algn="just">
+              <a:buFont typeface="Arial" panose="020B0604020202020204" pitchFamily="34" charset="0"/>
+              <a:buChar char="•"/>
+            </a:pPr>
+            <a:r>
+              <a:rPr lang="es-ES" sz="1800" dirty="0"/>
+              <a:t>Dietas: Estancia y </a:t>
+            </a:r>
+            <a:r>
+              <a:rPr lang="es-ES" sz="1800" dirty="0" smtClean="0"/>
+              <a:t>manutención. </a:t>
+            </a:r>
+            <a:r>
+              <a:rPr lang="es-ES" sz="1400" dirty="0" smtClean="0">
+                <a:solidFill>
+                  <a:schemeClr val="accent6"/>
+                </a:solidFill>
+              </a:rPr>
+              <a:t>Lo que se paga por pernoctar y comer (manutención y estancia) por motivos de trabajo.</a:t>
+            </a:r>
+            <a:endParaRPr lang="es-ES" sz="1800" dirty="0">
+              <a:solidFill>
+                <a:schemeClr val="accent6"/>
+              </a:solidFill>
+            </a:endParaRPr>
           </a:p>
           <a:p>
             <a:pPr>
@@ -8525,8 +9448,21 @@
             </a:pPr>
             <a:r>
               <a:rPr lang="es-ES" sz="1800" dirty="0"/>
-              <a:t>Plus de transporte</a:t>
-            </a:r>
+              <a:t>Gastos de locomoción: en transporte público o en transporte </a:t>
+            </a:r>
+            <a:r>
+              <a:rPr lang="es-ES" sz="1800" dirty="0" smtClean="0"/>
+              <a:t>privado </a:t>
+            </a:r>
+            <a:r>
+              <a:rPr lang="es-ES" sz="1400" dirty="0" smtClean="0">
+                <a:solidFill>
+                  <a:schemeClr val="accent6"/>
+                </a:solidFill>
+              </a:rPr>
+              <a:t>Transporte durante la jornada laboral.</a:t>
+            </a:r>
+            <a:endParaRPr lang="es-ES" sz="1400" dirty="0"/>
           </a:p>
           <a:p>
             <a:pPr>
@@ -8535,8 +9471,25 @@
             </a:pPr>
             <a:r>
               <a:rPr lang="es-ES" sz="1800" dirty="0"/>
-              <a:t>Dietas: Estancia y manutención</a:t>
-            </a:r>
+              <a:t>Quebranto de </a:t>
+            </a:r>
+            <a:r>
+              <a:rPr lang="es-ES" sz="1800" dirty="0" smtClean="0"/>
+              <a:t>moneda. </a:t>
+            </a:r>
+            <a:r>
+              <a:rPr lang="es-ES" sz="1400" dirty="0" smtClean="0">
+                <a:solidFill>
+                  <a:schemeClr val="accent6"/>
+                </a:solidFill>
+              </a:rPr>
+              <a:t>Compensa el perjuicio económico que puede padecer un trabajador con los descuadres de caja.</a:t>
+            </a:r>
+            <a:endParaRPr lang="es-ES" sz="1400" dirty="0">
+              <a:solidFill>
+                <a:schemeClr val="accent6"/>
+              </a:solidFill>
+            </a:endParaRPr>
           </a:p>
           <a:p>
             <a:pPr>
@@ -8545,8 +9498,25 @@
             </a:pPr>
             <a:r>
               <a:rPr lang="es-ES" sz="1800" dirty="0"/>
-              <a:t>Gastos de locomoción: en transporte público o en transporte privado</a:t>
-            </a:r>
+              <a:t>Plus de </a:t>
+            </a:r>
+            <a:r>
+              <a:rPr lang="es-ES" sz="1800" dirty="0" smtClean="0"/>
+              <a:t>herramientas: </a:t>
+            </a:r>
+            <a:r>
+              <a:rPr lang="es-ES" sz="1800" dirty="0" smtClean="0">
+                <a:solidFill>
+                  <a:schemeClr val="accent6"/>
+                </a:solidFill>
+              </a:rPr>
+              <a:t>gasto para herramientas.</a:t>
+            </a:r>
+            <a:endParaRPr lang="es-ES" sz="1800" dirty="0">
+              <a:solidFill>
+                <a:schemeClr val="accent6"/>
+              </a:solidFill>
+            </a:endParaRPr>
           </a:p>
           <a:p>
             <a:pPr>
@@ -8555,7 +9525,19 @@
             </a:pPr>
             <a:r>
               <a:rPr lang="es-ES" sz="1800" dirty="0"/>
-              <a:t>Quebranto de moneda</a:t>
+              <a:t>Plus de ropa </a:t>
+            </a:r>
+            <a:r>
+              <a:rPr lang="es-ES" sz="1800" dirty="0" smtClean="0"/>
+              <a:t>profesional: </a:t>
+            </a:r>
+            <a:r>
+              <a:rPr lang="es-ES" sz="1800" dirty="0" smtClean="0">
+                <a:solidFill>
+                  <a:schemeClr val="accent6"/>
+                </a:solidFill>
+              </a:rPr>
+              <a:t>Uniformes</a:t>
             </a:r>
           </a:p>
           <a:p>
@@ -8563,20 +9545,40 @@
               <a:buFont typeface="Arial" panose="020B0604020202020204" pitchFamily="34" charset="0"/>
               <a:buChar char="•"/>
             </a:pPr>
-            <a:r>
-              <a:rPr lang="es-ES" sz="1800" dirty="0"/>
-              <a:t>Plus de herramientas</a:t>
-            </a:r>
+            <a:endParaRPr lang="es-ES" sz="1800" dirty="0">
+              <a:solidFill>
+                <a:schemeClr val="accent6"/>
+              </a:solidFill>
+            </a:endParaRPr>
           </a:p>
           <a:p>
             <a:pPr>
               <a:buFont typeface="Arial" panose="020B0604020202020204" pitchFamily="34" charset="0"/>
               <a:buChar char="•"/>
             </a:pPr>
-            <a:r>
-              <a:rPr lang="es-ES" sz="1800" dirty="0"/>
-              <a:t>Plus de ropa profesional</a:t>
-            </a:r>
+            <a:endParaRPr lang="es-ES" sz="1800" dirty="0" smtClean="0">
+              <a:solidFill>
+                <a:schemeClr val="accent6"/>
+              </a:solidFill>
+            </a:endParaRPr>
+          </a:p>
+          <a:p>
+            <a:pPr marL="0" indent="0" algn="just">
+              <a:buNone/>
+            </a:pPr>
+            <a:r>
+              <a:rPr lang="es-ES" sz="1800" dirty="0" smtClean="0">
+                <a:solidFill>
+                  <a:schemeClr val="accent6"/>
+                </a:solidFill>
+              </a:rPr>
+              <a:t>*La paga extra no prorrateada no lleva gasto de seguridad social. Aunque técnicamente irá en el total devengado, no lo vamos a ver aquí.</a:t>
+            </a:r>
+            <a:endParaRPr lang="es-ES" sz="1800" dirty="0">
+              <a:solidFill>
+                <a:schemeClr val="accent6"/>
+              </a:solidFill>
+            </a:endParaRPr>
           </a:p>
         </p:txBody>
       </p:sp>
@@ -8640,8 +9642,25 @@
           <a:p>
             <a:r>
               <a:rPr lang="es-ES" b="1" dirty="0"/>
-              <a:t>PASO 2: BASES DE COTIZACIÓN de la SS Y BASE DE IRPF</a:t>
-            </a:r>
+              <a:t>PASO 2: BASES DE COTIZACIÓN de la SS Y BASE DE </a:t>
+            </a:r>
+            <a:r>
+              <a:rPr lang="es-ES" b="1" dirty="0" smtClean="0"/>
+              <a:t>IRPF </a:t>
+            </a:r>
+            <a:r>
+              <a:rPr lang="es-ES" b="1" dirty="0" smtClean="0">
+                <a:solidFill>
+                  <a:schemeClr val="accent6"/>
+                </a:solidFill>
+              </a:rPr>
+              <a:t>(contingencias comunes)</a:t>
+            </a:r>
+            <a:endParaRPr lang="es-ES" b="1" dirty="0">
+              <a:solidFill>
+                <a:schemeClr val="accent6"/>
+              </a:solidFill>
+            </a:endParaRPr>
           </a:p>
         </p:txBody>
       </p:sp>
@@ -8709,7 +9728,7 @@
         <p:spPr>
           <a:xfrm>
             <a:off x="2251995" y="1668085"/>
-            <a:ext cx="6679082" cy="1384995"/>
+            <a:ext cx="6679082" cy="1815882"/>
           </a:xfrm>
           <a:prstGeom prst="rect">
             <a:avLst/>
@@ -8733,7 +9752,7 @@
           </a:p>
           <a:p>
             <a:r>
-              <a:rPr lang="es-ES" sz="2800" b="1" dirty="0">
+              <a:rPr lang="es-ES" sz="2800" b="1" dirty="0" smtClean="0">
                 <a:solidFill>
                   <a:schemeClr val="accent1">
                     <a:lumMod val="75000"/>
@@ -8741,6 +9760,14 @@
                 </a:solidFill>
               </a:rPr>
               <a:t>BCCC </a:t>
+            </a:r>
+            <a:r>
+              <a:rPr lang="es-ES" sz="1050" b="1" dirty="0" smtClean="0">
+                <a:solidFill>
+                  <a:schemeClr val="accent6"/>
+                </a:solidFill>
+              </a:rPr>
+              <a:t>sumaremos todas las percepciones salariales salvo pagas extras y horas extras. </a:t>
             </a:r>
             <a:r>
               <a:rPr lang="es-ES" sz="2800" dirty="0"/>
@@ -8878,7 +9905,7 @@
         </p:nvSpPr>
         <p:spPr>
           <a:xfrm>
-            <a:off x="2251995" y="3259153"/>
+            <a:off x="2251995" y="3500221"/>
             <a:ext cx="6679082" cy="1384995"/>
           </a:xfrm>
           <a:prstGeom prst="rect">
@@ -8995,7 +10022,7 @@
                 <a16:creationId xmlns:a16="http://schemas.microsoft.com/office/drawing/2014/main" id="{85016AEC-0320-4ED0-8ECB-FE11DDDFE17A}"/>
               </a:ext>
               <a:ext uri="{C183D7F6-B498-43B3-948B-1728B52AA6E4}">
-                <adec:decorative xmlns:adec="http://schemas.microsoft.com/office/drawing/2017/decorative" xmlns="" val="1"/>
+                <adec:decorative xmlns="" xmlns:adec="http://schemas.microsoft.com/office/drawing/2017/decorative" val="1"/>
               </a:ext>
             </a:extLst>
           </p:cNvPr>
@@ -9055,7 +10082,7 @@
                 <a16:creationId xmlns:a16="http://schemas.microsoft.com/office/drawing/2014/main" id="{D3CDB30C-1F82-41E6-A067-831D6E89184F}"/>
               </a:ext>
               <a:ext uri="{C183D7F6-B498-43B3-948B-1728B52AA6E4}">
-                <adec:decorative xmlns:adec="http://schemas.microsoft.com/office/drawing/2017/decorative" xmlns="" val="1"/>
+                <adec:decorative xmlns="" xmlns:adec="http://schemas.microsoft.com/office/drawing/2017/decorative" val="1"/>
               </a:ext>
             </a:extLst>
           </p:cNvPr>
@@ -9144,7 +10171,7 @@
                 <a16:creationId xmlns:a16="http://schemas.microsoft.com/office/drawing/2014/main" id="{2DDA86DD-F997-4F66-A87C-5B58AB6D19EC}"/>
               </a:ext>
               <a:ext uri="{C183D7F6-B498-43B3-948B-1728B52AA6E4}">
-                <adec:decorative xmlns:adec="http://schemas.microsoft.com/office/drawing/2017/decorative" xmlns="" val="1"/>
+                <adec:decorative xmlns="" xmlns:adec="http://schemas.microsoft.com/office/drawing/2017/decorative" val="1"/>
               </a:ext>
             </a:extLst>
           </p:cNvPr>
@@ -9207,7 +10234,7 @@
                 <a16:creationId xmlns:a16="http://schemas.microsoft.com/office/drawing/2014/main" id="{D241B827-437E-40A3-A732-669230D6A5BC}"/>
               </a:ext>
               <a:ext uri="{C183D7F6-B498-43B3-948B-1728B52AA6E4}">
-                <adec:decorative xmlns:adec="http://schemas.microsoft.com/office/drawing/2017/decorative" xmlns="" val="1"/>
+                <adec:decorative xmlns="" xmlns:adec="http://schemas.microsoft.com/office/drawing/2017/decorative" val="1"/>
               </a:ext>
             </a:extLst>
           </p:cNvPr>
@@ -9361,8 +10388,25 @@
             </a:pPr>
             <a:r>
               <a:rPr lang="es-ES" sz="2400" b="1" dirty="0"/>
-              <a:t>3.- Las pagas extras se prorratean</a:t>
-            </a:r>
+              <a:t>3.- Las pagas extras se </a:t>
+            </a:r>
+            <a:r>
+              <a:rPr lang="es-ES" sz="2400" b="1" dirty="0" smtClean="0"/>
+              <a:t>prorratean: </a:t>
+            </a:r>
+            <a:r>
+              <a:rPr lang="es-ES" sz="2400" b="1" dirty="0" smtClean="0">
+                <a:solidFill>
+                  <a:schemeClr val="accent6"/>
+                </a:solidFill>
+              </a:rPr>
+              <a:t>Se suman las pagas extras correspondientes en el año y se dividen entre 12.</a:t>
+            </a:r>
+            <a:endParaRPr lang="es-ES" sz="2400" b="1" dirty="0">
+              <a:solidFill>
+                <a:schemeClr val="accent6"/>
+              </a:solidFill>
+            </a:endParaRPr>
           </a:p>
         </p:txBody>
       </p:sp>
@@ -10019,29 +11063,6 @@
           <a:chExt cx="0" cy="0"/>
         </a:xfrm>
       </p:grpSpPr>
-      <p:pic>
-        <p:nvPicPr>
-          <p:cNvPr id="4" name="Imagen 3"/>
-          <p:cNvPicPr>
-            <a:picLocks noChangeAspect="1"/>
-          </p:cNvPicPr>
-          <p:nvPr/>
-        </p:nvPicPr>
-        <p:blipFill rotWithShape="1">
-          <a:blip r:embed="rId2"/>
-          <a:srcRect r="-3" b="4037"/>
-          <a:stretch/>
-        </p:blipFill>
-        <p:spPr>
-          <a:xfrm>
-            <a:off x="410818" y="2582971"/>
-            <a:ext cx="2474183" cy="3286123"/>
-          </a:xfrm>
-          <a:prstGeom prst="rect">
-            <a:avLst/>
-          </a:prstGeom>
-        </p:spPr>
-      </p:pic>
       <p:sp>
         <p:nvSpPr>
           <p:cNvPr id="2" name="Título 1"/>
@@ -10052,27 +11073,12 @@
             <p:ph type="title"/>
           </p:nvPr>
         </p:nvSpPr>
-        <p:spPr>
-          <a:xfrm>
-            <a:off x="1338470" y="634946"/>
-            <a:ext cx="10628243" cy="1450757"/>
-          </a:xfrm>
-        </p:spPr>
-        <p:txBody>
-          <a:bodyPr anchor="ctr">
-            <a:normAutofit fontScale="90000"/>
-          </a:bodyPr>
+        <p:spPr/>
+        <p:txBody>
+          <a:bodyPr/>
           <a:lstStyle/>
           <a:p>
-            <a:pPr>
-              <a:lnSpc>
-                <a:spcPct val="150000"/>
-              </a:lnSpc>
-            </a:pPr>
-            <a:r>
-              <a:rPr lang="es-ES" sz="3600" dirty="0"/>
-              <a:t>B) BASES DE COTIZACIÓN CONTINGENCIAS PROFESIONALES</a:t>
-            </a:r>
+            <a:endParaRPr lang="es-ES"/>
           </a:p>
         </p:txBody>
       </p:sp>
@@ -10086,58 +11092,114 @@
             <p:ph idx="1"/>
           </p:nvPr>
         </p:nvSpPr>
-        <p:spPr>
-          <a:xfrm>
-            <a:off x="4974769" y="2198914"/>
-            <a:ext cx="6574973" cy="3670180"/>
-          </a:xfrm>
-        </p:spPr>
+        <p:spPr/>
         <p:txBody>
           <a:bodyPr>
             <a:normAutofit/>
           </a:bodyPr>
           <a:lstStyle/>
           <a:p>
-            <a:pPr marL="384048" lvl="2" indent="0">
-              <a:buNone/>
+            <a:r>
+              <a:rPr lang="es-ES" sz="1600" b="1" dirty="0" smtClean="0"/>
+              <a:t>Percepciones salariales </a:t>
+            </a:r>
+            <a:r>
+              <a:rPr lang="es-ES" sz="1600" b="1" dirty="0" smtClean="0">
+                <a:solidFill>
+                  <a:schemeClr val="accent6"/>
+                </a:solidFill>
+              </a:rPr>
+              <a:t>sumaremos </a:t>
+            </a:r>
+            <a:r>
+              <a:rPr lang="es-ES" sz="1600" b="1" dirty="0">
+                <a:solidFill>
+                  <a:schemeClr val="accent6"/>
+                </a:solidFill>
+              </a:rPr>
+              <a:t>todas las percepciones salariales salvo pagas extras y horas extras.</a:t>
+            </a:r>
+            <a:endParaRPr lang="es-ES" sz="1600" b="1" dirty="0"/>
+          </a:p>
+          <a:p>
+            <a:endParaRPr lang="es-ES" sz="1600" dirty="0" smtClean="0"/>
+          </a:p>
+          <a:p>
+            <a:r>
+              <a:rPr lang="es-ES" sz="1600" b="1" dirty="0"/>
+              <a:t>Percepciones no salariales</a:t>
+            </a:r>
+          </a:p>
+          <a:p>
+            <a:pPr marL="285750" indent="-285750">
+              <a:buFontTx/>
+              <a:buChar char="-"/>
             </a:pPr>
-            <a:endParaRPr lang="es-ES" dirty="0"/>
-          </a:p>
-          <a:p>
-            <a:pPr>
-              <a:buFont typeface="Wingdings" panose="05000000000000000000" pitchFamily="2" charset="2"/>
-              <a:buChar char="Ø"/>
+            <a:r>
+              <a:rPr lang="es-ES" sz="1600" b="1" dirty="0"/>
+              <a:t>Se suma</a:t>
+            </a:r>
+            <a:r>
+              <a:rPr lang="es-ES" sz="1600" b="1" dirty="0" smtClean="0"/>
+              <a:t>: Plus de transporte, quebranto de moneda, plus herramientas y prendas de trabajo.</a:t>
+            </a:r>
+            <a:endParaRPr lang="es-ES" sz="1600" b="1" dirty="0"/>
+          </a:p>
+          <a:p>
+            <a:pPr marL="285750" indent="-285750">
+              <a:buFontTx/>
+              <a:buChar char="-"/>
             </a:pPr>
             <a:r>
-              <a:rPr lang="es-ES" dirty="0"/>
-              <a:t>¿CÓMO SE CALCULA?</a:t>
-            </a:r>
-          </a:p>
-          <a:p>
-            <a:pPr>
-              <a:buFont typeface="Wingdings" panose="05000000000000000000" pitchFamily="2" charset="2"/>
-              <a:buChar char="Ø"/>
+              <a:rPr lang="es-ES" sz="1600" b="1" dirty="0"/>
+              <a:t>No se </a:t>
+            </a:r>
+            <a:r>
+              <a:rPr lang="es-ES" sz="1600" b="1" dirty="0" smtClean="0"/>
+              <a:t>suman: gasto locomoción </a:t>
+            </a:r>
+            <a:r>
+              <a:rPr lang="es-ES" sz="1600" b="1" dirty="0"/>
+              <a:t>transporte público</a:t>
+            </a:r>
+            <a:r>
+              <a:rPr lang="es-ES" sz="1600" b="1" dirty="0" smtClean="0"/>
+              <a:t>. Estancia exenta si se justifica con factura.</a:t>
+            </a:r>
+            <a:endParaRPr lang="es-ES" sz="1600" b="1" dirty="0"/>
+          </a:p>
+          <a:p>
+            <a:pPr marL="285750" indent="-285750">
+              <a:buFontTx/>
+              <a:buChar char="-"/>
             </a:pPr>
-            <a:endParaRPr lang="es-ES" dirty="0"/>
-          </a:p>
-          <a:p>
-            <a:pPr marL="0" indent="0" algn="ctr">
-              <a:buNone/>
-            </a:pPr>
-            <a:r>
-              <a:rPr lang="es-ES" b="1" dirty="0"/>
-              <a:t>BCCC + HORAS EXTRAS</a:t>
-            </a:r>
-          </a:p>
-          <a:p>
-            <a:endParaRPr lang="es-ES" dirty="0"/>
+            <a:r>
+              <a:rPr lang="es-ES" sz="1600" b="1" dirty="0"/>
+              <a:t>Se suma solo una parte: </a:t>
+            </a:r>
+            <a:r>
+              <a:rPr lang="es-ES" sz="1600" b="1" dirty="0" smtClean="0"/>
+              <a:t>gasto locomoción: en </a:t>
+            </a:r>
+            <a:r>
+              <a:rPr lang="es-ES" sz="1600" b="1" dirty="0"/>
+              <a:t>transporte privado lo que se pasa de 0,26 por </a:t>
+            </a:r>
+            <a:r>
+              <a:rPr lang="es-ES" sz="1600" b="1" dirty="0" smtClean="0"/>
+              <a:t>km. Manutención que supere las cantidades indicadas en el documento generará seguridad social e impuestos.</a:t>
+            </a:r>
+            <a:endParaRPr lang="es-ES" sz="1600" b="1" dirty="0"/>
+          </a:p>
+          <a:p>
+            <a:endParaRPr lang="es-ES" dirty="0" smtClean="0"/>
           </a:p>
         </p:txBody>
       </p:sp>
     </p:spTree>
     <p:extLst>
       <p:ext uri="{BB962C8B-B14F-4D97-AF65-F5344CB8AC3E}">
-        <p14:creationId xmlns:p14="http://schemas.microsoft.com/office/powerpoint/2010/main" val="2903661134"/>
+        <p14:creationId xmlns:p14="http://schemas.microsoft.com/office/powerpoint/2010/main" val="3079889627"/>
       </p:ext>
     </p:extLst>
   </p:cSld>

--- a/PROGRAMACION/FOL/Tema 4 La nómina 2023.pptx
+++ b/PROGRAMACION/FOL/Tema 4 La nómina 2023.pptx
@@ -18,12 +18,13 @@
     <p:sldId id="263" r:id="rId12"/>
     <p:sldId id="265" r:id="rId13"/>
     <p:sldId id="277" r:id="rId14"/>
-    <p:sldId id="278" r:id="rId15"/>
-    <p:sldId id="266" r:id="rId16"/>
-    <p:sldId id="267" r:id="rId17"/>
-    <p:sldId id="268" r:id="rId18"/>
-    <p:sldId id="269" r:id="rId19"/>
-    <p:sldId id="270" r:id="rId20"/>
+    <p:sldId id="281" r:id="rId15"/>
+    <p:sldId id="278" r:id="rId16"/>
+    <p:sldId id="266" r:id="rId17"/>
+    <p:sldId id="267" r:id="rId18"/>
+    <p:sldId id="268" r:id="rId19"/>
+    <p:sldId id="269" r:id="rId20"/>
+    <p:sldId id="270" r:id="rId21"/>
   </p:sldIdLst>
   <p:sldSz cx="12192000" cy="6858000"/>
   <p:notesSz cx="6858000" cy="9144000"/>
@@ -284,7 +285,7 @@
           <a:p>
             <a:fld id="{0A23F45E-0E51-496A-8ED3-DC81B716CFEC}" type="datetimeFigureOut">
               <a:rPr lang="es-ES" smtClean="0"/>
-              <a:t>13/12/2023</a:t>
+              <a:t>19/12/2023</a:t>
             </a:fld>
             <a:endParaRPr lang="es-ES"/>
           </a:p>
@@ -454,7 +455,7 @@
           <a:p>
             <a:fld id="{0A23F45E-0E51-496A-8ED3-DC81B716CFEC}" type="datetimeFigureOut">
               <a:rPr lang="es-ES" smtClean="0"/>
-              <a:t>13/12/2023</a:t>
+              <a:t>19/12/2023</a:t>
             </a:fld>
             <a:endParaRPr lang="es-ES"/>
           </a:p>
@@ -634,7 +635,7 @@
           <a:p>
             <a:fld id="{0A23F45E-0E51-496A-8ED3-DC81B716CFEC}" type="datetimeFigureOut">
               <a:rPr lang="es-ES" smtClean="0"/>
-              <a:t>13/12/2023</a:t>
+              <a:t>19/12/2023</a:t>
             </a:fld>
             <a:endParaRPr lang="es-ES"/>
           </a:p>
@@ -804,7 +805,7 @@
           <a:p>
             <a:fld id="{0A23F45E-0E51-496A-8ED3-DC81B716CFEC}" type="datetimeFigureOut">
               <a:rPr lang="es-ES" smtClean="0"/>
-              <a:t>13/12/2023</a:t>
+              <a:t>19/12/2023</a:t>
             </a:fld>
             <a:endParaRPr lang="es-ES"/>
           </a:p>
@@ -1050,7 +1051,7 @@
           <a:p>
             <a:fld id="{0A23F45E-0E51-496A-8ED3-DC81B716CFEC}" type="datetimeFigureOut">
               <a:rPr lang="es-ES" smtClean="0"/>
-              <a:t>13/12/2023</a:t>
+              <a:t>19/12/2023</a:t>
             </a:fld>
             <a:endParaRPr lang="es-ES"/>
           </a:p>
@@ -1282,7 +1283,7 @@
           <a:p>
             <a:fld id="{0A23F45E-0E51-496A-8ED3-DC81B716CFEC}" type="datetimeFigureOut">
               <a:rPr lang="es-ES" smtClean="0"/>
-              <a:t>13/12/2023</a:t>
+              <a:t>19/12/2023</a:t>
             </a:fld>
             <a:endParaRPr lang="es-ES"/>
           </a:p>
@@ -1649,7 +1650,7 @@
           <a:p>
             <a:fld id="{0A23F45E-0E51-496A-8ED3-DC81B716CFEC}" type="datetimeFigureOut">
               <a:rPr lang="es-ES" smtClean="0"/>
-              <a:t>13/12/2023</a:t>
+              <a:t>19/12/2023</a:t>
             </a:fld>
             <a:endParaRPr lang="es-ES"/>
           </a:p>
@@ -1767,7 +1768,7 @@
           <a:p>
             <a:fld id="{0A23F45E-0E51-496A-8ED3-DC81B716CFEC}" type="datetimeFigureOut">
               <a:rPr lang="es-ES" smtClean="0"/>
-              <a:t>13/12/2023</a:t>
+              <a:t>19/12/2023</a:t>
             </a:fld>
             <a:endParaRPr lang="es-ES"/>
           </a:p>
@@ -1862,7 +1863,7 @@
           <a:p>
             <a:fld id="{0A23F45E-0E51-496A-8ED3-DC81B716CFEC}" type="datetimeFigureOut">
               <a:rPr lang="es-ES" smtClean="0"/>
-              <a:t>13/12/2023</a:t>
+              <a:t>19/12/2023</a:t>
             </a:fld>
             <a:endParaRPr lang="es-ES"/>
           </a:p>
@@ -2139,7 +2140,7 @@
           <a:p>
             <a:fld id="{0A23F45E-0E51-496A-8ED3-DC81B716CFEC}" type="datetimeFigureOut">
               <a:rPr lang="es-ES" smtClean="0"/>
-              <a:t>13/12/2023</a:t>
+              <a:t>19/12/2023</a:t>
             </a:fld>
             <a:endParaRPr lang="es-ES"/>
           </a:p>
@@ -2396,7 +2397,7 @@
           <a:p>
             <a:fld id="{0A23F45E-0E51-496A-8ED3-DC81B716CFEC}" type="datetimeFigureOut">
               <a:rPr lang="es-ES" smtClean="0"/>
-              <a:t>13/12/2023</a:t>
+              <a:t>19/12/2023</a:t>
             </a:fld>
             <a:endParaRPr lang="es-ES"/>
           </a:p>
@@ -2609,7 +2610,7 @@
           <a:p>
             <a:fld id="{0A23F45E-0E51-496A-8ED3-DC81B716CFEC}" type="datetimeFigureOut">
               <a:rPr lang="es-ES" smtClean="0"/>
-              <a:t>13/12/2023</a:t>
+              <a:t>19/12/2023</a:t>
             </a:fld>
             <a:endParaRPr lang="es-ES"/>
           </a:p>
@@ -3030,7 +3031,7 @@
                 <a16:creationId xmlns:a16="http://schemas.microsoft.com/office/drawing/2014/main" id="{E91DC736-0EF8-4F87-9146-EBF1D2EE4D3D}"/>
               </a:ext>
               <a:ext uri="{C183D7F6-B498-43B3-948B-1728B52AA6E4}">
-                <adec:decorative xmlns="" xmlns:adec="http://schemas.microsoft.com/office/drawing/2017/decorative" val="1"/>
+                <adec:decorative xmlns:adec="http://schemas.microsoft.com/office/drawing/2017/decorative" xmlns="" val="1"/>
               </a:ext>
             </a:extLst>
           </p:cNvPr>
@@ -3113,7 +3114,7 @@
                 <a16:creationId xmlns:a16="http://schemas.microsoft.com/office/drawing/2014/main" id="{097CD68E-23E3-4007-8847-CD0944C4F7BE}"/>
               </a:ext>
               <a:ext uri="{C183D7F6-B498-43B3-948B-1728B52AA6E4}">
-                <adec:decorative xmlns="" xmlns:adec="http://schemas.microsoft.com/office/drawing/2017/decorative" val="1"/>
+                <adec:decorative xmlns:adec="http://schemas.microsoft.com/office/drawing/2017/decorative" xmlns="" val="1"/>
               </a:ext>
             </a:extLst>
           </p:cNvPr>
@@ -3266,7 +3267,7 @@
                 <a16:creationId xmlns:a16="http://schemas.microsoft.com/office/drawing/2014/main" id="{AF2F604E-43BE-4DC3-B983-E071523364F8}"/>
               </a:ext>
               <a:ext uri="{C183D7F6-B498-43B3-948B-1728B52AA6E4}">
-                <adec:decorative xmlns="" xmlns:adec="http://schemas.microsoft.com/office/drawing/2017/decorative" val="1"/>
+                <adec:decorative xmlns:adec="http://schemas.microsoft.com/office/drawing/2017/decorative" xmlns="" val="1"/>
               </a:ext>
             </a:extLst>
           </p:cNvPr>
@@ -3334,7 +3335,7 @@
                 <a16:creationId xmlns:a16="http://schemas.microsoft.com/office/drawing/2014/main" id="{08C9B587-E65E-4B52-B37C-ABEBB6E87928}"/>
               </a:ext>
               <a:ext uri="{C183D7F6-B498-43B3-948B-1728B52AA6E4}">
-                <adec:decorative xmlns="" xmlns:adec="http://schemas.microsoft.com/office/drawing/2017/decorative" val="1"/>
+                <adec:decorative xmlns:adec="http://schemas.microsoft.com/office/drawing/2017/decorative" xmlns="" val="1"/>
               </a:ext>
             </a:extLst>
           </p:cNvPr>
@@ -4284,10 +4285,10 @@
             <a:r>
               <a:rPr lang="es-ES" dirty="0" err="1" smtClean="0">
                 <a:solidFill>
-                  <a:schemeClr val="accent6"/>
+                  <a:srgbClr val="0070C0"/>
                 </a:solidFill>
               </a:rPr>
-              <a:t>Bccc</a:t>
+              <a:t>BccP</a:t>
             </a:r>
             <a:r>
               <a:rPr lang="es-ES" dirty="0" smtClean="0"/>
@@ -4389,13 +4390,42 @@
             <a:pPr algn="ctr"/>
             <a:r>
               <a:rPr lang="es-ES" dirty="0"/>
-              <a:t>PASO 3.-TOTAL DEDUCCIONES</a:t>
-            </a:r>
+              <a:t>PASO 3.-TOTAL </a:t>
+            </a:r>
+            <a:r>
+              <a:rPr lang="es-ES" dirty="0" smtClean="0"/>
+              <a:t>DEDUCCIONES=</a:t>
+            </a:r>
+            <a:r>
+              <a:rPr lang="es-ES" dirty="0" smtClean="0">
+                <a:solidFill>
+                  <a:schemeClr val="accent5"/>
+                </a:solidFill>
+              </a:rPr>
+              <a:t>SS</a:t>
+            </a:r>
+            <a:r>
+              <a:rPr lang="es-ES" dirty="0" smtClean="0"/>
+              <a:t>+</a:t>
+            </a:r>
+            <a:r>
+              <a:rPr lang="es-ES" dirty="0" smtClean="0">
+                <a:solidFill>
+                  <a:srgbClr val="92D050"/>
+                </a:solidFill>
+              </a:rPr>
+              <a:t>IRPF</a:t>
+            </a:r>
+            <a:endParaRPr lang="es-ES" dirty="0">
+              <a:solidFill>
+                <a:srgbClr val="92D050"/>
+              </a:solidFill>
+            </a:endParaRPr>
           </a:p>
         </p:txBody>
       </p:sp>
-      <mc:AlternateContent xmlns:mc="http://schemas.openxmlformats.org/markup-compatibility/2006" xmlns:a14="http://schemas.microsoft.com/office/drawing/2010/main">
-        <mc:Choice Requires="a14">
+      <mc:AlternateContent xmlns:mc="http://schemas.openxmlformats.org/markup-compatibility/2006">
+        <mc:Choice xmlns:a14="http://schemas.microsoft.com/office/drawing/2010/main" Requires="a14">
           <p:graphicFrame>
             <p:nvGraphicFramePr>
               <p:cNvPr id="4" name="Tabla 4">
@@ -4412,14 +4442,14 @@
                 <p:ph idx="1"/>
                 <p:extLst>
                   <p:ext uri="{D42A27DB-BD31-4B8C-83A1-F6EECF244321}">
-                    <p14:modId xmlns:p14="http://schemas.microsoft.com/office/powerpoint/2010/main" val="1353238675"/>
+                    <p14:modId xmlns:p14="http://schemas.microsoft.com/office/powerpoint/2010/main" val="3377757889"/>
                   </p:ext>
                 </p:extLst>
               </p:nvPr>
             </p:nvGraphicFramePr>
             <p:xfrm>
               <a:off x="838200" y="1825625"/>
-              <a:ext cx="10515600" cy="3566160"/>
+              <a:ext cx="10515600" cy="4135120"/>
             </p:xfrm>
             <a:graphic>
               <a:graphicData uri="http://schemas.openxmlformats.org/drawingml/2006/table">
@@ -4527,9 +4557,42 @@
                         <a:lstStyle/>
                         <a:p>
                           <a:r>
-                            <a:rPr lang="es-ES" dirty="0"/>
-                            <a:t>CONTINGENCIAS COMUNES</a:t>
+                            <a:rPr lang="es-ES" dirty="0">
+                              <a:solidFill>
+                                <a:srgbClr val="C00000"/>
+                              </a:solidFill>
+                            </a:rPr>
+                            <a:t>CONTINGENCIAS </a:t>
                           </a:r>
+                          <a:r>
+                            <a:rPr lang="es-ES" dirty="0" smtClean="0">
+                              <a:solidFill>
+                                <a:srgbClr val="C00000"/>
+                              </a:solidFill>
+                            </a:rPr>
+                            <a:t>COMUNES: </a:t>
+                          </a:r>
+                          <a:r>
+                            <a:rPr lang="es-ES" sz="1000" dirty="0" smtClean="0">
+                              <a:solidFill>
+                                <a:srgbClr val="C00000"/>
+                              </a:solidFill>
+                            </a:rPr>
+                            <a:t>Dinero que nos quitan de la nomina para bajas de</a:t>
+                          </a:r>
+                          <a:r>
+                            <a:rPr lang="es-ES" sz="1000" baseline="0" dirty="0" smtClean="0">
+                              <a:solidFill>
+                                <a:srgbClr val="C00000"/>
+                              </a:solidFill>
+                            </a:rPr>
+                            <a:t> origen no laboral</a:t>
+                          </a:r>
+                          <a:endParaRPr lang="es-ES" sz="1000" dirty="0">
+                            <a:solidFill>
+                              <a:srgbClr val="C00000"/>
+                            </a:solidFill>
+                          </a:endParaRPr>
                         </a:p>
                       </a:txBody>
                       <a:tcPr/>
@@ -4584,9 +4647,26 @@
                         <a:lstStyle/>
                         <a:p>
                           <a:r>
-                            <a:rPr lang="es-ES" dirty="0"/>
-                            <a:t>DESEMPLEO</a:t>
+                            <a:rPr lang="es-ES" dirty="0" smtClean="0">
+                              <a:solidFill>
+                                <a:srgbClr val="C00000"/>
+                              </a:solidFill>
+                            </a:rPr>
+                            <a:t>DESEMPLEO: </a:t>
                           </a:r>
+                          <a:r>
+                            <a:rPr lang="es-ES" sz="1400" dirty="0" smtClean="0">
+                              <a:solidFill>
+                                <a:srgbClr val="C00000"/>
+                              </a:solidFill>
+                            </a:rPr>
+                            <a:t>Dinero que nos quitan para pagar el paro.</a:t>
+                          </a:r>
+                          <a:endParaRPr lang="es-ES" sz="1400" dirty="0">
+                            <a:solidFill>
+                              <a:srgbClr val="C00000"/>
+                            </a:solidFill>
+                          </a:endParaRPr>
                         </a:p>
                       </a:txBody>
                       <a:tcPr/>
@@ -4612,8 +4692,29 @@
                         <a:p>
                           <a:r>
                             <a:rPr lang="es-ES" dirty="0"/>
-                            <a:t>1,55 %/1,6%</a:t>
+                            <a:t>1,55 </a:t>
                           </a:r>
+                          <a:r>
+                            <a:rPr lang="es-ES" dirty="0" smtClean="0"/>
+                            <a:t>% </a:t>
+                          </a:r>
+                          <a:r>
+                            <a:rPr lang="es-ES" sz="1400" dirty="0" smtClean="0"/>
+                            <a:t>(Contratos indefinidos)</a:t>
+                          </a:r>
+                          <a:r>
+                            <a:rPr lang="es-ES" sz="1600" dirty="0" smtClean="0"/>
+                            <a:t>/ </a:t>
+                          </a:r>
+                          <a:r>
+                            <a:rPr lang="es-ES" dirty="0" smtClean="0"/>
+                            <a:t>1,6% </a:t>
+                          </a:r>
+                          <a:r>
+                            <a:rPr lang="es-ES" sz="1400" dirty="0" smtClean="0"/>
+                            <a:t>(contrato temporal)</a:t>
+                          </a:r>
+                          <a:endParaRPr lang="es-ES" sz="1400" dirty="0"/>
                         </a:p>
                       </a:txBody>
                       <a:tcPr/>
@@ -4641,9 +4742,26 @@
                         <a:lstStyle/>
                         <a:p>
                           <a:r>
-                            <a:rPr lang="es-ES" dirty="0"/>
-                            <a:t>FP</a:t>
+                            <a:rPr lang="es-ES" dirty="0" smtClean="0">
+                              <a:solidFill>
+                                <a:srgbClr val="C00000"/>
+                              </a:solidFill>
+                            </a:rPr>
+                            <a:t>FP:</a:t>
                           </a:r>
+                          <a:r>
+                            <a:rPr lang="es-ES" sz="1400" dirty="0" smtClean="0">
+                              <a:solidFill>
+                                <a:srgbClr val="C00000"/>
+                              </a:solidFill>
+                            </a:rPr>
+                            <a:t> Formación profesional</a:t>
+                          </a:r>
+                          <a:endParaRPr lang="es-ES" dirty="0">
+                            <a:solidFill>
+                              <a:srgbClr val="C00000"/>
+                            </a:solidFill>
+                          </a:endParaRPr>
                         </a:p>
                       </a:txBody>
                       <a:tcPr/>
@@ -4698,7 +4816,11 @@
                         <a:lstStyle/>
                         <a:p>
                           <a:r>
-                            <a:rPr lang="es-ES" dirty="0"/>
+                            <a:rPr lang="es-ES" dirty="0">
+                              <a:solidFill>
+                                <a:srgbClr val="C00000"/>
+                              </a:solidFill>
+                            </a:rPr>
                             <a:t>HORAS EXTRAS FUERZA MAYOR</a:t>
                           </a:r>
                         </a:p>
@@ -4755,7 +4877,11 @@
                         <a:lstStyle/>
                         <a:p>
                           <a:r>
-                            <a:rPr lang="es-ES" dirty="0"/>
+                            <a:rPr lang="es-ES" dirty="0">
+                              <a:solidFill>
+                                <a:srgbClr val="C00000"/>
+                              </a:solidFill>
+                            </a:rPr>
                             <a:t>HORAS EXTRA VOLUNTARIAS</a:t>
                           </a:r>
                         </a:p>
@@ -4812,7 +4938,11 @@
                         <a:lstStyle/>
                         <a:p>
                           <a:r>
-                            <a:rPr lang="es-ES" dirty="0"/>
+                            <a:rPr lang="es-ES" dirty="0">
+                              <a:solidFill>
+                                <a:srgbClr val="92D050"/>
+                              </a:solidFill>
+                            </a:rPr>
                             <a:t>IRPF</a:t>
                           </a:r>
                         </a:p>
@@ -4860,8 +4990,13 @@
                         <a:p>
                           <a:r>
                             <a:rPr lang="es-ES" sz="1400" dirty="0"/>
-                            <a:t>Cambia según el trabajador (lo daré en cada ejercicio</a:t>
+                            <a:t>Cambia según el trabajador (lo daré en cada </a:t>
                           </a:r>
+                          <a:r>
+                            <a:rPr lang="es-ES" sz="1400" dirty="0" smtClean="0"/>
+                            <a:t>ejercicio 18%</a:t>
+                          </a:r>
+                          <a:endParaRPr lang="es-ES" sz="1400" dirty="0"/>
                         </a:p>
                       </a:txBody>
                       <a:tcPr>
@@ -5130,7 +5265,7 @@
             </a:graphic>
           </p:graphicFrame>
         </mc:Choice>
-        <mc:Fallback xmlns="">
+        <mc:Fallback>
           <p:graphicFrame>
             <p:nvGraphicFramePr>
               <p:cNvPr id="4" name="Tabla 4">
@@ -5147,14 +5282,14 @@
                 <p:ph idx="1"/>
                 <p:extLst>
                   <p:ext uri="{D42A27DB-BD31-4B8C-83A1-F6EECF244321}">
-                    <p14:modId xmlns:p14="http://schemas.microsoft.com/office/powerpoint/2010/main" val="1353238675"/>
+                    <p14:modId xmlns:p14="http://schemas.microsoft.com/office/powerpoint/2010/main" val="3377757889"/>
                   </p:ext>
                 </p:extLst>
               </p:nvPr>
             </p:nvGraphicFramePr>
             <p:xfrm>
               <a:off x="838200" y="1825625"/>
-              <a:ext cx="10515600" cy="3566160"/>
+              <a:ext cx="10515600" cy="4135120"/>
             </p:xfrm>
             <a:graphic>
               <a:graphicData uri="http://schemas.openxmlformats.org/drawingml/2006/table">
@@ -5255,16 +5390,49 @@
                       </a:ext>
                     </a:extLst>
                   </a:tr>
-                  <a:tr h="370840">
+                  <a:tr h="670560">
                     <a:tc>
                       <a:txBody>
                         <a:bodyPr/>
                         <a:lstStyle/>
                         <a:p>
                           <a:r>
-                            <a:rPr lang="es-ES" dirty="0"/>
-                            <a:t>CONTINGENCIAS COMUNES</a:t>
+                            <a:rPr lang="es-ES" dirty="0">
+                              <a:solidFill>
+                                <a:srgbClr val="C00000"/>
+                              </a:solidFill>
+                            </a:rPr>
+                            <a:t>CONTINGENCIAS </a:t>
                           </a:r>
+                          <a:r>
+                            <a:rPr lang="es-ES" dirty="0" smtClean="0">
+                              <a:solidFill>
+                                <a:srgbClr val="C00000"/>
+                              </a:solidFill>
+                            </a:rPr>
+                            <a:t>COMUNES: </a:t>
+                          </a:r>
+                          <a:r>
+                            <a:rPr lang="es-ES" sz="1000" dirty="0" smtClean="0">
+                              <a:solidFill>
+                                <a:srgbClr val="C00000"/>
+                              </a:solidFill>
+                            </a:rPr>
+                            <a:t>Dinero que nos quitan de la nomina para bajas de</a:t>
+                          </a:r>
+                          <a:r>
+                            <a:rPr lang="es-ES" sz="1000" baseline="0" dirty="0" smtClean="0">
+                              <a:solidFill>
+                                <a:srgbClr val="C00000"/>
+                              </a:solidFill>
+                            </a:rPr>
+                            <a:t> origen no laboral</a:t>
+                          </a:r>
+                          <a:endParaRPr lang="es-ES" sz="1000" dirty="0">
+                            <a:solidFill>
+                              <a:srgbClr val="C00000"/>
+                            </a:solidFill>
+                          </a:endParaRPr>
                         </a:p>
                       </a:txBody>
                       <a:tcPr/>
@@ -5312,16 +5480,33 @@
                       </a:ext>
                     </a:extLst>
                   </a:tr>
-                  <a:tr h="370840">
+                  <a:tr h="640080">
                     <a:tc>
                       <a:txBody>
                         <a:bodyPr/>
                         <a:lstStyle/>
                         <a:p>
                           <a:r>
-                            <a:rPr lang="es-ES" dirty="0"/>
-                            <a:t>DESEMPLEO</a:t>
+                            <a:rPr lang="es-ES" dirty="0" smtClean="0">
+                              <a:solidFill>
+                                <a:srgbClr val="C00000"/>
+                              </a:solidFill>
+                            </a:rPr>
+                            <a:t>DESEMPLEO: </a:t>
                           </a:r>
+                          <a:r>
+                            <a:rPr lang="es-ES" sz="1400" dirty="0" smtClean="0">
+                              <a:solidFill>
+                                <a:srgbClr val="C00000"/>
+                              </a:solidFill>
+                            </a:rPr>
+                            <a:t>Dinero que nos quitan para pagar el paro.</a:t>
+                          </a:r>
+                          <a:endParaRPr lang="es-ES" sz="1400" dirty="0">
+                            <a:solidFill>
+                              <a:srgbClr val="C00000"/>
+                            </a:solidFill>
+                          </a:endParaRPr>
                         </a:p>
                       </a:txBody>
                       <a:tcPr/>
@@ -5347,8 +5532,29 @@
                         <a:p>
                           <a:r>
                             <a:rPr lang="es-ES" dirty="0"/>
-                            <a:t>1,55 %/1,6%</a:t>
+                            <a:t>1,55 </a:t>
                           </a:r>
+                          <a:r>
+                            <a:rPr lang="es-ES" dirty="0" smtClean="0"/>
+                            <a:t>% </a:t>
+                          </a:r>
+                          <a:r>
+                            <a:rPr lang="es-ES" sz="1400" dirty="0" smtClean="0"/>
+                            <a:t>(Contratos indefinidos)</a:t>
+                          </a:r>
+                          <a:r>
+                            <a:rPr lang="es-ES" sz="1600" dirty="0" smtClean="0"/>
+                            <a:t>/ </a:t>
+                          </a:r>
+                          <a:r>
+                            <a:rPr lang="es-ES" dirty="0" smtClean="0"/>
+                            <a:t>1,6% </a:t>
+                          </a:r>
+                          <a:r>
+                            <a:rPr lang="es-ES" sz="1400" dirty="0" smtClean="0"/>
+                            <a:t>(contrato temporal)</a:t>
+                          </a:r>
+                          <a:endParaRPr lang="es-ES" sz="1400" dirty="0"/>
                         </a:p>
                       </a:txBody>
                       <a:tcPr/>
@@ -5376,9 +5582,26 @@
                         <a:lstStyle/>
                         <a:p>
                           <a:r>
-                            <a:rPr lang="es-ES" dirty="0"/>
-                            <a:t>FP</a:t>
+                            <a:rPr lang="es-ES" dirty="0" smtClean="0">
+                              <a:solidFill>
+                                <a:srgbClr val="C00000"/>
+                              </a:solidFill>
+                            </a:rPr>
+                            <a:t>FP:</a:t>
                           </a:r>
+                          <a:r>
+                            <a:rPr lang="es-ES" sz="1400" dirty="0" smtClean="0">
+                              <a:solidFill>
+                                <a:srgbClr val="C00000"/>
+                              </a:solidFill>
+                            </a:rPr>
+                            <a:t> Formación profesional</a:t>
+                          </a:r>
+                          <a:endParaRPr lang="es-ES" dirty="0">
+                            <a:solidFill>
+                              <a:srgbClr val="C00000"/>
+                            </a:solidFill>
+                          </a:endParaRPr>
                         </a:p>
                       </a:txBody>
                       <a:tcPr/>
@@ -5433,7 +5656,11 @@
                         <a:lstStyle/>
                         <a:p>
                           <a:r>
-                            <a:rPr lang="es-ES" dirty="0"/>
+                            <a:rPr lang="es-ES" dirty="0">
+                              <a:solidFill>
+                                <a:srgbClr val="C00000"/>
+                              </a:solidFill>
+                            </a:rPr>
                             <a:t>HORAS EXTRAS FUERZA MAYOR</a:t>
                           </a:r>
                         </a:p>
@@ -5490,7 +5717,11 @@
                         <a:lstStyle/>
                         <a:p>
                           <a:r>
-                            <a:rPr lang="es-ES" dirty="0"/>
+                            <a:rPr lang="es-ES" dirty="0">
+                              <a:solidFill>
+                                <a:srgbClr val="C00000"/>
+                              </a:solidFill>
+                            </a:rPr>
                             <a:t>HORAS EXTRA VOLUNTARIAS</a:t>
                           </a:r>
                         </a:p>
@@ -5547,7 +5778,11 @@
                         <a:lstStyle/>
                         <a:p>
                           <a:r>
-                            <a:rPr lang="es-ES" dirty="0"/>
+                            <a:rPr lang="es-ES" dirty="0">
+                              <a:solidFill>
+                                <a:srgbClr val="92D050"/>
+                              </a:solidFill>
+                            </a:rPr>
                             <a:t>IRPF</a:t>
                           </a:r>
                         </a:p>
@@ -5595,8 +5830,13 @@
                         <a:p>
                           <a:r>
                             <a:rPr lang="es-ES" sz="1400" dirty="0"/>
-                            <a:t>Cambia según el trabajador (lo daré en cada ejercicio</a:t>
+                            <a:t>Cambia según el trabajador (lo daré en cada </a:t>
                           </a:r>
+                          <a:r>
+                            <a:rPr lang="es-ES" sz="1400" dirty="0" smtClean="0"/>
+                            <a:t>ejercicio 18%</a:t>
+                          </a:r>
+                          <a:endParaRPr lang="es-ES" sz="1400" dirty="0"/>
                         </a:p>
                       </a:txBody>
                       <a:tcPr>
@@ -5838,7 +6078,7 @@
                         <a:blipFill>
                           <a:blip r:embed="rId2"/>
                           <a:stretch>
-                            <a:fillRect l="-300696" t="-337778" r="-928" b="-16296"/>
+                            <a:fillRect l="-300696" t="-406667" r="-928" b="-17037"/>
                           </a:stretch>
                         </a:blipFill>
                       </a:tcPr>
@@ -5871,6 +6111,744 @@
 <file path=ppt/slides/slide14.xml><?xml version="1.0" encoding="utf-8"?>
 <p:sld xmlns:a="http://schemas.openxmlformats.org/drawingml/2006/main" xmlns:r="http://schemas.openxmlformats.org/officeDocument/2006/relationships" xmlns:p="http://schemas.openxmlformats.org/presentationml/2006/main">
   <p:cSld>
+    <p:spTree>
+      <p:nvGrpSpPr>
+        <p:cNvPr id="1" name=""/>
+        <p:cNvGrpSpPr/>
+        <p:nvPr/>
+      </p:nvGrpSpPr>
+      <p:grpSpPr>
+        <a:xfrm>
+          <a:off x="0" y="0"/>
+          <a:ext cx="0" cy="0"/>
+          <a:chOff x="0" y="0"/>
+          <a:chExt cx="0" cy="0"/>
+        </a:xfrm>
+      </p:grpSpPr>
+      <p:sp>
+        <p:nvSpPr>
+          <p:cNvPr id="3" name="Marcador de contenido 2"/>
+          <p:cNvSpPr>
+            <a:spLocks noGrp="1"/>
+          </p:cNvSpPr>
+          <p:nvPr>
+            <p:ph idx="1"/>
+          </p:nvPr>
+        </p:nvSpPr>
+        <p:spPr>
+          <a:xfrm>
+            <a:off x="838200" y="324196"/>
+            <a:ext cx="10515600" cy="5852767"/>
+          </a:xfrm>
+        </p:spPr>
+        <p:txBody>
+          <a:bodyPr>
+            <a:normAutofit fontScale="25000" lnSpcReduction="20000"/>
+          </a:bodyPr>
+          <a:lstStyle/>
+          <a:p>
+            <a:pPr marL="0" indent="0">
+              <a:buNone/>
+            </a:pPr>
+            <a:r>
+              <a:rPr lang="es-ES" sz="3800" b="1" dirty="0" smtClean="0">
+                <a:solidFill>
+                  <a:srgbClr val="FF0000"/>
+                </a:solidFill>
+              </a:rPr>
+              <a:t>Actividad 3 :</a:t>
+            </a:r>
+          </a:p>
+          <a:p>
+            <a:pPr marL="0" indent="0">
+              <a:buNone/>
+            </a:pPr>
+            <a:r>
+              <a:rPr lang="es-ES" dirty="0" smtClean="0"/>
+              <a:t>Calcula </a:t>
+            </a:r>
+            <a:r>
+              <a:rPr lang="es-ES" dirty="0"/>
+              <a:t>el TD, la BCCC, BCCP, y la BIRF con los siguientes datos.</a:t>
+            </a:r>
+            <a:endParaRPr lang="es-ES" dirty="0"/>
+          </a:p>
+          <a:p>
+            <a:pPr fontAlgn="base"/>
+            <a:r>
+              <a:rPr lang="es-ES" dirty="0"/>
+              <a:t>Salario Base: </a:t>
+            </a:r>
+            <a:r>
+              <a:rPr lang="es-ES" u="sng" dirty="0"/>
+              <a:t>1.000</a:t>
+            </a:r>
+            <a:r>
+              <a:rPr lang="es-ES" dirty="0"/>
+              <a:t> €. </a:t>
+            </a:r>
+          </a:p>
+          <a:p>
+            <a:pPr fontAlgn="base"/>
+            <a:r>
+              <a:rPr lang="es-ES" dirty="0"/>
+              <a:t>Plus de actividad, </a:t>
+            </a:r>
+            <a:r>
+              <a:rPr lang="es-ES" u="sng" dirty="0"/>
+              <a:t>100</a:t>
+            </a:r>
+            <a:r>
+              <a:rPr lang="es-ES" dirty="0"/>
+              <a:t>€. </a:t>
+            </a:r>
+          </a:p>
+          <a:p>
+            <a:pPr fontAlgn="base"/>
+            <a:r>
+              <a:rPr lang="es-ES" dirty="0"/>
+              <a:t>Plus peligrosidad: </a:t>
+            </a:r>
+            <a:r>
+              <a:rPr lang="es-ES" u="sng" dirty="0"/>
+              <a:t>200</a:t>
+            </a:r>
+            <a:r>
+              <a:rPr lang="es-ES" dirty="0"/>
+              <a:t> €. </a:t>
+            </a:r>
+          </a:p>
+          <a:p>
+            <a:pPr fontAlgn="base"/>
+            <a:r>
+              <a:rPr lang="es-ES" dirty="0"/>
+              <a:t>Horas extras fuerza mayor: 150 €. </a:t>
+            </a:r>
+          </a:p>
+          <a:p>
+            <a:pPr fontAlgn="base"/>
+            <a:r>
+              <a:rPr lang="es-ES" dirty="0"/>
+              <a:t>Otras horas extra: 100 €. </a:t>
+            </a:r>
+          </a:p>
+          <a:p>
+            <a:pPr fontAlgn="base"/>
+            <a:r>
+              <a:rPr lang="es-ES" dirty="0"/>
+              <a:t>Antigüedad: </a:t>
+            </a:r>
+            <a:r>
+              <a:rPr lang="es-ES" u="sng" dirty="0"/>
+              <a:t>300</a:t>
+            </a:r>
+            <a:r>
+              <a:rPr lang="es-ES" dirty="0"/>
+              <a:t> €</a:t>
+            </a:r>
+          </a:p>
+          <a:p>
+            <a:pPr fontAlgn="base"/>
+            <a:r>
+              <a:rPr lang="es-ES" dirty="0">
+                <a:solidFill>
+                  <a:schemeClr val="bg2">
+                    <a:lumMod val="75000"/>
+                  </a:schemeClr>
+                </a:solidFill>
+                <a:effectLst>
+                  <a:outerShdw blurRad="38100" dist="38100" dir="2700000" algn="tl">
+                    <a:srgbClr val="000000">
+                      <a:alpha val="43137"/>
+                    </a:srgbClr>
+                  </a:outerShdw>
+                </a:effectLst>
+              </a:rPr>
+              <a:t>Gastos de locomoción en transporte privado</a:t>
+            </a:r>
+            <a:r>
+              <a:rPr lang="es-ES" dirty="0"/>
+              <a:t>: 0,30€/km, habiendo realizado 150 Km con el propio coche. </a:t>
+            </a:r>
+            <a:r>
+              <a:rPr lang="es-ES" dirty="0">
+                <a:solidFill>
+                  <a:schemeClr val="bg2">
+                    <a:lumMod val="75000"/>
+                  </a:schemeClr>
+                </a:solidFill>
+                <a:effectLst>
+                  <a:outerShdw blurRad="38100" dist="38100" dir="2700000" algn="tl">
+                    <a:srgbClr val="000000">
+                      <a:alpha val="43137"/>
+                    </a:srgbClr>
+                  </a:outerShdw>
+                </a:effectLst>
+              </a:rPr>
+              <a:t>6€</a:t>
+            </a:r>
+          </a:p>
+          <a:p>
+            <a:pPr fontAlgn="base"/>
+            <a:r>
+              <a:rPr lang="es-ES" dirty="0">
+                <a:solidFill>
+                  <a:schemeClr val="bg2">
+                    <a:lumMod val="75000"/>
+                  </a:schemeClr>
+                </a:solidFill>
+                <a:effectLst>
+                  <a:outerShdw blurRad="38100" dist="38100" dir="2700000" algn="tl">
+                    <a:srgbClr val="000000">
+                      <a:alpha val="43137"/>
+                    </a:srgbClr>
+                  </a:outerShdw>
+                </a:effectLst>
+              </a:rPr>
+              <a:t>Manutención por viaje al extranjero</a:t>
+            </a:r>
+            <a:r>
+              <a:rPr lang="es-ES" dirty="0"/>
+              <a:t>: 3 días, a razón de 100 € al día. </a:t>
+            </a:r>
+            <a:r>
+              <a:rPr lang="es-ES" dirty="0">
+                <a:solidFill>
+                  <a:schemeClr val="bg2">
+                    <a:lumMod val="75000"/>
+                  </a:schemeClr>
+                </a:solidFill>
+                <a:effectLst>
+                  <a:outerShdw blurRad="38100" dist="38100" dir="2700000" algn="tl">
+                    <a:srgbClr val="000000">
+                      <a:alpha val="43137"/>
+                    </a:srgbClr>
+                  </a:outerShdw>
+                </a:effectLst>
+              </a:rPr>
+              <a:t>300</a:t>
+            </a:r>
+          </a:p>
+          <a:p>
+            <a:pPr fontAlgn="base"/>
+            <a:r>
+              <a:rPr lang="es-ES" b="1" dirty="0"/>
+              <a:t>Estancia por viaje al extranjero</a:t>
+            </a:r>
+            <a:r>
+              <a:rPr lang="es-ES" dirty="0"/>
+              <a:t> (se entiende que realiza </a:t>
+            </a:r>
+            <a:r>
+              <a:rPr lang="es-ES" u="sng" dirty="0"/>
+              <a:t>pernocta</a:t>
+            </a:r>
+            <a:r>
+              <a:rPr lang="es-ES" dirty="0"/>
+              <a:t>): 3 días, a razón de 80 € al día. 240</a:t>
+            </a:r>
+          </a:p>
+          <a:p>
+            <a:pPr fontAlgn="base"/>
+            <a:r>
+              <a:rPr lang="es-ES" b="1" dirty="0"/>
+              <a:t>Pagas extra: </a:t>
+            </a:r>
+            <a:r>
+              <a:rPr lang="es-ES" dirty="0"/>
+              <a:t>2 al año equivalentes al salario base más la antigüedad. (1000+300)*2= 2600€</a:t>
+            </a:r>
+          </a:p>
+          <a:p>
+            <a:pPr marL="0" indent="0">
+              <a:buNone/>
+            </a:pPr>
+            <a:r>
+              <a:rPr lang="es-ES" dirty="0"/>
+              <a:t/>
+            </a:r>
+            <a:br>
+              <a:rPr lang="es-ES" dirty="0"/>
+            </a:br>
+            <a:r>
+              <a:rPr lang="es-ES" b="1" dirty="0">
+                <a:solidFill>
+                  <a:schemeClr val="accent1"/>
+                </a:solidFill>
+              </a:rPr>
+              <a:t>El TD= TOTAL DEVENGADO</a:t>
+            </a:r>
+            <a:r>
+              <a:rPr lang="es-ES" dirty="0">
+                <a:solidFill>
+                  <a:schemeClr val="accent1"/>
+                </a:solidFill>
+              </a:rPr>
+              <a:t>= </a:t>
+            </a:r>
+            <a:r>
+              <a:rPr lang="es-ES" dirty="0"/>
+              <a:t>Todo menos las pagas extraordinarias= 1000 + 100 + 200 + 150 + 100 + 300 + (150*0,30)+ (100*3)+ (3*80)=</a:t>
+            </a:r>
+            <a:r>
+              <a:rPr lang="es-ES" b="1" dirty="0"/>
+              <a:t> 2435€</a:t>
+            </a:r>
+            <a:endParaRPr lang="es-ES" dirty="0"/>
+          </a:p>
+          <a:p>
+            <a:pPr marL="0" indent="0">
+              <a:buNone/>
+            </a:pPr>
+            <a:r>
+              <a:rPr lang="es-ES" dirty="0"/>
+              <a:t/>
+            </a:r>
+            <a:br>
+              <a:rPr lang="es-ES" dirty="0"/>
+            </a:br>
+            <a:r>
+              <a:rPr lang="es-ES" b="1" dirty="0">
+                <a:solidFill>
+                  <a:schemeClr val="accent6"/>
+                </a:solidFill>
+              </a:rPr>
+              <a:t>La BCCC =Base de Cotización de Contingencias Comunes=</a:t>
+            </a:r>
+            <a:endParaRPr lang="es-ES" dirty="0">
+              <a:solidFill>
+                <a:schemeClr val="accent6"/>
+              </a:solidFill>
+            </a:endParaRPr>
+          </a:p>
+          <a:p>
+            <a:pPr fontAlgn="base"/>
+            <a:r>
+              <a:rPr lang="es-ES" b="1" u="sng" dirty="0"/>
+              <a:t>Percepciones salariales</a:t>
+            </a:r>
+            <a:r>
+              <a:rPr lang="es-ES" u="sng" dirty="0"/>
+              <a:t> </a:t>
+            </a:r>
+            <a:r>
+              <a:rPr lang="es-ES" dirty="0"/>
+              <a:t>menos las horas extras y menos las pagas extras: 1000+100+200+300= 1600€</a:t>
+            </a:r>
+            <a:endParaRPr lang="es-ES" b="1" dirty="0"/>
+          </a:p>
+          <a:p>
+            <a:pPr fontAlgn="base"/>
+            <a:r>
+              <a:rPr lang="es-ES" b="1" dirty="0">
+                <a:solidFill>
+                  <a:schemeClr val="bg2">
+                    <a:lumMod val="75000"/>
+                  </a:schemeClr>
+                </a:solidFill>
+                <a:effectLst>
+                  <a:outerShdw blurRad="38100" dist="38100" dir="2700000" algn="tl">
+                    <a:srgbClr val="000000">
+                      <a:alpha val="43137"/>
+                    </a:srgbClr>
+                  </a:outerShdw>
+                </a:effectLst>
+              </a:rPr>
+              <a:t>Percepciones no salariales</a:t>
+            </a:r>
+            <a:r>
+              <a:rPr lang="es-ES" b="1" dirty="0"/>
+              <a:t>: </a:t>
+            </a:r>
+            <a:r>
+              <a:rPr lang="es-ES" dirty="0"/>
+              <a:t>(0.04*150)+(8.65*3)=31,95€</a:t>
+            </a:r>
+            <a:endParaRPr lang="es-ES" b="1" dirty="0"/>
+          </a:p>
+          <a:p>
+            <a:pPr fontAlgn="base"/>
+            <a:r>
+              <a:rPr lang="es-ES" b="1" dirty="0"/>
+              <a:t>Pagas extras: </a:t>
+            </a:r>
+            <a:r>
+              <a:rPr lang="es-ES" dirty="0"/>
+              <a:t>2600€/12=216,67€</a:t>
+            </a:r>
+            <a:endParaRPr lang="es-ES" b="1" dirty="0"/>
+          </a:p>
+          <a:p>
+            <a:r>
+              <a:rPr lang="es-ES" b="1" dirty="0"/>
+              <a:t>Total= 1848,62€</a:t>
+            </a:r>
+            <a:endParaRPr lang="es-ES" dirty="0"/>
+          </a:p>
+          <a:p>
+            <a:pPr marL="0" indent="0">
+              <a:buNone/>
+            </a:pPr>
+            <a:r>
+              <a:rPr lang="es-ES" dirty="0"/>
+              <a:t/>
+            </a:r>
+            <a:br>
+              <a:rPr lang="es-ES" dirty="0"/>
+            </a:br>
+            <a:r>
+              <a:rPr lang="es-ES" b="1" dirty="0">
+                <a:solidFill>
+                  <a:schemeClr val="accent4"/>
+                </a:solidFill>
+              </a:rPr>
+              <a:t>BCCP=</a:t>
+            </a:r>
+            <a:r>
+              <a:rPr lang="es-ES" dirty="0">
+                <a:solidFill>
+                  <a:schemeClr val="accent4"/>
+                </a:solidFill>
+              </a:rPr>
+              <a:t> BASES DE COTIZACIÓN CONTINGENCIAS PROFESIONALES = </a:t>
+            </a:r>
+            <a:r>
+              <a:rPr lang="es-ES" dirty="0"/>
+              <a:t>BCCC + Horas Extras= 1848,62 + 150+100 =</a:t>
+            </a:r>
+            <a:r>
+              <a:rPr lang="es-ES" b="1" dirty="0"/>
+              <a:t>2098,62€</a:t>
+            </a:r>
+            <a:endParaRPr lang="es-ES" dirty="0"/>
+          </a:p>
+          <a:p>
+            <a:pPr marL="0" indent="0">
+              <a:buNone/>
+            </a:pPr>
+            <a:r>
+              <a:rPr lang="es-ES" dirty="0"/>
+              <a:t/>
+            </a:r>
+            <a:br>
+              <a:rPr lang="es-ES" dirty="0"/>
+            </a:br>
+            <a:r>
+              <a:rPr lang="es-ES" b="1" dirty="0">
+                <a:solidFill>
+                  <a:srgbClr val="7030A0"/>
+                </a:solidFill>
+              </a:rPr>
+              <a:t>BIRF=</a:t>
+            </a:r>
+            <a:r>
+              <a:rPr lang="es-ES" dirty="0">
+                <a:solidFill>
+                  <a:srgbClr val="7030A0"/>
+                </a:solidFill>
+              </a:rPr>
+              <a:t>BASE SUJETA A RETENCIÓN IRPF</a:t>
+            </a:r>
+            <a:r>
+              <a:rPr lang="es-ES" dirty="0"/>
+              <a:t>=</a:t>
+            </a:r>
+            <a:r>
+              <a:rPr lang="es-ES" b="1" dirty="0"/>
+              <a:t> </a:t>
+            </a:r>
+            <a:r>
+              <a:rPr lang="es-ES" dirty="0" smtClean="0"/>
+              <a:t>BCCP </a:t>
+            </a:r>
+            <a:r>
+              <a:rPr lang="es-ES" dirty="0"/>
+              <a:t>- PPE= </a:t>
+            </a:r>
+            <a:r>
+              <a:rPr lang="es-ES" dirty="0" smtClean="0"/>
+              <a:t>2098,62 </a:t>
+            </a:r>
+            <a:r>
+              <a:rPr lang="es-ES" dirty="0"/>
+              <a:t>- 216,67= </a:t>
+            </a:r>
+            <a:r>
+              <a:rPr lang="es-ES" b="1" dirty="0" smtClean="0"/>
+              <a:t>1881,95€ </a:t>
+            </a:r>
+          </a:p>
+          <a:p>
+            <a:pPr marL="0" indent="0">
+              <a:buNone/>
+            </a:pPr>
+            <a:r>
+              <a:rPr lang="es-ES" b="1" dirty="0" smtClean="0"/>
+              <a:t>DEDUCCIONES: 466,45€</a:t>
+            </a:r>
+          </a:p>
+          <a:p>
+            <a:pPr marL="0" indent="0">
+              <a:buNone/>
+            </a:pPr>
+            <a:r>
+              <a:rPr lang="es-ES" dirty="0">
+                <a:solidFill>
+                  <a:srgbClr val="C00000"/>
+                </a:solidFill>
+              </a:rPr>
+              <a:t>CONTINGENCIAS COMUNES: </a:t>
+            </a:r>
+            <a:r>
+              <a:rPr lang="es-ES" b="1" dirty="0" smtClean="0"/>
+              <a:t>BCCC*</a:t>
+            </a:r>
+            <a:r>
+              <a:rPr lang="es-ES" dirty="0"/>
+              <a:t>4,8 </a:t>
+            </a:r>
+            <a:r>
+              <a:rPr lang="es-ES" dirty="0" smtClean="0"/>
+              <a:t>%=1848,62*0,048=88,73</a:t>
+            </a:r>
+          </a:p>
+          <a:p>
+            <a:pPr marL="0" indent="0">
+              <a:buNone/>
+            </a:pPr>
+            <a:r>
+              <a:rPr lang="es-ES" dirty="0">
+                <a:solidFill>
+                  <a:srgbClr val="C00000"/>
+                </a:solidFill>
+              </a:rPr>
+              <a:t>DESEMPLEO: </a:t>
+            </a:r>
+            <a:r>
+              <a:rPr lang="es-ES" b="1" dirty="0" smtClean="0"/>
+              <a:t>BCCP* </a:t>
+            </a:r>
+            <a:r>
+              <a:rPr lang="es-ES" dirty="0" smtClean="0"/>
+              <a:t>1,55%= 29,17</a:t>
+            </a:r>
+          </a:p>
+          <a:p>
+            <a:pPr marL="0" indent="0" fontAlgn="t">
+              <a:buNone/>
+            </a:pPr>
+            <a:r>
+              <a:rPr lang="es-ES" dirty="0" smtClean="0">
+                <a:solidFill>
+                  <a:srgbClr val="C00000"/>
+                </a:solidFill>
+              </a:rPr>
+              <a:t>FP: </a:t>
+            </a:r>
+            <a:r>
+              <a:rPr lang="es-ES" b="1" dirty="0" smtClean="0"/>
+              <a:t>BCCP</a:t>
+            </a:r>
+            <a:r>
+              <a:rPr lang="es-ES" dirty="0" smtClean="0"/>
+              <a:t>* </a:t>
+            </a:r>
+            <a:r>
+              <a:rPr lang="es-ES" b="1" dirty="0" smtClean="0"/>
+              <a:t>0,1 %= 2,10</a:t>
+            </a:r>
+          </a:p>
+          <a:p>
+            <a:pPr marL="0" indent="0" fontAlgn="t">
+              <a:buNone/>
+            </a:pPr>
+            <a:r>
+              <a:rPr lang="es-ES" dirty="0">
+                <a:solidFill>
+                  <a:srgbClr val="C00000"/>
+                </a:solidFill>
+              </a:rPr>
+              <a:t>HORAS EXTRAS FUERZA </a:t>
+            </a:r>
+            <a:r>
+              <a:rPr lang="es-ES" dirty="0" smtClean="0">
+                <a:solidFill>
+                  <a:srgbClr val="C00000"/>
+                </a:solidFill>
+              </a:rPr>
+              <a:t>MAYOR= 150*2%= 3</a:t>
+            </a:r>
+          </a:p>
+          <a:p>
+            <a:pPr marL="0" indent="0" fontAlgn="t">
+              <a:buNone/>
+            </a:pPr>
+            <a:r>
+              <a:rPr lang="es-ES" dirty="0">
+                <a:solidFill>
+                  <a:srgbClr val="C00000"/>
+                </a:solidFill>
+              </a:rPr>
+              <a:t>HORAS EXTRA </a:t>
+            </a:r>
+            <a:r>
+              <a:rPr lang="es-ES" dirty="0" smtClean="0">
+                <a:solidFill>
+                  <a:srgbClr val="C00000"/>
+                </a:solidFill>
+              </a:rPr>
+              <a:t>VOLUNTARIAS= 100*4,7%=4,7</a:t>
+            </a:r>
+          </a:p>
+          <a:p>
+            <a:pPr marL="0" indent="0" fontAlgn="t">
+              <a:buNone/>
+            </a:pPr>
+            <a:r>
+              <a:rPr lang="es-ES" dirty="0" smtClean="0">
+                <a:solidFill>
+                  <a:srgbClr val="92D050"/>
+                </a:solidFill>
+              </a:rPr>
+              <a:t>IRPF: BIRF+18% </a:t>
+            </a:r>
+            <a:r>
+              <a:rPr lang="es-ES" b="1" dirty="0"/>
+              <a:t>1881,95€ </a:t>
+            </a:r>
+            <a:r>
+              <a:rPr lang="es-ES" b="1" dirty="0" smtClean="0"/>
+              <a:t>*0,18=338,75</a:t>
+            </a:r>
+          </a:p>
+          <a:p>
+            <a:pPr marL="0" indent="0" fontAlgn="t">
+              <a:buNone/>
+            </a:pPr>
+            <a:endParaRPr lang="es-ES" b="1" dirty="0"/>
+          </a:p>
+          <a:p>
+            <a:pPr marL="0" indent="0" fontAlgn="t">
+              <a:buNone/>
+            </a:pPr>
+            <a:r>
+              <a:rPr lang="es-ES" b="1" dirty="0" smtClean="0"/>
+              <a:t>SALARIO LÍQUIDO: </a:t>
+            </a:r>
+            <a:r>
+              <a:rPr lang="es-ES" b="1" dirty="0" err="1" smtClean="0"/>
+              <a:t>td</a:t>
+            </a:r>
+            <a:r>
+              <a:rPr lang="es-ES" b="1" dirty="0" smtClean="0"/>
+              <a:t> – </a:t>
+            </a:r>
+            <a:r>
+              <a:rPr lang="es-ES" b="1" smtClean="0"/>
+              <a:t>Deducciones= 2435 – 466,45 = 1968,55€</a:t>
+            </a:r>
+            <a:endParaRPr lang="es-ES" b="1" dirty="0"/>
+          </a:p>
+          <a:p>
+            <a:pPr marL="0" indent="0" fontAlgn="t">
+              <a:buNone/>
+            </a:pPr>
+            <a:endParaRPr lang="es-ES" dirty="0">
+              <a:solidFill>
+                <a:srgbClr val="92D050"/>
+              </a:solidFill>
+            </a:endParaRPr>
+          </a:p>
+          <a:p>
+            <a:pPr marL="0" indent="0" fontAlgn="t">
+              <a:buNone/>
+            </a:pPr>
+            <a:endParaRPr lang="es-ES" dirty="0">
+              <a:solidFill>
+                <a:srgbClr val="C00000"/>
+              </a:solidFill>
+            </a:endParaRPr>
+          </a:p>
+          <a:p>
+            <a:pPr marL="0" indent="0" fontAlgn="t">
+              <a:buNone/>
+            </a:pPr>
+            <a:endParaRPr lang="es-ES" dirty="0" smtClean="0">
+              <a:solidFill>
+                <a:srgbClr val="C00000"/>
+              </a:solidFill>
+            </a:endParaRPr>
+          </a:p>
+          <a:p>
+            <a:pPr marL="0" indent="0" fontAlgn="t">
+              <a:buNone/>
+            </a:pPr>
+            <a:endParaRPr lang="es-ES" dirty="0">
+              <a:solidFill>
+                <a:srgbClr val="C00000"/>
+              </a:solidFill>
+            </a:endParaRPr>
+          </a:p>
+          <a:p>
+            <a:pPr marL="0" indent="0" fontAlgn="t">
+              <a:buNone/>
+            </a:pPr>
+            <a:endParaRPr lang="es-ES" dirty="0"/>
+          </a:p>
+          <a:p>
+            <a:pPr marL="0" indent="0">
+              <a:buNone/>
+            </a:pPr>
+            <a:endParaRPr lang="es-ES" b="1" dirty="0"/>
+          </a:p>
+          <a:p>
+            <a:pPr marL="0" indent="0">
+              <a:buNone/>
+            </a:pPr>
+            <a:endParaRPr lang="es-ES" dirty="0"/>
+          </a:p>
+          <a:p>
+            <a:pPr marL="0" indent="0">
+              <a:buNone/>
+            </a:pPr>
+            <a:endParaRPr lang="es-ES" b="1" dirty="0"/>
+          </a:p>
+          <a:p>
+            <a:pPr marL="0" indent="0">
+              <a:buNone/>
+            </a:pPr>
+            <a:endParaRPr lang="es-ES" b="1" dirty="0" smtClean="0"/>
+          </a:p>
+          <a:p>
+            <a:pPr marL="0" indent="0">
+              <a:buNone/>
+            </a:pPr>
+            <a:endParaRPr lang="es-ES" b="1" dirty="0"/>
+          </a:p>
+          <a:p>
+            <a:pPr marL="0" indent="0">
+              <a:buNone/>
+            </a:pPr>
+            <a:endParaRPr lang="es-ES" dirty="0"/>
+          </a:p>
+        </p:txBody>
+      </p:sp>
+    </p:spTree>
+    <p:extLst>
+      <p:ext uri="{BB962C8B-B14F-4D97-AF65-F5344CB8AC3E}">
+        <p14:creationId xmlns:p14="http://schemas.microsoft.com/office/powerpoint/2010/main" val="1976176486"/>
+      </p:ext>
+    </p:extLst>
+  </p:cSld>
+  <p:clrMapOvr>
+    <a:masterClrMapping/>
+  </p:clrMapOvr>
+</p:sld>
+</file>
+
+<file path=ppt/slides/slide15.xml><?xml version="1.0" encoding="utf-8"?>
+<p:sld xmlns:a="http://schemas.openxmlformats.org/drawingml/2006/main" xmlns:r="http://schemas.openxmlformats.org/officeDocument/2006/relationships" xmlns:p="http://schemas.openxmlformats.org/presentationml/2006/main">
+  <p:cSld>
     <p:bg>
       <p:bgPr>
         <a:solidFill>
@@ -5901,7 +6879,7 @@
                 <a16:creationId xmlns:a16="http://schemas.microsoft.com/office/drawing/2014/main" id="{823AC064-BC96-4F32-8AE1-B2FD38754823}"/>
               </a:ext>
               <a:ext uri="{C183D7F6-B498-43B3-948B-1728B52AA6E4}">
-                <adec:decorative xmlns="" xmlns:adec="http://schemas.microsoft.com/office/drawing/2017/decorative" val="1"/>
+                <adec:decorative xmlns:adec="http://schemas.microsoft.com/office/drawing/2017/decorative" xmlns="" val="1"/>
               </a:ext>
             </a:extLst>
           </p:cNvPr>
@@ -6006,7 +6984,7 @@
                 <a16:creationId xmlns:a16="http://schemas.microsoft.com/office/drawing/2014/main" id="{7E7C77BC-7138-40B1-A15B-20F57A494629}"/>
               </a:ext>
               <a:ext uri="{C183D7F6-B498-43B3-948B-1728B52AA6E4}">
-                <adec:decorative xmlns="" xmlns:adec="http://schemas.microsoft.com/office/drawing/2017/decorative" val="1"/>
+                <adec:decorative xmlns:adec="http://schemas.microsoft.com/office/drawing/2017/decorative" xmlns="" val="1"/>
               </a:ext>
             </a:extLst>
           </p:cNvPr>
@@ -6088,7 +7066,7 @@
                 <a16:creationId xmlns:a16="http://schemas.microsoft.com/office/drawing/2014/main" id="{DB146403-F3D6-484B-B2ED-97F9565D0370}"/>
               </a:ext>
               <a:ext uri="{C183D7F6-B498-43B3-948B-1728B52AA6E4}">
-                <adec:decorative xmlns="" xmlns:adec="http://schemas.microsoft.com/office/drawing/2017/decorative" val="1"/>
+                <adec:decorative xmlns:adec="http://schemas.microsoft.com/office/drawing/2017/decorative" xmlns="" val="1"/>
               </a:ext>
             </a:extLst>
           </p:cNvPr>
@@ -6156,8 +7134,8 @@
         </p:blipFill>
         <p:spPr>
           <a:xfrm>
-            <a:off x="6445073" y="4119077"/>
-            <a:ext cx="5455917" cy="613119"/>
+            <a:off x="6230288" y="2531347"/>
+            <a:ext cx="4908767" cy="551632"/>
           </a:xfrm>
           <a:prstGeom prst="rect">
             <a:avLst/>
@@ -6168,190 +7146,6 @@
     <p:extLst>
       <p:ext uri="{BB962C8B-B14F-4D97-AF65-F5344CB8AC3E}">
         <p14:creationId xmlns:p14="http://schemas.microsoft.com/office/powerpoint/2010/main" val="3599620324"/>
-      </p:ext>
-    </p:extLst>
-  </p:cSld>
-  <p:clrMapOvr>
-    <a:masterClrMapping/>
-  </p:clrMapOvr>
-</p:sld>
-</file>
-
-<file path=ppt/slides/slide15.xml><?xml version="1.0" encoding="utf-8"?>
-<p:sld xmlns:a="http://schemas.openxmlformats.org/drawingml/2006/main" xmlns:r="http://schemas.openxmlformats.org/officeDocument/2006/relationships" xmlns:p="http://schemas.openxmlformats.org/presentationml/2006/main">
-  <p:cSld>
-    <p:spTree>
-      <p:nvGrpSpPr>
-        <p:cNvPr id="1" name=""/>
-        <p:cNvGrpSpPr/>
-        <p:nvPr/>
-      </p:nvGrpSpPr>
-      <p:grpSpPr>
-        <a:xfrm>
-          <a:off x="0" y="0"/>
-          <a:ext cx="0" cy="0"/>
-          <a:chOff x="0" y="0"/>
-          <a:chExt cx="0" cy="0"/>
-        </a:xfrm>
-      </p:grpSpPr>
-      <p:sp>
-        <p:nvSpPr>
-          <p:cNvPr id="2" name="Título 1"/>
-          <p:cNvSpPr>
-            <a:spLocks noGrp="1"/>
-          </p:cNvSpPr>
-          <p:nvPr>
-            <p:ph type="title"/>
-          </p:nvPr>
-        </p:nvSpPr>
-        <p:spPr>
-          <a:xfrm>
-            <a:off x="0" y="1"/>
-            <a:ext cx="12192000" cy="981986"/>
-          </a:xfrm>
-          <a:solidFill>
-            <a:schemeClr val="accent3">
-              <a:lumMod val="60000"/>
-              <a:lumOff val="40000"/>
-            </a:schemeClr>
-          </a:solidFill>
-        </p:spPr>
-        <p:txBody>
-          <a:bodyPr>
-            <a:normAutofit/>
-          </a:bodyPr>
-          <a:lstStyle/>
-          <a:p>
-            <a:pPr algn="ctr"/>
-            <a:r>
-              <a:rPr lang="es-ES" b="1" dirty="0"/>
-              <a:t>ACTIVIDADES</a:t>
-            </a:r>
-          </a:p>
-        </p:txBody>
-      </p:sp>
-      <p:sp>
-        <p:nvSpPr>
-          <p:cNvPr id="3" name="Marcador de contenido 2"/>
-          <p:cNvSpPr>
-            <a:spLocks noGrp="1"/>
-          </p:cNvSpPr>
-          <p:nvPr>
-            <p:ph idx="1"/>
-          </p:nvPr>
-        </p:nvSpPr>
-        <p:spPr>
-          <a:xfrm>
-            <a:off x="0" y="981986"/>
-            <a:ext cx="12192000" cy="5876013"/>
-          </a:xfrm>
-          <a:solidFill>
-            <a:schemeClr val="bg1"/>
-          </a:solidFill>
-        </p:spPr>
-        <p:txBody>
-          <a:bodyPr>
-            <a:normAutofit/>
-          </a:bodyPr>
-          <a:lstStyle/>
-          <a:p>
-            <a:pPr marL="0" indent="0">
-              <a:lnSpc>
-                <a:spcPct val="130000"/>
-              </a:lnSpc>
-              <a:buNone/>
-            </a:pPr>
-            <a:r>
-              <a:rPr lang="es-ES" sz="1800" b="1" dirty="0"/>
-              <a:t>1.-</a:t>
-            </a:r>
-            <a:r>
-              <a:rPr lang="es-ES" sz="1800" dirty="0"/>
-              <a:t>Una empresa ha enviado a un trabajador a Ámsterdam, durante cinco días, para captar nuevos clientes: Este trabajador recibió 150 euros diarios para pagar los </a:t>
-            </a:r>
-            <a:r>
-              <a:rPr lang="es-ES" sz="1800" b="1" u="sng" dirty="0"/>
-              <a:t>gastos de manutención</a:t>
-            </a:r>
-            <a:r>
-              <a:rPr lang="es-ES" sz="1800" dirty="0"/>
-              <a:t>. El propio trabajador pagó los </a:t>
-            </a:r>
-            <a:r>
-              <a:rPr lang="es-ES" sz="1800" b="1" u="sng" dirty="0"/>
-              <a:t>gastos de alojamiento</a:t>
-            </a:r>
-            <a:r>
-              <a:rPr lang="es-ES" sz="1800" dirty="0"/>
-              <a:t>, que ascendieron a 900 € y, posteriormente, la factura le fue abonada por la empresa. Además percibió 0,25 € por kilómetro en concepto de </a:t>
-            </a:r>
-            <a:r>
-              <a:rPr lang="es-ES" sz="1800" b="1" u="sng" dirty="0"/>
-              <a:t>gastos de locomoción</a:t>
-            </a:r>
-            <a:r>
-              <a:rPr lang="es-ES" sz="1800" dirty="0"/>
-              <a:t>, habiendo realizado 100 kilómetros. Realizó </a:t>
-            </a:r>
-            <a:r>
-              <a:rPr lang="es-ES" sz="1800" b="1" u="sng" dirty="0"/>
-              <a:t>horas extras </a:t>
-            </a:r>
-            <a:r>
-              <a:rPr lang="es-ES" sz="1800" dirty="0"/>
-              <a:t>por importe de 100 €. El salario base es igual a 1.000 € y percibe tres pagas extras iguales a salario base</a:t>
-            </a:r>
-          </a:p>
-          <a:p>
-            <a:pPr marL="0" indent="0">
-              <a:lnSpc>
-                <a:spcPct val="130000"/>
-              </a:lnSpc>
-              <a:buNone/>
-            </a:pPr>
-            <a:r>
-              <a:rPr lang="es-ES" sz="1800" dirty="0"/>
-              <a:t>Calcula: Total devengado, BCCC y BCCP.</a:t>
-            </a:r>
-          </a:p>
-          <a:p>
-            <a:pPr marL="0" indent="0">
-              <a:lnSpc>
-                <a:spcPct val="130000"/>
-              </a:lnSpc>
-              <a:buNone/>
-            </a:pPr>
-            <a:r>
-              <a:rPr lang="es-ES" sz="1800" b="1" dirty="0"/>
-              <a:t>2.-</a:t>
-            </a:r>
-            <a:r>
-              <a:rPr lang="es-ES" sz="1800" dirty="0"/>
-              <a:t>Calcula las bases de cotización (BCCC Y BCCP) correspondientes a un trabajador que recibe las siguientes retribuciones: Salario base: 1300 €. Incentivos: 100 €.Plus de transporte: 130 €. Quebranto de moneda: 300 €. El trabajador percibe dos pagas extraordinarias de un importe igual al salario base. </a:t>
-            </a:r>
-          </a:p>
-          <a:p>
-            <a:pPr marL="0" indent="0">
-              <a:lnSpc>
-                <a:spcPct val="130000"/>
-              </a:lnSpc>
-              <a:buNone/>
-            </a:pPr>
-            <a:r>
-              <a:rPr lang="es-ES" sz="1800" b="1" dirty="0"/>
-              <a:t>3.-</a:t>
-            </a:r>
-            <a:r>
-              <a:rPr lang="es-ES" sz="1800" dirty="0"/>
-              <a:t>Calcula las bases de cotización correspondientes a un trabajador que en el presente mes ha recibido las siguientes retribuciones: Salario base: 1.500 €. Antigüedad: 7% del salario base por trienio. Plus de actividad: 150 €. Gastos de locomoción justificados: 250 €. Plus quebranto de moneda : 300 €. Horas extras fuerza mayor : 550 €.  Otras horas extraordinarias: 230 €.  Plus de transporte: 150 €. Tiene una antigüedad en la empresa de diez años. Percibe anualmente dos pagas extraordinarias y el importe de cada una es igual al salario base más la antigüedad. Además, percibe una paga extra de vacaciones de 500 €.</a:t>
-            </a:r>
-          </a:p>
-        </p:txBody>
-      </p:sp>
-    </p:spTree>
-    <p:extLst>
-      <p:ext uri="{BB962C8B-B14F-4D97-AF65-F5344CB8AC3E}">
-        <p14:creationId xmlns:p14="http://schemas.microsoft.com/office/powerpoint/2010/main" val="790468829"/>
       </p:ext>
     </p:extLst>
   </p:cSld>
@@ -6408,7 +7202,7 @@
           <a:p>
             <a:pPr algn="ctr"/>
             <a:r>
-              <a:rPr lang="es-ES" dirty="0"/>
+              <a:rPr lang="es-ES" b="1" dirty="0"/>
               <a:t>ACTIVIDADES</a:t>
             </a:r>
           </a:p>
@@ -6447,7 +7241,43 @@
             </a:pPr>
             <a:r>
               <a:rPr lang="es-ES" sz="1800" b="1" dirty="0"/>
-              <a:t>4.- Confecciona la nómina de un trabajador con una antigüedad de 11 años, contrato indefinido a tiempo completo. Según el Convenio Colectivo, el trabajador percibe las siguientes retribuciones:</a:t>
+              <a:t>1.-</a:t>
+            </a:r>
+            <a:r>
+              <a:rPr lang="es-ES" sz="1800" dirty="0"/>
+              <a:t>Una empresa ha enviado a un trabajador a Ámsterdam, durante cinco días, para captar nuevos clientes: Este trabajador recibió 150 euros diarios para pagar los </a:t>
+            </a:r>
+            <a:r>
+              <a:rPr lang="es-ES" sz="1800" b="1" u="sng" dirty="0"/>
+              <a:t>gastos de manutención</a:t>
+            </a:r>
+            <a:r>
+              <a:rPr lang="es-ES" sz="1800" dirty="0"/>
+              <a:t>. El propio trabajador pagó los </a:t>
+            </a:r>
+            <a:r>
+              <a:rPr lang="es-ES" sz="1800" b="1" u="sng" dirty="0"/>
+              <a:t>gastos de alojamiento</a:t>
+            </a:r>
+            <a:r>
+              <a:rPr lang="es-ES" sz="1800" dirty="0"/>
+              <a:t>, que ascendieron a 900 € y, posteriormente, la factura le fue abonada por la empresa. Además percibió 0,25 € por kilómetro en concepto de </a:t>
+            </a:r>
+            <a:r>
+              <a:rPr lang="es-ES" sz="1800" b="1" u="sng" dirty="0"/>
+              <a:t>gastos de locomoción</a:t>
+            </a:r>
+            <a:r>
+              <a:rPr lang="es-ES" sz="1800" dirty="0"/>
+              <a:t>, habiendo realizado 100 kilómetros. Realizó </a:t>
+            </a:r>
+            <a:r>
+              <a:rPr lang="es-ES" sz="1800" b="1" u="sng" dirty="0"/>
+              <a:t>horas extras </a:t>
+            </a:r>
+            <a:r>
+              <a:rPr lang="es-ES" sz="1800" dirty="0"/>
+              <a:t>por importe de 100 €. El salario base es igual a 1.000 € y percibe tres pagas extras iguales a salario base</a:t>
             </a:r>
           </a:p>
           <a:p>
@@ -6458,8 +7288,8 @@
               <a:buNone/>
             </a:pPr>
             <a:r>
-              <a:rPr lang="es-ES" sz="1800" b="1" dirty="0"/>
-              <a:t>Salario Base: 1.100 €. Incentivos, 120€. Plus nocturnidad: 150 €. Horas extras fuerza mayor: 250 €. Otras horas extra: 125 €.</a:t>
+              <a:rPr lang="es-ES" sz="1800" dirty="0"/>
+              <a:t>Calcula: Total devengado, BCCC y BCCP.</a:t>
             </a:r>
           </a:p>
           <a:p>
@@ -6471,7 +7301,11 @@
             </a:pPr>
             <a:r>
               <a:rPr lang="es-ES" sz="1800" b="1" dirty="0"/>
-              <a:t>Antigüedad: 5% del salario base por trienio. Locomoción: 0,22€/km, habiendo realizado 700 Km con el propio coche. Pagas extra: 3 al año equivalentes al salario base más la antigüedad.</a:t>
+              <a:t>2.-</a:t>
+            </a:r>
+            <a:r>
+              <a:rPr lang="es-ES" sz="1800" dirty="0"/>
+              <a:t>Calcula las bases de cotización (BCCC Y BCCP) correspondientes a un trabajador que recibe las siguientes retribuciones: Salario base: 1300 €. Incentivos: 100 €.Plus de transporte: 130 €. Quebranto de moneda: 300 €. El trabajador percibe dos pagas extraordinarias de un importe igual al salario base. </a:t>
             </a:r>
           </a:p>
           <a:p>
@@ -6481,34 +7315,21 @@
               </a:lnSpc>
               <a:buNone/>
             </a:pPr>
-            <a:endParaRPr lang="es-ES" sz="1800" b="1" dirty="0"/>
-          </a:p>
-          <a:p>
-            <a:pPr marL="0" indent="0">
-              <a:lnSpc>
-                <a:spcPct val="130000"/>
-              </a:lnSpc>
-              <a:buNone/>
-            </a:pPr>
             <a:r>
               <a:rPr lang="es-ES" sz="1800" b="1" dirty="0"/>
-              <a:t>El tipo de retención de IRPF es del 14 %. </a:t>
-            </a:r>
-          </a:p>
-          <a:p>
-            <a:pPr>
-              <a:lnSpc>
-                <a:spcPct val="130000"/>
-              </a:lnSpc>
-            </a:pPr>
-            <a:endParaRPr lang="es-ES" sz="1800" b="1" dirty="0"/>
+              <a:t>3.-</a:t>
+            </a:r>
+            <a:r>
+              <a:rPr lang="es-ES" sz="1800" dirty="0"/>
+              <a:t>Calcula las bases de cotización correspondientes a un trabajador que en el presente mes ha recibido las siguientes retribuciones: Salario base: 1.500 €. Antigüedad: 7% del salario base por trienio. Plus de actividad: 150 €. Gastos de locomoción justificados: 250 €. Plus quebranto de moneda : 300 €. Horas extras fuerza mayor : 550 €.  Otras horas extraordinarias: 230 €.  Plus de transporte: 150 €. Tiene una antigüedad en la empresa de diez años. Percibe anualmente dos pagas extraordinarias y el importe de cada una es igual al salario base más la antigüedad. Además, percibe una paga extra de vacaciones de 500 €.</a:t>
+            </a:r>
           </a:p>
         </p:txBody>
       </p:sp>
     </p:spTree>
     <p:extLst>
       <p:ext uri="{BB962C8B-B14F-4D97-AF65-F5344CB8AC3E}">
-        <p14:creationId xmlns:p14="http://schemas.microsoft.com/office/powerpoint/2010/main" val="1498121082"/>
+        <p14:creationId xmlns:p14="http://schemas.microsoft.com/office/powerpoint/2010/main" val="790468829"/>
       </p:ext>
     </p:extLst>
   </p:cSld>
@@ -6583,7 +7404,7 @@
         </p:nvSpPr>
         <p:spPr>
           <a:xfrm>
-            <a:off x="0" y="1008491"/>
+            <a:off x="0" y="981986"/>
             <a:ext cx="12192000" cy="5876013"/>
           </a:xfrm>
           <a:solidFill>
@@ -6604,7 +7425,7 @@
             </a:pPr>
             <a:r>
               <a:rPr lang="es-ES" sz="1800" b="1" dirty="0"/>
-              <a:t>5.- La trabajadora Patricia Ramírez percibe durante el mes de mayo, según Convenio Colectivo, las siguientes percepciones:</a:t>
+              <a:t>4.- Confecciona la nómina de un trabajador con una antigüedad de 11 años, contrato indefinido a tiempo completo. Según el Convenio Colectivo, el trabajador percibe las siguientes retribuciones:</a:t>
             </a:r>
           </a:p>
           <a:p>
@@ -6616,7 +7437,7 @@
             </a:pPr>
             <a:r>
               <a:rPr lang="es-ES" sz="1800" b="1" dirty="0"/>
-              <a:t>Salario base: 2.200 €; Plus de transporte: 155 €. Plus de dedicación: 200 €. Complemento de disponibilidad: 290 €. Horas extras fuerza mayor: 450 €. Horas extras voluntarias: 140 €. Ha percibido dietas por importe de 500 €, cantidad exenta de Seguridad Social. Anualmente percibe dos pagas extras – a cobrar en junio y en diciembre- por importe igual al salario base. También recibe una paga de beneficios de 500 € a cobrar en febrero. El tipo de retención de IRPF es del 18 %</a:t>
+              <a:t>Salario Base: 1.100 €. Incentivos, 120€. Plus nocturnidad: 150 €. Horas extras fuerza mayor: 250 €. Otras horas extra: 125 €.</a:t>
             </a:r>
           </a:p>
           <a:p>
@@ -6626,7 +7447,10 @@
               </a:lnSpc>
               <a:buNone/>
             </a:pPr>
-            <a:endParaRPr lang="es-ES" sz="1800" b="1" dirty="0"/>
+            <a:r>
+              <a:rPr lang="es-ES" sz="1800" b="1" dirty="0"/>
+              <a:t>Antigüedad: 5% del salario base por trienio. Locomoción: 0,22€/km, habiendo realizado 700 Km con el propio coche. Pagas extra: 3 al año equivalentes al salario base más la antigüedad.</a:t>
+            </a:r>
           </a:p>
           <a:p>
             <a:pPr marL="0" indent="0">
@@ -6635,9 +7459,18 @@
               </a:lnSpc>
               <a:buNone/>
             </a:pPr>
+            <a:endParaRPr lang="es-ES" sz="1800" b="1" dirty="0"/>
+          </a:p>
+          <a:p>
+            <a:pPr marL="0" indent="0">
+              <a:lnSpc>
+                <a:spcPct val="130000"/>
+              </a:lnSpc>
+              <a:buNone/>
+            </a:pPr>
             <a:r>
               <a:rPr lang="es-ES" sz="1800" b="1" dirty="0"/>
-              <a:t>Elabora la nómina.</a:t>
+              <a:t>El tipo de retención de IRPF es del 14 %. </a:t>
             </a:r>
           </a:p>
           <a:p>
@@ -6653,7 +7486,7 @@
     </p:spTree>
     <p:extLst>
       <p:ext uri="{BB962C8B-B14F-4D97-AF65-F5344CB8AC3E}">
-        <p14:creationId xmlns:p14="http://schemas.microsoft.com/office/powerpoint/2010/main" val="238721856"/>
+        <p14:creationId xmlns:p14="http://schemas.microsoft.com/office/powerpoint/2010/main" val="1498121082"/>
       </p:ext>
     </p:extLst>
   </p:cSld>
@@ -6728,7 +7561,7 @@
         </p:nvSpPr>
         <p:spPr>
           <a:xfrm>
-            <a:off x="0" y="981986"/>
+            <a:off x="0" y="1008491"/>
             <a:ext cx="12192000" cy="5876013"/>
           </a:xfrm>
           <a:solidFill>
@@ -6749,15 +7582,7 @@
             </a:pPr>
             <a:r>
               <a:rPr lang="es-ES" sz="1800" b="1" dirty="0"/>
-              <a:t>6.- Durante el mes de noviembre, Antonio Serrano percibe, en concepto de salario:   Salario base: 1800 €. Antigüedad: 2 % del sueldo base por trienio; lleva 18 años en la empresa.  Plus de </a:t>
-            </a:r>
-            <a:r>
-              <a:rPr lang="es-ES" sz="1800" b="1" dirty="0" err="1"/>
-              <a:t>penosidad</a:t>
-            </a:r>
-            <a:r>
-              <a:rPr lang="es-ES" sz="1800" b="1" dirty="0"/>
-              <a:t>: 240 €.  Horas extraordinarias: 300 €.  Horas extras fuerza mayor: 250 €.  Dietas (dentro de los límites): 400 €. Anualmente percibe dos pagas extraordinarias por un importe igual al salario base más la antigüedad. Retención a cuenta del IRPF del 15%. </a:t>
+              <a:t>5.- La trabajadora Patricia Ramírez percibe durante el mes de mayo, según Convenio Colectivo, las siguientes percepciones:</a:t>
             </a:r>
           </a:p>
           <a:p>
@@ -6769,7 +7594,28 @@
             </a:pPr>
             <a:r>
               <a:rPr lang="es-ES" sz="1800" b="1" dirty="0"/>
-              <a:t>Elabora la nómina</a:t>
+              <a:t>Salario base: 2.200 €; Plus de transporte: 155 €. Plus de dedicación: 200 €. Complemento de disponibilidad: 290 €. Horas extras fuerza mayor: 450 €. Horas extras voluntarias: 140 €. Ha percibido dietas por importe de 500 €, cantidad exenta de Seguridad Social. Anualmente percibe dos pagas extras – a cobrar en junio y en diciembre- por importe igual al salario base. También recibe una paga de beneficios de 500 € a cobrar en febrero. El tipo de retención de IRPF es del 18 %</a:t>
+            </a:r>
+          </a:p>
+          <a:p>
+            <a:pPr marL="0" indent="0">
+              <a:lnSpc>
+                <a:spcPct val="130000"/>
+              </a:lnSpc>
+              <a:buNone/>
+            </a:pPr>
+            <a:endParaRPr lang="es-ES" sz="1800" b="1" dirty="0"/>
+          </a:p>
+          <a:p>
+            <a:pPr marL="0" indent="0">
+              <a:lnSpc>
+                <a:spcPct val="130000"/>
+              </a:lnSpc>
+              <a:buNone/>
+            </a:pPr>
+            <a:r>
+              <a:rPr lang="es-ES" sz="1800" b="1" dirty="0"/>
+              <a:t>Elabora la nómina.</a:t>
             </a:r>
           </a:p>
           <a:p>
@@ -6785,7 +7631,7 @@
     </p:spTree>
     <p:extLst>
       <p:ext uri="{BB962C8B-B14F-4D97-AF65-F5344CB8AC3E}">
-        <p14:creationId xmlns:p14="http://schemas.microsoft.com/office/powerpoint/2010/main" val="1720667812"/>
+        <p14:creationId xmlns:p14="http://schemas.microsoft.com/office/powerpoint/2010/main" val="238721856"/>
       </p:ext>
     </p:extLst>
   </p:cSld>
@@ -6824,7 +7670,7 @@
         </p:nvSpPr>
         <p:spPr>
           <a:xfrm>
-            <a:off x="0" y="-13252"/>
+            <a:off x="0" y="1"/>
             <a:ext cx="12192000" cy="981986"/>
           </a:xfrm>
           <a:solidFill>
@@ -6881,7 +7727,27 @@
             </a:pPr>
             <a:r>
               <a:rPr lang="es-ES" sz="1800" b="1" dirty="0"/>
-              <a:t>7.- Elabora la nómina de trabajador con 10 años de antigüedad.</a:t>
+              <a:t>6.- Durante el mes de noviembre, Antonio Serrano percibe, en concepto de salario:   Salario base: 1800 €. Antigüedad: 2 % del sueldo base por trienio; lleva 18 años en la empresa.  Plus de </a:t>
+            </a:r>
+            <a:r>
+              <a:rPr lang="es-ES" sz="1800" b="1" dirty="0" err="1"/>
+              <a:t>penosidad</a:t>
+            </a:r>
+            <a:r>
+              <a:rPr lang="es-ES" sz="1800" b="1" dirty="0"/>
+              <a:t>: 240 €.  Horas extraordinarias: 300 €.  Horas extras fuerza mayor: 250 €.  Dietas (dentro de los límites): 400 €. Anualmente percibe dos pagas extraordinarias por un importe igual al salario base más la antigüedad. Retención a cuenta del IRPF del 15%. </a:t>
+            </a:r>
+          </a:p>
+          <a:p>
+            <a:pPr marL="0" indent="0">
+              <a:lnSpc>
+                <a:spcPct val="130000"/>
+              </a:lnSpc>
+              <a:buNone/>
+            </a:pPr>
+            <a:r>
+              <a:rPr lang="es-ES" sz="1800" b="1" dirty="0"/>
+              <a:t>Elabora la nómina</a:t>
             </a:r>
           </a:p>
           <a:p>
@@ -6889,143 +7755,15 @@
               <a:lnSpc>
                 <a:spcPct val="130000"/>
               </a:lnSpc>
-              <a:buFont typeface="Arial" panose="020B0604020202020204" pitchFamily="34" charset="0"/>
-              <a:buChar char="•"/>
-            </a:pPr>
-            <a:r>
-              <a:rPr lang="es-ES" sz="1800" b="1" dirty="0"/>
-              <a:t>Salario base: 1.000 €</a:t>
-            </a:r>
-          </a:p>
-          <a:p>
-            <a:pPr>
-              <a:lnSpc>
-                <a:spcPct val="130000"/>
-              </a:lnSpc>
-              <a:buFont typeface="Arial" panose="020B0604020202020204" pitchFamily="34" charset="0"/>
-              <a:buChar char="•"/>
-            </a:pPr>
-            <a:r>
-              <a:rPr lang="es-ES" sz="1800" b="1" dirty="0"/>
-              <a:t>Antigüedad (3% del salario base por trienios)</a:t>
-            </a:r>
-          </a:p>
-          <a:p>
-            <a:pPr>
-              <a:lnSpc>
-                <a:spcPct val="130000"/>
-              </a:lnSpc>
-              <a:buFont typeface="Arial" panose="020B0604020202020204" pitchFamily="34" charset="0"/>
-              <a:buChar char="•"/>
-            </a:pPr>
-            <a:r>
-              <a:rPr lang="es-ES" sz="1800" b="1" dirty="0"/>
-              <a:t>Gastos de locomoción en transporte público: 200</a:t>
-            </a:r>
-          </a:p>
-          <a:p>
-            <a:pPr>
-              <a:lnSpc>
-                <a:spcPct val="130000"/>
-              </a:lnSpc>
-              <a:buFont typeface="Arial" panose="020B0604020202020204" pitchFamily="34" charset="0"/>
-              <a:buChar char="•"/>
-            </a:pPr>
-            <a:r>
-              <a:rPr lang="es-ES" sz="1800" b="1" dirty="0"/>
-              <a:t>Gastos de locomoción: 300 </a:t>
-            </a:r>
-            <a:r>
-              <a:rPr lang="es-ES" sz="1800" b="1" dirty="0" err="1"/>
-              <a:t>Kms</a:t>
-            </a:r>
-            <a:r>
-              <a:rPr lang="es-ES" sz="1800" b="1" dirty="0"/>
-              <a:t>. pagados a 0,25 el Km.</a:t>
-            </a:r>
-          </a:p>
-          <a:p>
-            <a:pPr>
-              <a:lnSpc>
-                <a:spcPct val="130000"/>
-              </a:lnSpc>
-              <a:buFont typeface="Arial" panose="020B0604020202020204" pitchFamily="34" charset="0"/>
-              <a:buChar char="•"/>
-            </a:pPr>
-            <a:r>
-              <a:rPr lang="es-ES" sz="1800" b="1" dirty="0"/>
-              <a:t>Estancia (aporta factura): 350 €</a:t>
-            </a:r>
-          </a:p>
-          <a:p>
-            <a:pPr>
-              <a:lnSpc>
-                <a:spcPct val="130000"/>
-              </a:lnSpc>
-              <a:buFont typeface="Arial" panose="020B0604020202020204" pitchFamily="34" charset="0"/>
-              <a:buChar char="•"/>
-            </a:pPr>
-            <a:r>
-              <a:rPr lang="es-ES" sz="1800" b="1" dirty="0"/>
-              <a:t>Manutención con pernocta (5 días con sus noches) en el extranjero: 500 €</a:t>
-            </a:r>
-          </a:p>
-          <a:p>
-            <a:pPr>
-              <a:lnSpc>
-                <a:spcPct val="130000"/>
-              </a:lnSpc>
-              <a:buFont typeface="Arial" panose="020B0604020202020204" pitchFamily="34" charset="0"/>
-              <a:buChar char="•"/>
-            </a:pPr>
-            <a:r>
-              <a:rPr lang="es-ES" sz="1800" b="1" dirty="0"/>
-              <a:t>Horas extras fuerza mayor: 50 €</a:t>
-            </a:r>
-          </a:p>
-          <a:p>
-            <a:pPr>
-              <a:lnSpc>
-                <a:spcPct val="130000"/>
-              </a:lnSpc>
-              <a:buFont typeface="Arial" panose="020B0604020202020204" pitchFamily="34" charset="0"/>
-              <a:buChar char="•"/>
-            </a:pPr>
-            <a:r>
-              <a:rPr lang="es-ES" sz="1800" b="1" dirty="0"/>
-              <a:t>Horas extras voluntarias: 150 €</a:t>
-            </a:r>
-          </a:p>
-          <a:p>
-            <a:pPr>
-              <a:lnSpc>
-                <a:spcPct val="130000"/>
-              </a:lnSpc>
-              <a:buFont typeface="Arial" panose="020B0604020202020204" pitchFamily="34" charset="0"/>
-              <a:buChar char="•"/>
-            </a:pPr>
-            <a:r>
-              <a:rPr lang="es-ES" sz="1800" b="1" dirty="0"/>
-              <a:t>Plus de transporte: 100 €.</a:t>
-            </a:r>
-          </a:p>
-          <a:p>
-            <a:pPr>
-              <a:lnSpc>
-                <a:spcPct val="130000"/>
-              </a:lnSpc>
-            </a:pPr>
-            <a:r>
-              <a:rPr lang="es-ES" sz="1800" b="1" dirty="0"/>
-              <a:t>-Tipo de retención 18%.</a:t>
-            </a:r>
+            </a:pPr>
+            <a:endParaRPr lang="es-ES" sz="1800" b="1" dirty="0"/>
           </a:p>
         </p:txBody>
       </p:sp>
     </p:spTree>
     <p:extLst>
       <p:ext uri="{BB962C8B-B14F-4D97-AF65-F5344CB8AC3E}">
-        <p14:creationId xmlns:p14="http://schemas.microsoft.com/office/powerpoint/2010/main" val="1635112042"/>
+        <p14:creationId xmlns:p14="http://schemas.microsoft.com/office/powerpoint/2010/main" val="1720667812"/>
       </p:ext>
     </p:extLst>
   </p:cSld>
@@ -7386,6 +8124,246 @@
 </p:sld>
 </file>
 
+<file path=ppt/slides/slide20.xml><?xml version="1.0" encoding="utf-8"?>
+<p:sld xmlns:a="http://schemas.openxmlformats.org/drawingml/2006/main" xmlns:r="http://schemas.openxmlformats.org/officeDocument/2006/relationships" xmlns:p="http://schemas.openxmlformats.org/presentationml/2006/main">
+  <p:cSld>
+    <p:spTree>
+      <p:nvGrpSpPr>
+        <p:cNvPr id="1" name=""/>
+        <p:cNvGrpSpPr/>
+        <p:nvPr/>
+      </p:nvGrpSpPr>
+      <p:grpSpPr>
+        <a:xfrm>
+          <a:off x="0" y="0"/>
+          <a:ext cx="0" cy="0"/>
+          <a:chOff x="0" y="0"/>
+          <a:chExt cx="0" cy="0"/>
+        </a:xfrm>
+      </p:grpSpPr>
+      <p:sp>
+        <p:nvSpPr>
+          <p:cNvPr id="2" name="Título 1"/>
+          <p:cNvSpPr>
+            <a:spLocks noGrp="1"/>
+          </p:cNvSpPr>
+          <p:nvPr>
+            <p:ph type="title"/>
+          </p:nvPr>
+        </p:nvSpPr>
+        <p:spPr>
+          <a:xfrm>
+            <a:off x="0" y="-13252"/>
+            <a:ext cx="12192000" cy="981986"/>
+          </a:xfrm>
+          <a:solidFill>
+            <a:schemeClr val="accent3">
+              <a:lumMod val="60000"/>
+              <a:lumOff val="40000"/>
+            </a:schemeClr>
+          </a:solidFill>
+        </p:spPr>
+        <p:txBody>
+          <a:bodyPr>
+            <a:normAutofit/>
+          </a:bodyPr>
+          <a:lstStyle/>
+          <a:p>
+            <a:pPr algn="ctr"/>
+            <a:r>
+              <a:rPr lang="es-ES" dirty="0"/>
+              <a:t>ACTIVIDADES</a:t>
+            </a:r>
+          </a:p>
+        </p:txBody>
+      </p:sp>
+      <p:sp>
+        <p:nvSpPr>
+          <p:cNvPr id="3" name="Marcador de contenido 2"/>
+          <p:cNvSpPr>
+            <a:spLocks noGrp="1"/>
+          </p:cNvSpPr>
+          <p:nvPr>
+            <p:ph idx="1"/>
+          </p:nvPr>
+        </p:nvSpPr>
+        <p:spPr>
+          <a:xfrm>
+            <a:off x="0" y="981986"/>
+            <a:ext cx="12192000" cy="5876013"/>
+          </a:xfrm>
+          <a:solidFill>
+            <a:schemeClr val="bg1"/>
+          </a:solidFill>
+        </p:spPr>
+        <p:txBody>
+          <a:bodyPr>
+            <a:normAutofit/>
+          </a:bodyPr>
+          <a:lstStyle/>
+          <a:p>
+            <a:pPr marL="0" indent="0">
+              <a:lnSpc>
+                <a:spcPct val="130000"/>
+              </a:lnSpc>
+              <a:buNone/>
+            </a:pPr>
+            <a:r>
+              <a:rPr lang="es-ES" sz="1800" b="1" dirty="0"/>
+              <a:t>7.- Elabora la nómina de trabajador con 10 años de antigüedad.</a:t>
+            </a:r>
+          </a:p>
+          <a:p>
+            <a:pPr>
+              <a:lnSpc>
+                <a:spcPct val="130000"/>
+              </a:lnSpc>
+              <a:buFont typeface="Arial" panose="020B0604020202020204" pitchFamily="34" charset="0"/>
+              <a:buChar char="•"/>
+            </a:pPr>
+            <a:r>
+              <a:rPr lang="es-ES" sz="1800" b="1" dirty="0"/>
+              <a:t>Salario base: 1.000 €</a:t>
+            </a:r>
+          </a:p>
+          <a:p>
+            <a:pPr>
+              <a:lnSpc>
+                <a:spcPct val="130000"/>
+              </a:lnSpc>
+              <a:buFont typeface="Arial" panose="020B0604020202020204" pitchFamily="34" charset="0"/>
+              <a:buChar char="•"/>
+            </a:pPr>
+            <a:r>
+              <a:rPr lang="es-ES" sz="1800" b="1" dirty="0"/>
+              <a:t>Antigüedad (3% del salario base por trienios)</a:t>
+            </a:r>
+          </a:p>
+          <a:p>
+            <a:pPr>
+              <a:lnSpc>
+                <a:spcPct val="130000"/>
+              </a:lnSpc>
+              <a:buFont typeface="Arial" panose="020B0604020202020204" pitchFamily="34" charset="0"/>
+              <a:buChar char="•"/>
+            </a:pPr>
+            <a:r>
+              <a:rPr lang="es-ES" sz="1800" b="1" dirty="0"/>
+              <a:t>Gastos de locomoción en transporte público: 200</a:t>
+            </a:r>
+          </a:p>
+          <a:p>
+            <a:pPr>
+              <a:lnSpc>
+                <a:spcPct val="130000"/>
+              </a:lnSpc>
+              <a:buFont typeface="Arial" panose="020B0604020202020204" pitchFamily="34" charset="0"/>
+              <a:buChar char="•"/>
+            </a:pPr>
+            <a:r>
+              <a:rPr lang="es-ES" sz="1800" b="1" dirty="0"/>
+              <a:t>Gastos de locomoción: 300 </a:t>
+            </a:r>
+            <a:r>
+              <a:rPr lang="es-ES" sz="1800" b="1" dirty="0" err="1"/>
+              <a:t>Kms</a:t>
+            </a:r>
+            <a:r>
+              <a:rPr lang="es-ES" sz="1800" b="1" dirty="0"/>
+              <a:t>. pagados a 0,25 el Km.</a:t>
+            </a:r>
+          </a:p>
+          <a:p>
+            <a:pPr>
+              <a:lnSpc>
+                <a:spcPct val="130000"/>
+              </a:lnSpc>
+              <a:buFont typeface="Arial" panose="020B0604020202020204" pitchFamily="34" charset="0"/>
+              <a:buChar char="•"/>
+            </a:pPr>
+            <a:r>
+              <a:rPr lang="es-ES" sz="1800" b="1" dirty="0"/>
+              <a:t>Estancia (aporta factura): 350 €</a:t>
+            </a:r>
+          </a:p>
+          <a:p>
+            <a:pPr>
+              <a:lnSpc>
+                <a:spcPct val="130000"/>
+              </a:lnSpc>
+              <a:buFont typeface="Arial" panose="020B0604020202020204" pitchFamily="34" charset="0"/>
+              <a:buChar char="•"/>
+            </a:pPr>
+            <a:r>
+              <a:rPr lang="es-ES" sz="1800" b="1" dirty="0"/>
+              <a:t>Manutención con pernocta (5 días con sus noches) en el extranjero: 500 €</a:t>
+            </a:r>
+          </a:p>
+          <a:p>
+            <a:pPr>
+              <a:lnSpc>
+                <a:spcPct val="130000"/>
+              </a:lnSpc>
+              <a:buFont typeface="Arial" panose="020B0604020202020204" pitchFamily="34" charset="0"/>
+              <a:buChar char="•"/>
+            </a:pPr>
+            <a:r>
+              <a:rPr lang="es-ES" sz="1800" b="1" dirty="0"/>
+              <a:t>Horas extras fuerza mayor: 50 €</a:t>
+            </a:r>
+          </a:p>
+          <a:p>
+            <a:pPr>
+              <a:lnSpc>
+                <a:spcPct val="130000"/>
+              </a:lnSpc>
+              <a:buFont typeface="Arial" panose="020B0604020202020204" pitchFamily="34" charset="0"/>
+              <a:buChar char="•"/>
+            </a:pPr>
+            <a:r>
+              <a:rPr lang="es-ES" sz="1800" b="1" dirty="0"/>
+              <a:t>Horas extras voluntarias: 150 €</a:t>
+            </a:r>
+          </a:p>
+          <a:p>
+            <a:pPr>
+              <a:lnSpc>
+                <a:spcPct val="130000"/>
+              </a:lnSpc>
+              <a:buFont typeface="Arial" panose="020B0604020202020204" pitchFamily="34" charset="0"/>
+              <a:buChar char="•"/>
+            </a:pPr>
+            <a:r>
+              <a:rPr lang="es-ES" sz="1800" b="1" dirty="0"/>
+              <a:t>Plus de transporte: 100 €.</a:t>
+            </a:r>
+          </a:p>
+          <a:p>
+            <a:pPr>
+              <a:lnSpc>
+                <a:spcPct val="130000"/>
+              </a:lnSpc>
+            </a:pPr>
+            <a:r>
+              <a:rPr lang="es-ES" sz="1800" b="1" dirty="0"/>
+              <a:t>-Tipo de retención 18%.</a:t>
+            </a:r>
+          </a:p>
+        </p:txBody>
+      </p:sp>
+    </p:spTree>
+    <p:extLst>
+      <p:ext uri="{BB962C8B-B14F-4D97-AF65-F5344CB8AC3E}">
+        <p14:creationId xmlns:p14="http://schemas.microsoft.com/office/powerpoint/2010/main" val="1635112042"/>
+      </p:ext>
+    </p:extLst>
+  </p:cSld>
+  <p:clrMapOvr>
+    <a:masterClrMapping/>
+  </p:clrMapOvr>
+</p:sld>
+</file>
+
 <file path=ppt/slides/slide3.xml><?xml version="1.0" encoding="utf-8"?>
 <p:sld xmlns:a="http://schemas.openxmlformats.org/drawingml/2006/main" xmlns:r="http://schemas.openxmlformats.org/officeDocument/2006/relationships" xmlns:p="http://schemas.openxmlformats.org/presentationml/2006/main">
   <p:cSld>
@@ -7419,7 +8397,7 @@
                 <a16:creationId xmlns:a16="http://schemas.microsoft.com/office/drawing/2014/main" id="{6EFC920F-B85A-4068-BD93-41064EDE93D3}"/>
               </a:ext>
               <a:ext uri="{C183D7F6-B498-43B3-948B-1728B52AA6E4}">
-                <adec:decorative xmlns="" xmlns:adec="http://schemas.microsoft.com/office/drawing/2017/decorative" val="1"/>
+                <adec:decorative xmlns:adec="http://schemas.microsoft.com/office/drawing/2017/decorative" xmlns="" val="1"/>
               </a:ext>
             </a:extLst>
           </p:cNvPr>
@@ -7479,7 +8457,7 @@
                 <a16:creationId xmlns:a16="http://schemas.microsoft.com/office/drawing/2014/main" id="{1C559108-BBAE-426C-8564-051D2BA6DDC8}"/>
               </a:ext>
               <a:ext uri="{C183D7F6-B498-43B3-948B-1728B52AA6E4}">
-                <adec:decorative xmlns="" xmlns:adec="http://schemas.microsoft.com/office/drawing/2017/decorative" val="1"/>
+                <adec:decorative xmlns:adec="http://schemas.microsoft.com/office/drawing/2017/decorative" xmlns="" val="1"/>
               </a:ext>
             </a:extLst>
           </p:cNvPr>
@@ -7513,7 +8491,7 @@
                   <a16:creationId xmlns:a16="http://schemas.microsoft.com/office/drawing/2014/main" id="{42BC35EE-6650-42D2-AEFB-4B7CD1AFC9BD}"/>
                 </a:ext>
                 <a:ext uri="{C183D7F6-B498-43B3-948B-1728B52AA6E4}">
-                  <adec:decorative xmlns="" xmlns:adec="http://schemas.microsoft.com/office/drawing/2017/decorative" val="1"/>
+                  <adec:decorative xmlns:adec="http://schemas.microsoft.com/office/drawing/2017/decorative" xmlns="" val="1"/>
                 </a:ext>
               </a:extLst>
             </p:cNvPr>
@@ -7572,7 +8550,7 @@
                   <a16:creationId xmlns:a16="http://schemas.microsoft.com/office/drawing/2014/main" id="{0952C743-9049-4DFB-878B-2AB07B6E4FD1}"/>
                 </a:ext>
                 <a:ext uri="{C183D7F6-B498-43B3-948B-1728B52AA6E4}">
-                  <adec:decorative xmlns="" xmlns:adec="http://schemas.microsoft.com/office/drawing/2017/decorative" val="1"/>
+                  <adec:decorative xmlns:adec="http://schemas.microsoft.com/office/drawing/2017/decorative" xmlns="" val="1"/>
                 </a:ext>
               </a:extLst>
             </p:cNvPr>
@@ -7632,7 +8610,7 @@
                 <a16:creationId xmlns:a16="http://schemas.microsoft.com/office/drawing/2014/main" id="{CBC4F608-B4B8-48C3-9572-C0F061B1CD99}"/>
               </a:ext>
               <a:ext uri="{C183D7F6-B498-43B3-948B-1728B52AA6E4}">
-                <adec:decorative xmlns="" xmlns:adec="http://schemas.microsoft.com/office/drawing/2017/decorative" val="1"/>
+                <adec:decorative xmlns:adec="http://schemas.microsoft.com/office/drawing/2017/decorative" xmlns="" val="1"/>
               </a:ext>
             </a:extLst>
           </p:cNvPr>
@@ -7754,7 +8732,7 @@
                 <a16:creationId xmlns:a16="http://schemas.microsoft.com/office/drawing/2014/main" id="{1382A32C-5B0C-4B1C-A074-76C6DBCC9F87}"/>
               </a:ext>
               <a:ext uri="{C183D7F6-B498-43B3-948B-1728B52AA6E4}">
-                <adec:decorative xmlns="" xmlns:adec="http://schemas.microsoft.com/office/drawing/2017/decorative" val="1"/>
+                <adec:decorative xmlns:adec="http://schemas.microsoft.com/office/drawing/2017/decorative" xmlns="" val="1"/>
               </a:ext>
             </a:extLst>
           </p:cNvPr>
@@ -10022,7 +11000,7 @@
                 <a16:creationId xmlns:a16="http://schemas.microsoft.com/office/drawing/2014/main" id="{85016AEC-0320-4ED0-8ECB-FE11DDDFE17A}"/>
               </a:ext>
               <a:ext uri="{C183D7F6-B498-43B3-948B-1728B52AA6E4}">
-                <adec:decorative xmlns="" xmlns:adec="http://schemas.microsoft.com/office/drawing/2017/decorative" val="1"/>
+                <adec:decorative xmlns:adec="http://schemas.microsoft.com/office/drawing/2017/decorative" xmlns="" val="1"/>
               </a:ext>
             </a:extLst>
           </p:cNvPr>
@@ -10082,7 +11060,7 @@
                 <a16:creationId xmlns:a16="http://schemas.microsoft.com/office/drawing/2014/main" id="{D3CDB30C-1F82-41E6-A067-831D6E89184F}"/>
               </a:ext>
               <a:ext uri="{C183D7F6-B498-43B3-948B-1728B52AA6E4}">
-                <adec:decorative xmlns="" xmlns:adec="http://schemas.microsoft.com/office/drawing/2017/decorative" val="1"/>
+                <adec:decorative xmlns:adec="http://schemas.microsoft.com/office/drawing/2017/decorative" xmlns="" val="1"/>
               </a:ext>
             </a:extLst>
           </p:cNvPr>
@@ -10171,7 +11149,7 @@
                 <a16:creationId xmlns:a16="http://schemas.microsoft.com/office/drawing/2014/main" id="{2DDA86DD-F997-4F66-A87C-5B58AB6D19EC}"/>
               </a:ext>
               <a:ext uri="{C183D7F6-B498-43B3-948B-1728B52AA6E4}">
-                <adec:decorative xmlns="" xmlns:adec="http://schemas.microsoft.com/office/drawing/2017/decorative" val="1"/>
+                <adec:decorative xmlns:adec="http://schemas.microsoft.com/office/drawing/2017/decorative" xmlns="" val="1"/>
               </a:ext>
             </a:extLst>
           </p:cNvPr>
@@ -10234,7 +11212,7 @@
                 <a16:creationId xmlns:a16="http://schemas.microsoft.com/office/drawing/2014/main" id="{D241B827-437E-40A3-A732-669230D6A5BC}"/>
               </a:ext>
               <a:ext uri="{C183D7F6-B498-43B3-948B-1728B52AA6E4}">
-                <adec:decorative xmlns="" xmlns:adec="http://schemas.microsoft.com/office/drawing/2017/decorative" val="1"/>
+                <adec:decorative xmlns:adec="http://schemas.microsoft.com/office/drawing/2017/decorative" xmlns="" val="1"/>
               </a:ext>
             </a:extLst>
           </p:cNvPr>

--- a/PROGRAMACION/FOL/Tema 4 La nómina 2023.pptx
+++ b/PROGRAMACION/FOL/Tema 4 La nómina 2023.pptx
@@ -19,12 +19,13 @@
     <p:sldId id="265" r:id="rId13"/>
     <p:sldId id="277" r:id="rId14"/>
     <p:sldId id="281" r:id="rId15"/>
-    <p:sldId id="278" r:id="rId16"/>
-    <p:sldId id="266" r:id="rId17"/>
-    <p:sldId id="267" r:id="rId18"/>
-    <p:sldId id="268" r:id="rId19"/>
-    <p:sldId id="269" r:id="rId20"/>
-    <p:sldId id="270" r:id="rId21"/>
+    <p:sldId id="282" r:id="rId16"/>
+    <p:sldId id="278" r:id="rId17"/>
+    <p:sldId id="266" r:id="rId18"/>
+    <p:sldId id="267" r:id="rId19"/>
+    <p:sldId id="268" r:id="rId20"/>
+    <p:sldId id="269" r:id="rId21"/>
+    <p:sldId id="270" r:id="rId22"/>
   </p:sldIdLst>
   <p:sldSz cx="12192000" cy="6858000"/>
   <p:notesSz cx="6858000" cy="9144000"/>
@@ -285,7 +286,7 @@
           <a:p>
             <a:fld id="{0A23F45E-0E51-496A-8ED3-DC81B716CFEC}" type="datetimeFigureOut">
               <a:rPr lang="es-ES" smtClean="0"/>
-              <a:t>19/12/2023</a:t>
+              <a:t>20/12/2023</a:t>
             </a:fld>
             <a:endParaRPr lang="es-ES"/>
           </a:p>
@@ -455,7 +456,7 @@
           <a:p>
             <a:fld id="{0A23F45E-0E51-496A-8ED3-DC81B716CFEC}" type="datetimeFigureOut">
               <a:rPr lang="es-ES" smtClean="0"/>
-              <a:t>19/12/2023</a:t>
+              <a:t>20/12/2023</a:t>
             </a:fld>
             <a:endParaRPr lang="es-ES"/>
           </a:p>
@@ -635,7 +636,7 @@
           <a:p>
             <a:fld id="{0A23F45E-0E51-496A-8ED3-DC81B716CFEC}" type="datetimeFigureOut">
               <a:rPr lang="es-ES" smtClean="0"/>
-              <a:t>19/12/2023</a:t>
+              <a:t>20/12/2023</a:t>
             </a:fld>
             <a:endParaRPr lang="es-ES"/>
           </a:p>
@@ -805,7 +806,7 @@
           <a:p>
             <a:fld id="{0A23F45E-0E51-496A-8ED3-DC81B716CFEC}" type="datetimeFigureOut">
               <a:rPr lang="es-ES" smtClean="0"/>
-              <a:t>19/12/2023</a:t>
+              <a:t>20/12/2023</a:t>
             </a:fld>
             <a:endParaRPr lang="es-ES"/>
           </a:p>
@@ -1051,7 +1052,7 @@
           <a:p>
             <a:fld id="{0A23F45E-0E51-496A-8ED3-DC81B716CFEC}" type="datetimeFigureOut">
               <a:rPr lang="es-ES" smtClean="0"/>
-              <a:t>19/12/2023</a:t>
+              <a:t>20/12/2023</a:t>
             </a:fld>
             <a:endParaRPr lang="es-ES"/>
           </a:p>
@@ -1283,7 +1284,7 @@
           <a:p>
             <a:fld id="{0A23F45E-0E51-496A-8ED3-DC81B716CFEC}" type="datetimeFigureOut">
               <a:rPr lang="es-ES" smtClean="0"/>
-              <a:t>19/12/2023</a:t>
+              <a:t>20/12/2023</a:t>
             </a:fld>
             <a:endParaRPr lang="es-ES"/>
           </a:p>
@@ -1650,7 +1651,7 @@
           <a:p>
             <a:fld id="{0A23F45E-0E51-496A-8ED3-DC81B716CFEC}" type="datetimeFigureOut">
               <a:rPr lang="es-ES" smtClean="0"/>
-              <a:t>19/12/2023</a:t>
+              <a:t>20/12/2023</a:t>
             </a:fld>
             <a:endParaRPr lang="es-ES"/>
           </a:p>
@@ -1768,7 +1769,7 @@
           <a:p>
             <a:fld id="{0A23F45E-0E51-496A-8ED3-DC81B716CFEC}" type="datetimeFigureOut">
               <a:rPr lang="es-ES" smtClean="0"/>
-              <a:t>19/12/2023</a:t>
+              <a:t>20/12/2023</a:t>
             </a:fld>
             <a:endParaRPr lang="es-ES"/>
           </a:p>
@@ -1863,7 +1864,7 @@
           <a:p>
             <a:fld id="{0A23F45E-0E51-496A-8ED3-DC81B716CFEC}" type="datetimeFigureOut">
               <a:rPr lang="es-ES" smtClean="0"/>
-              <a:t>19/12/2023</a:t>
+              <a:t>20/12/2023</a:t>
             </a:fld>
             <a:endParaRPr lang="es-ES"/>
           </a:p>
@@ -2140,7 +2141,7 @@
           <a:p>
             <a:fld id="{0A23F45E-0E51-496A-8ED3-DC81B716CFEC}" type="datetimeFigureOut">
               <a:rPr lang="es-ES" smtClean="0"/>
-              <a:t>19/12/2023</a:t>
+              <a:t>20/12/2023</a:t>
             </a:fld>
             <a:endParaRPr lang="es-ES"/>
           </a:p>
@@ -2397,7 +2398,7 @@
           <a:p>
             <a:fld id="{0A23F45E-0E51-496A-8ED3-DC81B716CFEC}" type="datetimeFigureOut">
               <a:rPr lang="es-ES" smtClean="0"/>
-              <a:t>19/12/2023</a:t>
+              <a:t>20/12/2023</a:t>
             </a:fld>
             <a:endParaRPr lang="es-ES"/>
           </a:p>
@@ -2610,7 +2611,7 @@
           <a:p>
             <a:fld id="{0A23F45E-0E51-496A-8ED3-DC81B716CFEC}" type="datetimeFigureOut">
               <a:rPr lang="es-ES" smtClean="0"/>
-              <a:t>19/12/2023</a:t>
+              <a:t>20/12/2023</a:t>
             </a:fld>
             <a:endParaRPr lang="es-ES"/>
           </a:p>
@@ -3031,7 +3032,7 @@
                 <a16:creationId xmlns:a16="http://schemas.microsoft.com/office/drawing/2014/main" id="{E91DC736-0EF8-4F87-9146-EBF1D2EE4D3D}"/>
               </a:ext>
               <a:ext uri="{C183D7F6-B498-43B3-948B-1728B52AA6E4}">
-                <adec:decorative xmlns:adec="http://schemas.microsoft.com/office/drawing/2017/decorative" xmlns="" val="1"/>
+                <adec:decorative xmlns="" xmlns:adec="http://schemas.microsoft.com/office/drawing/2017/decorative" val="1"/>
               </a:ext>
             </a:extLst>
           </p:cNvPr>
@@ -3114,7 +3115,7 @@
                 <a16:creationId xmlns:a16="http://schemas.microsoft.com/office/drawing/2014/main" id="{097CD68E-23E3-4007-8847-CD0944C4F7BE}"/>
               </a:ext>
               <a:ext uri="{C183D7F6-B498-43B3-948B-1728B52AA6E4}">
-                <adec:decorative xmlns:adec="http://schemas.microsoft.com/office/drawing/2017/decorative" xmlns="" val="1"/>
+                <adec:decorative xmlns="" xmlns:adec="http://schemas.microsoft.com/office/drawing/2017/decorative" val="1"/>
               </a:ext>
             </a:extLst>
           </p:cNvPr>
@@ -3267,7 +3268,7 @@
                 <a16:creationId xmlns:a16="http://schemas.microsoft.com/office/drawing/2014/main" id="{AF2F604E-43BE-4DC3-B983-E071523364F8}"/>
               </a:ext>
               <a:ext uri="{C183D7F6-B498-43B3-948B-1728B52AA6E4}">
-                <adec:decorative xmlns:adec="http://schemas.microsoft.com/office/drawing/2017/decorative" xmlns="" val="1"/>
+                <adec:decorative xmlns="" xmlns:adec="http://schemas.microsoft.com/office/drawing/2017/decorative" val="1"/>
               </a:ext>
             </a:extLst>
           </p:cNvPr>
@@ -3335,7 +3336,7 @@
                 <a16:creationId xmlns:a16="http://schemas.microsoft.com/office/drawing/2014/main" id="{08C9B587-E65E-4B52-B37C-ABEBB6E87928}"/>
               </a:ext>
               <a:ext uri="{C183D7F6-B498-43B3-948B-1728B52AA6E4}">
-                <adec:decorative xmlns:adec="http://schemas.microsoft.com/office/drawing/2017/decorative" xmlns="" val="1"/>
+                <adec:decorative xmlns="" xmlns:adec="http://schemas.microsoft.com/office/drawing/2017/decorative" val="1"/>
               </a:ext>
             </a:extLst>
           </p:cNvPr>
@@ -4424,8 +4425,8 @@
           </a:p>
         </p:txBody>
       </p:sp>
-      <mc:AlternateContent xmlns:mc="http://schemas.openxmlformats.org/markup-compatibility/2006">
-        <mc:Choice xmlns:a14="http://schemas.microsoft.com/office/drawing/2010/main" Requires="a14">
+      <mc:AlternateContent xmlns:mc="http://schemas.openxmlformats.org/markup-compatibility/2006" xmlns:a14="http://schemas.microsoft.com/office/drawing/2010/main">
+        <mc:Choice Requires="a14">
           <p:graphicFrame>
             <p:nvGraphicFramePr>
               <p:cNvPr id="4" name="Tabla 4">
@@ -5265,7 +5266,7 @@
             </a:graphic>
           </p:graphicFrame>
         </mc:Choice>
-        <mc:Fallback>
+        <mc:Fallback xmlns="">
           <p:graphicFrame>
             <p:nvGraphicFramePr>
               <p:cNvPr id="4" name="Tabla 4">
@@ -6171,7 +6172,6 @@
               <a:rPr lang="es-ES" dirty="0"/>
               <a:t>el TD, la BCCC, BCCP, y la BIRF con los siguientes datos.</a:t>
             </a:r>
-            <a:endParaRPr lang="es-ES" dirty="0"/>
           </a:p>
           <a:p>
             <a:pPr fontAlgn="base"/>
@@ -6584,8 +6584,13 @@
             </a:pPr>
             <a:r>
               <a:rPr lang="es-ES" b="1" dirty="0" smtClean="0"/>
-              <a:t>DEDUCCIONES: 466,45€</a:t>
-            </a:r>
+              <a:t>DEDUCCIONES: </a:t>
+            </a:r>
+            <a:r>
+              <a:rPr lang="es-ES" b="1" dirty="0" smtClean="0"/>
+              <a:t>469,8€</a:t>
+            </a:r>
+            <a:endParaRPr lang="es-ES" b="1" dirty="0" smtClean="0"/>
           </a:p>
           <a:p>
             <a:pPr marL="0" indent="0">
@@ -6630,8 +6635,13 @@
             </a:r>
             <a:r>
               <a:rPr lang="es-ES" dirty="0" smtClean="0"/>
-              <a:t>1,55%= 29,17</a:t>
-            </a:r>
+              <a:t>1,55%= </a:t>
+            </a:r>
+            <a:r>
+              <a:rPr lang="es-ES" dirty="0" smtClean="0"/>
+              <a:t>32,52</a:t>
+            </a:r>
+            <a:endParaRPr lang="es-ES" dirty="0" smtClean="0"/>
           </a:p>
           <a:p>
             <a:pPr marL="0" indent="0" fontAlgn="t">
@@ -6741,11 +6751,19 @@
             </a:r>
             <a:r>
               <a:rPr lang="es-ES" b="1" dirty="0" smtClean="0"/>
-              <a:t> – </a:t>
-            </a:r>
-            <a:r>
-              <a:rPr lang="es-ES" b="1" smtClean="0"/>
-              <a:t>Deducciones= 2435 – 466,45 = 1968,55€</a:t>
+              <a:t> – Deducciones= 2435 – </a:t>
+            </a:r>
+            <a:r>
+              <a:rPr lang="es-ES" b="1" dirty="0" smtClean="0"/>
+              <a:t>469,8 </a:t>
+            </a:r>
+            <a:r>
+              <a:rPr lang="es-ES" b="1" dirty="0" smtClean="0"/>
+              <a:t>= </a:t>
+            </a:r>
+            <a:r>
+              <a:rPr lang="es-ES" b="1" dirty="0" smtClean="0"/>
+              <a:t>1965,2€</a:t>
             </a:r>
             <a:endParaRPr lang="es-ES" b="1" dirty="0"/>
           </a:p>
@@ -6753,11 +6771,11 @@
             <a:pPr marL="0" indent="0" fontAlgn="t">
               <a:buNone/>
             </a:pPr>
-            <a:endParaRPr lang="es-ES" dirty="0">
-              <a:solidFill>
-                <a:srgbClr val="92D050"/>
-              </a:solidFill>
-            </a:endParaRPr>
+            <a:r>
+              <a:rPr lang="es-ES" sz="5600" b="1" dirty="0" smtClean="0"/>
+              <a:t>Coste salarial= Salario Bruto (2435=TD) * (1,20) -20%SS- =2922€</a:t>
+            </a:r>
+            <a:endParaRPr lang="es-ES" sz="5600" b="1" dirty="0"/>
           </a:p>
           <a:p>
             <a:pPr marL="0" indent="0" fontAlgn="t">
@@ -6847,6 +6865,613 @@
 </file>
 
 <file path=ppt/slides/slide15.xml><?xml version="1.0" encoding="utf-8"?>
+<p:sld xmlns:a="http://schemas.openxmlformats.org/drawingml/2006/main" xmlns:r="http://schemas.openxmlformats.org/officeDocument/2006/relationships" xmlns:p="http://schemas.openxmlformats.org/presentationml/2006/main">
+  <p:cSld>
+    <p:spTree>
+      <p:nvGrpSpPr>
+        <p:cNvPr id="1" name=""/>
+        <p:cNvGrpSpPr/>
+        <p:nvPr/>
+      </p:nvGrpSpPr>
+      <p:grpSpPr>
+        <a:xfrm>
+          <a:off x="0" y="0"/>
+          <a:ext cx="0" cy="0"/>
+          <a:chOff x="0" y="0"/>
+          <a:chExt cx="0" cy="0"/>
+        </a:xfrm>
+      </p:grpSpPr>
+      <p:sp>
+        <p:nvSpPr>
+          <p:cNvPr id="3" name="Marcador de contenido 2"/>
+          <p:cNvSpPr>
+            <a:spLocks noGrp="1"/>
+          </p:cNvSpPr>
+          <p:nvPr>
+            <p:ph idx="1"/>
+          </p:nvPr>
+        </p:nvSpPr>
+        <p:spPr>
+          <a:xfrm>
+            <a:off x="838200" y="573578"/>
+            <a:ext cx="10515600" cy="5603385"/>
+          </a:xfrm>
+        </p:spPr>
+        <p:txBody>
+          <a:bodyPr>
+            <a:normAutofit fontScale="25000" lnSpcReduction="20000"/>
+          </a:bodyPr>
+          <a:lstStyle/>
+          <a:p>
+            <a:pPr marL="0" indent="0">
+              <a:buNone/>
+            </a:pPr>
+            <a:r>
+              <a:rPr lang="es-ES" dirty="0"/>
+              <a:t>Calcula el TD, la BCCC, BCCP, y la BIRF con los siguientes datos.</a:t>
+            </a:r>
+          </a:p>
+          <a:p>
+            <a:pPr fontAlgn="base"/>
+            <a:r>
+              <a:rPr lang="es-ES" dirty="0"/>
+              <a:t>Salario Base: </a:t>
+            </a:r>
+            <a:r>
+              <a:rPr lang="es-ES" u="sng" dirty="0"/>
+              <a:t>1.000</a:t>
+            </a:r>
+            <a:r>
+              <a:rPr lang="es-ES" dirty="0"/>
+              <a:t> €. </a:t>
+            </a:r>
+          </a:p>
+          <a:p>
+            <a:pPr fontAlgn="base"/>
+            <a:r>
+              <a:rPr lang="es-ES" dirty="0"/>
+              <a:t>Plus de actividad, </a:t>
+            </a:r>
+            <a:r>
+              <a:rPr lang="es-ES" u="sng" dirty="0"/>
+              <a:t>100</a:t>
+            </a:r>
+            <a:r>
+              <a:rPr lang="es-ES" dirty="0"/>
+              <a:t>€. </a:t>
+            </a:r>
+          </a:p>
+          <a:p>
+            <a:pPr fontAlgn="base"/>
+            <a:r>
+              <a:rPr lang="es-ES" dirty="0"/>
+              <a:t>Plus peligrosidad: </a:t>
+            </a:r>
+            <a:r>
+              <a:rPr lang="es-ES" u="sng" dirty="0"/>
+              <a:t>200</a:t>
+            </a:r>
+            <a:r>
+              <a:rPr lang="es-ES" dirty="0"/>
+              <a:t> €. </a:t>
+            </a:r>
+          </a:p>
+          <a:p>
+            <a:pPr fontAlgn="base"/>
+            <a:r>
+              <a:rPr lang="es-ES" dirty="0"/>
+              <a:t>Horas extras fuerza mayor: 150 €. </a:t>
+            </a:r>
+          </a:p>
+          <a:p>
+            <a:pPr fontAlgn="base"/>
+            <a:r>
+              <a:rPr lang="es-ES" dirty="0"/>
+              <a:t>Otras horas extra: 100 €. </a:t>
+            </a:r>
+          </a:p>
+          <a:p>
+            <a:pPr fontAlgn="base"/>
+            <a:r>
+              <a:rPr lang="es-ES" dirty="0"/>
+              <a:t>Antigüedad: </a:t>
+            </a:r>
+            <a:r>
+              <a:rPr lang="es-ES" u="sng" dirty="0"/>
+              <a:t>300</a:t>
+            </a:r>
+            <a:r>
+              <a:rPr lang="es-ES" dirty="0"/>
+              <a:t> €</a:t>
+            </a:r>
+          </a:p>
+          <a:p>
+            <a:pPr fontAlgn="base"/>
+            <a:r>
+              <a:rPr lang="es-ES" dirty="0">
+                <a:solidFill>
+                  <a:schemeClr val="bg2">
+                    <a:lumMod val="75000"/>
+                  </a:schemeClr>
+                </a:solidFill>
+                <a:effectLst>
+                  <a:outerShdw blurRad="38100" dist="38100" dir="2700000" algn="tl">
+                    <a:srgbClr val="000000">
+                      <a:alpha val="43137"/>
+                    </a:srgbClr>
+                  </a:outerShdw>
+                </a:effectLst>
+              </a:rPr>
+              <a:t>Gastos de locomoción en transporte privado</a:t>
+            </a:r>
+            <a:r>
+              <a:rPr lang="es-ES" dirty="0"/>
+              <a:t>: 0,30€/km, habiendo realizado 150 Km con el propio coche. </a:t>
+            </a:r>
+            <a:r>
+              <a:rPr lang="es-ES" dirty="0">
+                <a:solidFill>
+                  <a:schemeClr val="bg2">
+                    <a:lumMod val="75000"/>
+                  </a:schemeClr>
+                </a:solidFill>
+                <a:effectLst>
+                  <a:outerShdw blurRad="38100" dist="38100" dir="2700000" algn="tl">
+                    <a:srgbClr val="000000">
+                      <a:alpha val="43137"/>
+                    </a:srgbClr>
+                  </a:outerShdw>
+                </a:effectLst>
+              </a:rPr>
+              <a:t>6€</a:t>
+            </a:r>
+          </a:p>
+          <a:p>
+            <a:pPr fontAlgn="base"/>
+            <a:r>
+              <a:rPr lang="es-ES" dirty="0">
+                <a:solidFill>
+                  <a:schemeClr val="bg2">
+                    <a:lumMod val="75000"/>
+                  </a:schemeClr>
+                </a:solidFill>
+                <a:effectLst>
+                  <a:outerShdw blurRad="38100" dist="38100" dir="2700000" algn="tl">
+                    <a:srgbClr val="000000">
+                      <a:alpha val="43137"/>
+                    </a:srgbClr>
+                  </a:outerShdw>
+                </a:effectLst>
+              </a:rPr>
+              <a:t>Manutención por viaje al extranjero</a:t>
+            </a:r>
+            <a:r>
+              <a:rPr lang="es-ES" dirty="0"/>
+              <a:t>: 3 días, a razón de 100 € al día. </a:t>
+            </a:r>
+            <a:r>
+              <a:rPr lang="es-ES" dirty="0">
+                <a:solidFill>
+                  <a:schemeClr val="bg2">
+                    <a:lumMod val="75000"/>
+                  </a:schemeClr>
+                </a:solidFill>
+                <a:effectLst>
+                  <a:outerShdw blurRad="38100" dist="38100" dir="2700000" algn="tl">
+                    <a:srgbClr val="000000">
+                      <a:alpha val="43137"/>
+                    </a:srgbClr>
+                  </a:outerShdw>
+                </a:effectLst>
+              </a:rPr>
+              <a:t>300</a:t>
+            </a:r>
+          </a:p>
+          <a:p>
+            <a:pPr fontAlgn="base"/>
+            <a:r>
+              <a:rPr lang="es-ES" b="1" dirty="0"/>
+              <a:t>Estancia por viaje al extranjero</a:t>
+            </a:r>
+            <a:r>
+              <a:rPr lang="es-ES" dirty="0"/>
+              <a:t> (se entiende que realiza </a:t>
+            </a:r>
+            <a:r>
+              <a:rPr lang="es-ES" u="sng" dirty="0"/>
+              <a:t>pernocta</a:t>
+            </a:r>
+            <a:r>
+              <a:rPr lang="es-ES" dirty="0"/>
+              <a:t>): 3 días, a razón de 80 € al día. 240</a:t>
+            </a:r>
+          </a:p>
+          <a:p>
+            <a:pPr fontAlgn="base"/>
+            <a:r>
+              <a:rPr lang="es-ES" b="1" dirty="0"/>
+              <a:t>Pagas extra: </a:t>
+            </a:r>
+            <a:r>
+              <a:rPr lang="es-ES" dirty="0"/>
+              <a:t>2 al año equivalentes al salario base más la antigüedad. (1000+300)*2= 2600€</a:t>
+            </a:r>
+          </a:p>
+          <a:p>
+            <a:pPr marL="0" indent="0">
+              <a:buNone/>
+            </a:pPr>
+            <a:r>
+              <a:rPr lang="es-ES" dirty="0"/>
+              <a:t/>
+            </a:r>
+            <a:br>
+              <a:rPr lang="es-ES" dirty="0"/>
+            </a:br>
+            <a:r>
+              <a:rPr lang="es-ES" b="1" dirty="0">
+                <a:solidFill>
+                  <a:schemeClr val="accent1"/>
+                </a:solidFill>
+              </a:rPr>
+              <a:t>El TD= TOTAL DEVENGADO</a:t>
+            </a:r>
+            <a:r>
+              <a:rPr lang="es-ES" dirty="0">
+                <a:solidFill>
+                  <a:schemeClr val="accent1"/>
+                </a:solidFill>
+              </a:rPr>
+              <a:t>= </a:t>
+            </a:r>
+            <a:r>
+              <a:rPr lang="es-ES" dirty="0"/>
+              <a:t>Todo menos las pagas extraordinarias= 1000 + 100 + 200 + 150 + 100 + 300 + (150*0,30)+ (100*3)+ (3*80)=</a:t>
+            </a:r>
+            <a:r>
+              <a:rPr lang="es-ES" b="1" dirty="0"/>
+              <a:t> 2435€</a:t>
+            </a:r>
+            <a:endParaRPr lang="es-ES" dirty="0"/>
+          </a:p>
+          <a:p>
+            <a:pPr marL="0" indent="0">
+              <a:buNone/>
+            </a:pPr>
+            <a:r>
+              <a:rPr lang="es-ES" dirty="0"/>
+              <a:t/>
+            </a:r>
+            <a:br>
+              <a:rPr lang="es-ES" dirty="0"/>
+            </a:br>
+            <a:r>
+              <a:rPr lang="es-ES" b="1" dirty="0">
+                <a:solidFill>
+                  <a:schemeClr val="accent6"/>
+                </a:solidFill>
+              </a:rPr>
+              <a:t>La BCCC =Base de Cotización de Contingencias Comunes=</a:t>
+            </a:r>
+            <a:endParaRPr lang="es-ES" dirty="0">
+              <a:solidFill>
+                <a:schemeClr val="accent6"/>
+              </a:solidFill>
+            </a:endParaRPr>
+          </a:p>
+          <a:p>
+            <a:pPr fontAlgn="base"/>
+            <a:r>
+              <a:rPr lang="es-ES" b="1" u="sng" dirty="0"/>
+              <a:t>Percepciones salariales</a:t>
+            </a:r>
+            <a:r>
+              <a:rPr lang="es-ES" u="sng" dirty="0"/>
+              <a:t> </a:t>
+            </a:r>
+            <a:r>
+              <a:rPr lang="es-ES" dirty="0"/>
+              <a:t>menos las horas extras y menos las pagas extras: 1000+100+200+300= 1600€</a:t>
+            </a:r>
+            <a:endParaRPr lang="es-ES" b="1" dirty="0"/>
+          </a:p>
+          <a:p>
+            <a:pPr fontAlgn="base"/>
+            <a:r>
+              <a:rPr lang="es-ES" b="1" dirty="0">
+                <a:solidFill>
+                  <a:schemeClr val="bg2">
+                    <a:lumMod val="75000"/>
+                  </a:schemeClr>
+                </a:solidFill>
+                <a:effectLst>
+                  <a:outerShdw blurRad="38100" dist="38100" dir="2700000" algn="tl">
+                    <a:srgbClr val="000000">
+                      <a:alpha val="43137"/>
+                    </a:srgbClr>
+                  </a:outerShdw>
+                </a:effectLst>
+              </a:rPr>
+              <a:t>Percepciones no salariales</a:t>
+            </a:r>
+            <a:r>
+              <a:rPr lang="es-ES" b="1" dirty="0"/>
+              <a:t>: </a:t>
+            </a:r>
+            <a:r>
+              <a:rPr lang="es-ES" dirty="0"/>
+              <a:t>(0.04*150)+(8.65*3)=31,95€</a:t>
+            </a:r>
+            <a:endParaRPr lang="es-ES" b="1" dirty="0"/>
+          </a:p>
+          <a:p>
+            <a:pPr fontAlgn="base"/>
+            <a:r>
+              <a:rPr lang="es-ES" b="1" dirty="0"/>
+              <a:t>Pagas extras: </a:t>
+            </a:r>
+            <a:r>
+              <a:rPr lang="es-ES" dirty="0"/>
+              <a:t>2600€/12=216,67€</a:t>
+            </a:r>
+            <a:endParaRPr lang="es-ES" b="1" dirty="0"/>
+          </a:p>
+          <a:p>
+            <a:r>
+              <a:rPr lang="es-ES" b="1" dirty="0"/>
+              <a:t>Total= 1848,62€</a:t>
+            </a:r>
+            <a:endParaRPr lang="es-ES" dirty="0"/>
+          </a:p>
+          <a:p>
+            <a:pPr marL="0" indent="0">
+              <a:buNone/>
+            </a:pPr>
+            <a:r>
+              <a:rPr lang="es-ES" dirty="0"/>
+              <a:t/>
+            </a:r>
+            <a:br>
+              <a:rPr lang="es-ES" dirty="0"/>
+            </a:br>
+            <a:r>
+              <a:rPr lang="es-ES" b="1" dirty="0">
+                <a:solidFill>
+                  <a:schemeClr val="accent4"/>
+                </a:solidFill>
+              </a:rPr>
+              <a:t>BCCP=</a:t>
+            </a:r>
+            <a:r>
+              <a:rPr lang="es-ES" dirty="0">
+                <a:solidFill>
+                  <a:schemeClr val="accent4"/>
+                </a:solidFill>
+              </a:rPr>
+              <a:t> BASES DE COTIZACIÓN CONTINGENCIAS PROFESIONALES = </a:t>
+            </a:r>
+            <a:r>
+              <a:rPr lang="es-ES" dirty="0"/>
+              <a:t>BCCC + Horas Extras= 1848,62 + 150+100 =</a:t>
+            </a:r>
+            <a:r>
+              <a:rPr lang="es-ES" b="1" dirty="0"/>
+              <a:t>2098,62€</a:t>
+            </a:r>
+            <a:endParaRPr lang="es-ES" dirty="0"/>
+          </a:p>
+          <a:p>
+            <a:pPr marL="0" indent="0">
+              <a:buNone/>
+            </a:pPr>
+            <a:r>
+              <a:rPr lang="es-ES" dirty="0"/>
+              <a:t/>
+            </a:r>
+            <a:br>
+              <a:rPr lang="es-ES" dirty="0"/>
+            </a:br>
+            <a:r>
+              <a:rPr lang="es-ES" b="1" dirty="0">
+                <a:solidFill>
+                  <a:srgbClr val="7030A0"/>
+                </a:solidFill>
+              </a:rPr>
+              <a:t>BIRF=</a:t>
+            </a:r>
+            <a:r>
+              <a:rPr lang="es-ES" dirty="0">
+                <a:solidFill>
+                  <a:srgbClr val="7030A0"/>
+                </a:solidFill>
+              </a:rPr>
+              <a:t>BASE SUJETA A RETENCIÓN IRPF</a:t>
+            </a:r>
+            <a:r>
+              <a:rPr lang="es-ES" dirty="0"/>
+              <a:t>=</a:t>
+            </a:r>
+            <a:r>
+              <a:rPr lang="es-ES" b="1" dirty="0"/>
+              <a:t> </a:t>
+            </a:r>
+            <a:r>
+              <a:rPr lang="es-ES" dirty="0"/>
+              <a:t>BCCP - PPE= 2098,62 - 216,67= </a:t>
+            </a:r>
+            <a:r>
+              <a:rPr lang="es-ES" b="1" dirty="0"/>
+              <a:t>1881,95€ </a:t>
+            </a:r>
+          </a:p>
+          <a:p>
+            <a:pPr marL="0" indent="0">
+              <a:buNone/>
+            </a:pPr>
+            <a:r>
+              <a:rPr lang="es-ES" b="1" dirty="0"/>
+              <a:t>DEDUCCIONES: 469,8€</a:t>
+            </a:r>
+          </a:p>
+          <a:p>
+            <a:pPr marL="0" indent="0">
+              <a:buNone/>
+            </a:pPr>
+            <a:r>
+              <a:rPr lang="es-ES" dirty="0">
+                <a:solidFill>
+                  <a:srgbClr val="C00000"/>
+                </a:solidFill>
+              </a:rPr>
+              <a:t>CONTINGENCIAS COMUNES: </a:t>
+            </a:r>
+            <a:r>
+              <a:rPr lang="es-ES" b="1" dirty="0"/>
+              <a:t>BCCC*</a:t>
+            </a:r>
+            <a:r>
+              <a:rPr lang="es-ES" dirty="0"/>
+              <a:t>4,8 %=1848,62*0,048=88,73</a:t>
+            </a:r>
+          </a:p>
+          <a:p>
+            <a:pPr marL="0" indent="0">
+              <a:buNone/>
+            </a:pPr>
+            <a:r>
+              <a:rPr lang="es-ES" dirty="0">
+                <a:solidFill>
+                  <a:srgbClr val="C00000"/>
+                </a:solidFill>
+              </a:rPr>
+              <a:t>DESEMPLEO: </a:t>
+            </a:r>
+            <a:r>
+              <a:rPr lang="es-ES" b="1" dirty="0"/>
+              <a:t>BCCP* </a:t>
+            </a:r>
+            <a:r>
+              <a:rPr lang="es-ES" dirty="0"/>
+              <a:t>1,55%= 32,52</a:t>
+            </a:r>
+          </a:p>
+          <a:p>
+            <a:pPr marL="0" indent="0" fontAlgn="t">
+              <a:buNone/>
+            </a:pPr>
+            <a:r>
+              <a:rPr lang="es-ES" dirty="0">
+                <a:solidFill>
+                  <a:srgbClr val="C00000"/>
+                </a:solidFill>
+              </a:rPr>
+              <a:t>FP: </a:t>
+            </a:r>
+            <a:r>
+              <a:rPr lang="es-ES" b="1" dirty="0"/>
+              <a:t>BCCP</a:t>
+            </a:r>
+            <a:r>
+              <a:rPr lang="es-ES" dirty="0"/>
+              <a:t>* </a:t>
+            </a:r>
+            <a:r>
+              <a:rPr lang="es-ES" b="1" dirty="0"/>
+              <a:t>0,1 %= 2,10</a:t>
+            </a:r>
+          </a:p>
+          <a:p>
+            <a:pPr marL="0" indent="0" fontAlgn="t">
+              <a:buNone/>
+            </a:pPr>
+            <a:r>
+              <a:rPr lang="es-ES" dirty="0">
+                <a:solidFill>
+                  <a:srgbClr val="C00000"/>
+                </a:solidFill>
+              </a:rPr>
+              <a:t>HORAS EXTRAS FUERZA MAYOR= 150*2%= 3</a:t>
+            </a:r>
+          </a:p>
+          <a:p>
+            <a:pPr marL="0" indent="0" fontAlgn="t">
+              <a:buNone/>
+            </a:pPr>
+            <a:r>
+              <a:rPr lang="es-ES" dirty="0">
+                <a:solidFill>
+                  <a:srgbClr val="C00000"/>
+                </a:solidFill>
+              </a:rPr>
+              <a:t>HORAS EXTRA VOLUNTARIAS= 100*4,7%=4,7</a:t>
+            </a:r>
+          </a:p>
+          <a:p>
+            <a:pPr marL="0" indent="0" fontAlgn="t">
+              <a:buNone/>
+            </a:pPr>
+            <a:r>
+              <a:rPr lang="es-ES" dirty="0">
+                <a:solidFill>
+                  <a:srgbClr val="92D050"/>
+                </a:solidFill>
+              </a:rPr>
+              <a:t>IRPF: BIRF+18% </a:t>
+            </a:r>
+            <a:r>
+              <a:rPr lang="es-ES" b="1" dirty="0"/>
+              <a:t>1881,95€ *0,18=338,75</a:t>
+            </a:r>
+          </a:p>
+          <a:p>
+            <a:pPr marL="0" indent="0" fontAlgn="t">
+              <a:buNone/>
+            </a:pPr>
+            <a:endParaRPr lang="es-ES" b="1" dirty="0"/>
+          </a:p>
+          <a:p>
+            <a:pPr marL="0" indent="0" fontAlgn="t">
+              <a:buNone/>
+            </a:pPr>
+            <a:r>
+              <a:rPr lang="es-ES" b="1" dirty="0"/>
+              <a:t>SALARIO LÍQUIDO: </a:t>
+            </a:r>
+            <a:r>
+              <a:rPr lang="es-ES" b="1" dirty="0" err="1"/>
+              <a:t>td</a:t>
+            </a:r>
+            <a:r>
+              <a:rPr lang="es-ES" b="1" dirty="0"/>
+              <a:t> – Deducciones= 2435 – 469,8 = 1965,2€</a:t>
+            </a:r>
+          </a:p>
+          <a:p>
+            <a:pPr marL="0" indent="0" fontAlgn="t">
+              <a:buNone/>
+            </a:pPr>
+            <a:r>
+              <a:rPr lang="es-ES" sz="5600" b="1" dirty="0"/>
+              <a:t>Coste salarial= Salario Bruto (2435=TD) * (1,20) -20%SS- =2922€</a:t>
+            </a:r>
+            <a:endParaRPr lang="es-ES" sz="5600" b="1" dirty="0"/>
+          </a:p>
+        </p:txBody>
+      </p:sp>
+    </p:spTree>
+    <p:extLst>
+      <p:ext uri="{BB962C8B-B14F-4D97-AF65-F5344CB8AC3E}">
+        <p14:creationId xmlns:p14="http://schemas.microsoft.com/office/powerpoint/2010/main" val="1435417679"/>
+      </p:ext>
+    </p:extLst>
+  </p:cSld>
+  <p:clrMapOvr>
+    <a:masterClrMapping/>
+  </p:clrMapOvr>
+</p:sld>
+</file>
+
+<file path=ppt/slides/slide16.xml><?xml version="1.0" encoding="utf-8"?>
 <p:sld xmlns:a="http://schemas.openxmlformats.org/drawingml/2006/main" xmlns:r="http://schemas.openxmlformats.org/officeDocument/2006/relationships" xmlns:p="http://schemas.openxmlformats.org/presentationml/2006/main">
   <p:cSld>
     <p:bg>
@@ -6879,7 +7504,7 @@
                 <a16:creationId xmlns:a16="http://schemas.microsoft.com/office/drawing/2014/main" id="{823AC064-BC96-4F32-8AE1-B2FD38754823}"/>
               </a:ext>
               <a:ext uri="{C183D7F6-B498-43B3-948B-1728B52AA6E4}">
-                <adec:decorative xmlns:adec="http://schemas.microsoft.com/office/drawing/2017/decorative" xmlns="" val="1"/>
+                <adec:decorative xmlns="" xmlns:adec="http://schemas.microsoft.com/office/drawing/2017/decorative" val="1"/>
               </a:ext>
             </a:extLst>
           </p:cNvPr>
@@ -6984,7 +7609,7 @@
                 <a16:creationId xmlns:a16="http://schemas.microsoft.com/office/drawing/2014/main" id="{7E7C77BC-7138-40B1-A15B-20F57A494629}"/>
               </a:ext>
               <a:ext uri="{C183D7F6-B498-43B3-948B-1728B52AA6E4}">
-                <adec:decorative xmlns:adec="http://schemas.microsoft.com/office/drawing/2017/decorative" xmlns="" val="1"/>
+                <adec:decorative xmlns="" xmlns:adec="http://schemas.microsoft.com/office/drawing/2017/decorative" val="1"/>
               </a:ext>
             </a:extLst>
           </p:cNvPr>
@@ -7066,7 +7691,7 @@
                 <a16:creationId xmlns:a16="http://schemas.microsoft.com/office/drawing/2014/main" id="{DB146403-F3D6-484B-B2ED-97F9565D0370}"/>
               </a:ext>
               <a:ext uri="{C183D7F6-B498-43B3-948B-1728B52AA6E4}">
-                <adec:decorative xmlns:adec="http://schemas.microsoft.com/office/drawing/2017/decorative" xmlns="" val="1"/>
+                <adec:decorative xmlns="" xmlns:adec="http://schemas.microsoft.com/office/drawing/2017/decorative" val="1"/>
               </a:ext>
             </a:extLst>
           </p:cNvPr>
@@ -7155,190 +7780,6 @@
 </p:sld>
 </file>
 
-<file path=ppt/slides/slide16.xml><?xml version="1.0" encoding="utf-8"?>
-<p:sld xmlns:a="http://schemas.openxmlformats.org/drawingml/2006/main" xmlns:r="http://schemas.openxmlformats.org/officeDocument/2006/relationships" xmlns:p="http://schemas.openxmlformats.org/presentationml/2006/main">
-  <p:cSld>
-    <p:spTree>
-      <p:nvGrpSpPr>
-        <p:cNvPr id="1" name=""/>
-        <p:cNvGrpSpPr/>
-        <p:nvPr/>
-      </p:nvGrpSpPr>
-      <p:grpSpPr>
-        <a:xfrm>
-          <a:off x="0" y="0"/>
-          <a:ext cx="0" cy="0"/>
-          <a:chOff x="0" y="0"/>
-          <a:chExt cx="0" cy="0"/>
-        </a:xfrm>
-      </p:grpSpPr>
-      <p:sp>
-        <p:nvSpPr>
-          <p:cNvPr id="2" name="Título 1"/>
-          <p:cNvSpPr>
-            <a:spLocks noGrp="1"/>
-          </p:cNvSpPr>
-          <p:nvPr>
-            <p:ph type="title"/>
-          </p:nvPr>
-        </p:nvSpPr>
-        <p:spPr>
-          <a:xfrm>
-            <a:off x="0" y="1"/>
-            <a:ext cx="12192000" cy="981986"/>
-          </a:xfrm>
-          <a:solidFill>
-            <a:schemeClr val="accent3">
-              <a:lumMod val="60000"/>
-              <a:lumOff val="40000"/>
-            </a:schemeClr>
-          </a:solidFill>
-        </p:spPr>
-        <p:txBody>
-          <a:bodyPr>
-            <a:normAutofit/>
-          </a:bodyPr>
-          <a:lstStyle/>
-          <a:p>
-            <a:pPr algn="ctr"/>
-            <a:r>
-              <a:rPr lang="es-ES" b="1" dirty="0"/>
-              <a:t>ACTIVIDADES</a:t>
-            </a:r>
-          </a:p>
-        </p:txBody>
-      </p:sp>
-      <p:sp>
-        <p:nvSpPr>
-          <p:cNvPr id="3" name="Marcador de contenido 2"/>
-          <p:cNvSpPr>
-            <a:spLocks noGrp="1"/>
-          </p:cNvSpPr>
-          <p:nvPr>
-            <p:ph idx="1"/>
-          </p:nvPr>
-        </p:nvSpPr>
-        <p:spPr>
-          <a:xfrm>
-            <a:off x="0" y="981986"/>
-            <a:ext cx="12192000" cy="5876013"/>
-          </a:xfrm>
-          <a:solidFill>
-            <a:schemeClr val="bg1"/>
-          </a:solidFill>
-        </p:spPr>
-        <p:txBody>
-          <a:bodyPr>
-            <a:normAutofit/>
-          </a:bodyPr>
-          <a:lstStyle/>
-          <a:p>
-            <a:pPr marL="0" indent="0">
-              <a:lnSpc>
-                <a:spcPct val="130000"/>
-              </a:lnSpc>
-              <a:buNone/>
-            </a:pPr>
-            <a:r>
-              <a:rPr lang="es-ES" sz="1800" b="1" dirty="0"/>
-              <a:t>1.-</a:t>
-            </a:r>
-            <a:r>
-              <a:rPr lang="es-ES" sz="1800" dirty="0"/>
-              <a:t>Una empresa ha enviado a un trabajador a Ámsterdam, durante cinco días, para captar nuevos clientes: Este trabajador recibió 150 euros diarios para pagar los </a:t>
-            </a:r>
-            <a:r>
-              <a:rPr lang="es-ES" sz="1800" b="1" u="sng" dirty="0"/>
-              <a:t>gastos de manutención</a:t>
-            </a:r>
-            <a:r>
-              <a:rPr lang="es-ES" sz="1800" dirty="0"/>
-              <a:t>. El propio trabajador pagó los </a:t>
-            </a:r>
-            <a:r>
-              <a:rPr lang="es-ES" sz="1800" b="1" u="sng" dirty="0"/>
-              <a:t>gastos de alojamiento</a:t>
-            </a:r>
-            <a:r>
-              <a:rPr lang="es-ES" sz="1800" dirty="0"/>
-              <a:t>, que ascendieron a 900 € y, posteriormente, la factura le fue abonada por la empresa. Además percibió 0,25 € por kilómetro en concepto de </a:t>
-            </a:r>
-            <a:r>
-              <a:rPr lang="es-ES" sz="1800" b="1" u="sng" dirty="0"/>
-              <a:t>gastos de locomoción</a:t>
-            </a:r>
-            <a:r>
-              <a:rPr lang="es-ES" sz="1800" dirty="0"/>
-              <a:t>, habiendo realizado 100 kilómetros. Realizó </a:t>
-            </a:r>
-            <a:r>
-              <a:rPr lang="es-ES" sz="1800" b="1" u="sng" dirty="0"/>
-              <a:t>horas extras </a:t>
-            </a:r>
-            <a:r>
-              <a:rPr lang="es-ES" sz="1800" dirty="0"/>
-              <a:t>por importe de 100 €. El salario base es igual a 1.000 € y percibe tres pagas extras iguales a salario base</a:t>
-            </a:r>
-          </a:p>
-          <a:p>
-            <a:pPr marL="0" indent="0">
-              <a:lnSpc>
-                <a:spcPct val="130000"/>
-              </a:lnSpc>
-              <a:buNone/>
-            </a:pPr>
-            <a:r>
-              <a:rPr lang="es-ES" sz="1800" dirty="0"/>
-              <a:t>Calcula: Total devengado, BCCC y BCCP.</a:t>
-            </a:r>
-          </a:p>
-          <a:p>
-            <a:pPr marL="0" indent="0">
-              <a:lnSpc>
-                <a:spcPct val="130000"/>
-              </a:lnSpc>
-              <a:buNone/>
-            </a:pPr>
-            <a:r>
-              <a:rPr lang="es-ES" sz="1800" b="1" dirty="0"/>
-              <a:t>2.-</a:t>
-            </a:r>
-            <a:r>
-              <a:rPr lang="es-ES" sz="1800" dirty="0"/>
-              <a:t>Calcula las bases de cotización (BCCC Y BCCP) correspondientes a un trabajador que recibe las siguientes retribuciones: Salario base: 1300 €. Incentivos: 100 €.Plus de transporte: 130 €. Quebranto de moneda: 300 €. El trabajador percibe dos pagas extraordinarias de un importe igual al salario base. </a:t>
-            </a:r>
-          </a:p>
-          <a:p>
-            <a:pPr marL="0" indent="0">
-              <a:lnSpc>
-                <a:spcPct val="130000"/>
-              </a:lnSpc>
-              <a:buNone/>
-            </a:pPr>
-            <a:r>
-              <a:rPr lang="es-ES" sz="1800" b="1" dirty="0"/>
-              <a:t>3.-</a:t>
-            </a:r>
-            <a:r>
-              <a:rPr lang="es-ES" sz="1800" dirty="0"/>
-              <a:t>Calcula las bases de cotización correspondientes a un trabajador que en el presente mes ha recibido las siguientes retribuciones: Salario base: 1.500 €. Antigüedad: 7% del salario base por trienio. Plus de actividad: 150 €. Gastos de locomoción justificados: 250 €. Plus quebranto de moneda : 300 €. Horas extras fuerza mayor : 550 €.  Otras horas extraordinarias: 230 €.  Plus de transporte: 150 €. Tiene una antigüedad en la empresa de diez años. Percibe anualmente dos pagas extraordinarias y el importe de cada una es igual al salario base más la antigüedad. Además, percibe una paga extra de vacaciones de 500 €.</a:t>
-            </a:r>
-          </a:p>
-        </p:txBody>
-      </p:sp>
-    </p:spTree>
-    <p:extLst>
-      <p:ext uri="{BB962C8B-B14F-4D97-AF65-F5344CB8AC3E}">
-        <p14:creationId xmlns:p14="http://schemas.microsoft.com/office/powerpoint/2010/main" val="790468829"/>
-      </p:ext>
-    </p:extLst>
-  </p:cSld>
-  <p:clrMapOvr>
-    <a:masterClrMapping/>
-  </p:clrMapOvr>
-</p:sld>
-</file>
-
 <file path=ppt/slides/slide17.xml><?xml version="1.0" encoding="utf-8"?>
 <p:sld xmlns:a="http://schemas.openxmlformats.org/drawingml/2006/main" xmlns:r="http://schemas.openxmlformats.org/officeDocument/2006/relationships" xmlns:p="http://schemas.openxmlformats.org/presentationml/2006/main">
   <p:cSld>
@@ -7386,7 +7827,7 @@
           <a:p>
             <a:pPr algn="ctr"/>
             <a:r>
-              <a:rPr lang="es-ES" dirty="0"/>
+              <a:rPr lang="es-ES" b="1" dirty="0"/>
               <a:t>ACTIVIDADES</a:t>
             </a:r>
           </a:p>
@@ -7425,7 +7866,43 @@
             </a:pPr>
             <a:r>
               <a:rPr lang="es-ES" sz="1800" b="1" dirty="0"/>
-              <a:t>4.- Confecciona la nómina de un trabajador con una antigüedad de 11 años, contrato indefinido a tiempo completo. Según el Convenio Colectivo, el trabajador percibe las siguientes retribuciones:</a:t>
+              <a:t>1.-</a:t>
+            </a:r>
+            <a:r>
+              <a:rPr lang="es-ES" sz="1800" dirty="0"/>
+              <a:t>Una empresa ha enviado a un trabajador a Ámsterdam, durante cinco días, para captar nuevos clientes: Este trabajador recibió 150 euros diarios para pagar los </a:t>
+            </a:r>
+            <a:r>
+              <a:rPr lang="es-ES" sz="1800" b="1" u="sng" dirty="0"/>
+              <a:t>gastos de manutención</a:t>
+            </a:r>
+            <a:r>
+              <a:rPr lang="es-ES" sz="1800" dirty="0"/>
+              <a:t>. El propio trabajador pagó los </a:t>
+            </a:r>
+            <a:r>
+              <a:rPr lang="es-ES" sz="1800" b="1" u="sng" dirty="0"/>
+              <a:t>gastos de alojamiento</a:t>
+            </a:r>
+            <a:r>
+              <a:rPr lang="es-ES" sz="1800" dirty="0"/>
+              <a:t>, que ascendieron a 900 € y, posteriormente, la factura le fue abonada por la empresa. Además percibió 0,25 € por kilómetro en concepto de </a:t>
+            </a:r>
+            <a:r>
+              <a:rPr lang="es-ES" sz="1800" b="1" u="sng" dirty="0"/>
+              <a:t>gastos de locomoción</a:t>
+            </a:r>
+            <a:r>
+              <a:rPr lang="es-ES" sz="1800" dirty="0"/>
+              <a:t>, habiendo realizado 100 kilómetros. Realizó </a:t>
+            </a:r>
+            <a:r>
+              <a:rPr lang="es-ES" sz="1800" b="1" u="sng" dirty="0"/>
+              <a:t>horas extras </a:t>
+            </a:r>
+            <a:r>
+              <a:rPr lang="es-ES" sz="1800" dirty="0"/>
+              <a:t>por importe de 100 €. El salario base es igual a 1.000 € y percibe tres pagas extras iguales a salario base</a:t>
             </a:r>
           </a:p>
           <a:p>
@@ -7436,8 +7913,8 @@
               <a:buNone/>
             </a:pPr>
             <a:r>
-              <a:rPr lang="es-ES" sz="1800" b="1" dirty="0"/>
-              <a:t>Salario Base: 1.100 €. Incentivos, 120€. Plus nocturnidad: 150 €. Horas extras fuerza mayor: 250 €. Otras horas extra: 125 €.</a:t>
+              <a:rPr lang="es-ES" sz="1800" dirty="0"/>
+              <a:t>Calcula: Total devengado, BCCC y BCCP.</a:t>
             </a:r>
           </a:p>
           <a:p>
@@ -7449,7 +7926,11 @@
             </a:pPr>
             <a:r>
               <a:rPr lang="es-ES" sz="1800" b="1" dirty="0"/>
-              <a:t>Antigüedad: 5% del salario base por trienio. Locomoción: 0,22€/km, habiendo realizado 700 Km con el propio coche. Pagas extra: 3 al año equivalentes al salario base más la antigüedad.</a:t>
+              <a:t>2.-</a:t>
+            </a:r>
+            <a:r>
+              <a:rPr lang="es-ES" sz="1800" dirty="0"/>
+              <a:t>Calcula las bases de cotización (BCCC Y BCCP) correspondientes a un trabajador que recibe las siguientes retribuciones: Salario base: 1300 €. Incentivos: 100 €.Plus de transporte: 130 €. Quebranto de moneda: 300 €. El trabajador percibe dos pagas extraordinarias de un importe igual al salario base. </a:t>
             </a:r>
           </a:p>
           <a:p>
@@ -7459,34 +7940,21 @@
               </a:lnSpc>
               <a:buNone/>
             </a:pPr>
-            <a:endParaRPr lang="es-ES" sz="1800" b="1" dirty="0"/>
-          </a:p>
-          <a:p>
-            <a:pPr marL="0" indent="0">
-              <a:lnSpc>
-                <a:spcPct val="130000"/>
-              </a:lnSpc>
-              <a:buNone/>
-            </a:pPr>
             <a:r>
               <a:rPr lang="es-ES" sz="1800" b="1" dirty="0"/>
-              <a:t>El tipo de retención de IRPF es del 14 %. </a:t>
-            </a:r>
-          </a:p>
-          <a:p>
-            <a:pPr>
-              <a:lnSpc>
-                <a:spcPct val="130000"/>
-              </a:lnSpc>
-            </a:pPr>
-            <a:endParaRPr lang="es-ES" sz="1800" b="1" dirty="0"/>
+              <a:t>3.-</a:t>
+            </a:r>
+            <a:r>
+              <a:rPr lang="es-ES" sz="1800" dirty="0"/>
+              <a:t>Calcula las bases de cotización correspondientes a un trabajador que en el presente mes ha recibido las siguientes retribuciones: Salario base: 1.500 €. Antigüedad: 7% del salario base por trienio. Plus de actividad: 150 €. Gastos de locomoción justificados: 250 €. Plus quebranto de moneda : 300 €. Horas extras fuerza mayor : 550 €.  Otras horas extraordinarias: 230 €.  Plus de transporte: 150 €. Tiene una antigüedad en la empresa de diez años. Percibe anualmente dos pagas extraordinarias y el importe de cada una es igual al salario base más la antigüedad. Además, percibe una paga extra de vacaciones de 500 €.</a:t>
+            </a:r>
           </a:p>
         </p:txBody>
       </p:sp>
     </p:spTree>
     <p:extLst>
       <p:ext uri="{BB962C8B-B14F-4D97-AF65-F5344CB8AC3E}">
-        <p14:creationId xmlns:p14="http://schemas.microsoft.com/office/powerpoint/2010/main" val="1498121082"/>
+        <p14:creationId xmlns:p14="http://schemas.microsoft.com/office/powerpoint/2010/main" val="790468829"/>
       </p:ext>
     </p:extLst>
   </p:cSld>
@@ -7561,7 +8029,7 @@
         </p:nvSpPr>
         <p:spPr>
           <a:xfrm>
-            <a:off x="0" y="1008491"/>
+            <a:off x="0" y="981986"/>
             <a:ext cx="12192000" cy="5876013"/>
           </a:xfrm>
           <a:solidFill>
@@ -7582,7 +8050,7 @@
             </a:pPr>
             <a:r>
               <a:rPr lang="es-ES" sz="1800" b="1" dirty="0"/>
-              <a:t>5.- La trabajadora Patricia Ramírez percibe durante el mes de mayo, según Convenio Colectivo, las siguientes percepciones:</a:t>
+              <a:t>4.- Confecciona la nómina de un trabajador con una antigüedad de 11 años, contrato indefinido a tiempo completo. Según el Convenio Colectivo, el trabajador percibe las siguientes retribuciones:</a:t>
             </a:r>
           </a:p>
           <a:p>
@@ -7594,7 +8062,7 @@
             </a:pPr>
             <a:r>
               <a:rPr lang="es-ES" sz="1800" b="1" dirty="0"/>
-              <a:t>Salario base: 2.200 €; Plus de transporte: 155 €. Plus de dedicación: 200 €. Complemento de disponibilidad: 290 €. Horas extras fuerza mayor: 450 €. Horas extras voluntarias: 140 €. Ha percibido dietas por importe de 500 €, cantidad exenta de Seguridad Social. Anualmente percibe dos pagas extras – a cobrar en junio y en diciembre- por importe igual al salario base. También recibe una paga de beneficios de 500 € a cobrar en febrero. El tipo de retención de IRPF es del 18 %</a:t>
+              <a:t>Salario Base: 1.100 €. Incentivos, 120€. Plus nocturnidad: 150 €. Horas extras fuerza mayor: 250 €. Otras horas extra: 125 €.</a:t>
             </a:r>
           </a:p>
           <a:p>
@@ -7604,7 +8072,10 @@
               </a:lnSpc>
               <a:buNone/>
             </a:pPr>
-            <a:endParaRPr lang="es-ES" sz="1800" b="1" dirty="0"/>
+            <a:r>
+              <a:rPr lang="es-ES" sz="1800" b="1" dirty="0"/>
+              <a:t>Antigüedad: 5% del salario base por trienio. Locomoción: 0,22€/km, habiendo realizado 700 Km con el propio coche. Pagas extra: 3 al año equivalentes al salario base más la antigüedad.</a:t>
+            </a:r>
           </a:p>
           <a:p>
             <a:pPr marL="0" indent="0">
@@ -7613,9 +8084,18 @@
               </a:lnSpc>
               <a:buNone/>
             </a:pPr>
+            <a:endParaRPr lang="es-ES" sz="1800" b="1" dirty="0"/>
+          </a:p>
+          <a:p>
+            <a:pPr marL="0" indent="0">
+              <a:lnSpc>
+                <a:spcPct val="130000"/>
+              </a:lnSpc>
+              <a:buNone/>
+            </a:pPr>
             <a:r>
               <a:rPr lang="es-ES" sz="1800" b="1" dirty="0"/>
-              <a:t>Elabora la nómina.</a:t>
+              <a:t>El tipo de retención de IRPF es del 14 %. </a:t>
             </a:r>
           </a:p>
           <a:p>
@@ -7631,7 +8111,7 @@
     </p:spTree>
     <p:extLst>
       <p:ext uri="{BB962C8B-B14F-4D97-AF65-F5344CB8AC3E}">
-        <p14:creationId xmlns:p14="http://schemas.microsoft.com/office/powerpoint/2010/main" val="238721856"/>
+        <p14:creationId xmlns:p14="http://schemas.microsoft.com/office/powerpoint/2010/main" val="1498121082"/>
       </p:ext>
     </p:extLst>
   </p:cSld>
@@ -7706,7 +8186,7 @@
         </p:nvSpPr>
         <p:spPr>
           <a:xfrm>
-            <a:off x="0" y="981986"/>
+            <a:off x="0" y="1008491"/>
             <a:ext cx="12192000" cy="5876013"/>
           </a:xfrm>
           <a:solidFill>
@@ -7727,15 +8207,7 @@
             </a:pPr>
             <a:r>
               <a:rPr lang="es-ES" sz="1800" b="1" dirty="0"/>
-              <a:t>6.- Durante el mes de noviembre, Antonio Serrano percibe, en concepto de salario:   Salario base: 1800 €. Antigüedad: 2 % del sueldo base por trienio; lleva 18 años en la empresa.  Plus de </a:t>
-            </a:r>
-            <a:r>
-              <a:rPr lang="es-ES" sz="1800" b="1" dirty="0" err="1"/>
-              <a:t>penosidad</a:t>
-            </a:r>
-            <a:r>
-              <a:rPr lang="es-ES" sz="1800" b="1" dirty="0"/>
-              <a:t>: 240 €.  Horas extraordinarias: 300 €.  Horas extras fuerza mayor: 250 €.  Dietas (dentro de los límites): 400 €. Anualmente percibe dos pagas extraordinarias por un importe igual al salario base más la antigüedad. Retención a cuenta del IRPF del 15%. </a:t>
+              <a:t>5.- La trabajadora Patricia Ramírez percibe durante el mes de mayo, según Convenio Colectivo, las siguientes percepciones:</a:t>
             </a:r>
           </a:p>
           <a:p>
@@ -7747,7 +8219,28 @@
             </a:pPr>
             <a:r>
               <a:rPr lang="es-ES" sz="1800" b="1" dirty="0"/>
-              <a:t>Elabora la nómina</a:t>
+              <a:t>Salario base: 2.200 €; Plus de transporte: 155 €. Plus de dedicación: 200 €. Complemento de disponibilidad: 290 €. Horas extras fuerza mayor: 450 €. Horas extras voluntarias: 140 €. Ha percibido dietas por importe de 500 €, cantidad exenta de Seguridad Social. Anualmente percibe dos pagas extras – a cobrar en junio y en diciembre- por importe igual al salario base. También recibe una paga de beneficios de 500 € a cobrar en febrero. El tipo de retención de IRPF es del 18 %</a:t>
+            </a:r>
+          </a:p>
+          <a:p>
+            <a:pPr marL="0" indent="0">
+              <a:lnSpc>
+                <a:spcPct val="130000"/>
+              </a:lnSpc>
+              <a:buNone/>
+            </a:pPr>
+            <a:endParaRPr lang="es-ES" sz="1800" b="1" dirty="0"/>
+          </a:p>
+          <a:p>
+            <a:pPr marL="0" indent="0">
+              <a:lnSpc>
+                <a:spcPct val="130000"/>
+              </a:lnSpc>
+              <a:buNone/>
+            </a:pPr>
+            <a:r>
+              <a:rPr lang="es-ES" sz="1800" b="1" dirty="0"/>
+              <a:t>Elabora la nómina.</a:t>
             </a:r>
           </a:p>
           <a:p>
@@ -7763,7 +8256,7 @@
     </p:spTree>
     <p:extLst>
       <p:ext uri="{BB962C8B-B14F-4D97-AF65-F5344CB8AC3E}">
-        <p14:creationId xmlns:p14="http://schemas.microsoft.com/office/powerpoint/2010/main" val="1720667812"/>
+        <p14:creationId xmlns:p14="http://schemas.microsoft.com/office/powerpoint/2010/main" val="238721856"/>
       </p:ext>
     </p:extLst>
   </p:cSld>
@@ -8153,6 +8646,138 @@
         </p:nvSpPr>
         <p:spPr>
           <a:xfrm>
+            <a:off x="0" y="1"/>
+            <a:ext cx="12192000" cy="981986"/>
+          </a:xfrm>
+          <a:solidFill>
+            <a:schemeClr val="accent3">
+              <a:lumMod val="60000"/>
+              <a:lumOff val="40000"/>
+            </a:schemeClr>
+          </a:solidFill>
+        </p:spPr>
+        <p:txBody>
+          <a:bodyPr>
+            <a:normAutofit/>
+          </a:bodyPr>
+          <a:lstStyle/>
+          <a:p>
+            <a:pPr algn="ctr"/>
+            <a:r>
+              <a:rPr lang="es-ES" dirty="0"/>
+              <a:t>ACTIVIDADES</a:t>
+            </a:r>
+          </a:p>
+        </p:txBody>
+      </p:sp>
+      <p:sp>
+        <p:nvSpPr>
+          <p:cNvPr id="3" name="Marcador de contenido 2"/>
+          <p:cNvSpPr>
+            <a:spLocks noGrp="1"/>
+          </p:cNvSpPr>
+          <p:nvPr>
+            <p:ph idx="1"/>
+          </p:nvPr>
+        </p:nvSpPr>
+        <p:spPr>
+          <a:xfrm>
+            <a:off x="0" y="981986"/>
+            <a:ext cx="12192000" cy="5876013"/>
+          </a:xfrm>
+          <a:solidFill>
+            <a:schemeClr val="bg1"/>
+          </a:solidFill>
+        </p:spPr>
+        <p:txBody>
+          <a:bodyPr>
+            <a:normAutofit/>
+          </a:bodyPr>
+          <a:lstStyle/>
+          <a:p>
+            <a:pPr marL="0" indent="0">
+              <a:lnSpc>
+                <a:spcPct val="130000"/>
+              </a:lnSpc>
+              <a:buNone/>
+            </a:pPr>
+            <a:r>
+              <a:rPr lang="es-ES" sz="1800" b="1" dirty="0"/>
+              <a:t>6.- Durante el mes de noviembre, Antonio Serrano percibe, en concepto de salario:   Salario base: 1800 €. Antigüedad: 2 % del sueldo base por trienio; lleva 18 años en la empresa.  Plus de </a:t>
+            </a:r>
+            <a:r>
+              <a:rPr lang="es-ES" sz="1800" b="1" dirty="0" err="1"/>
+              <a:t>penosidad</a:t>
+            </a:r>
+            <a:r>
+              <a:rPr lang="es-ES" sz="1800" b="1" dirty="0"/>
+              <a:t>: 240 €.  Horas extraordinarias: 300 €.  Horas extras fuerza mayor: 250 €.  Dietas (dentro de los límites): 400 €. Anualmente percibe dos pagas extraordinarias por un importe igual al salario base más la antigüedad. Retención a cuenta del IRPF del 15%. </a:t>
+            </a:r>
+          </a:p>
+          <a:p>
+            <a:pPr marL="0" indent="0">
+              <a:lnSpc>
+                <a:spcPct val="130000"/>
+              </a:lnSpc>
+              <a:buNone/>
+            </a:pPr>
+            <a:r>
+              <a:rPr lang="es-ES" sz="1800" b="1" dirty="0"/>
+              <a:t>Elabora la nómina</a:t>
+            </a:r>
+          </a:p>
+          <a:p>
+            <a:pPr>
+              <a:lnSpc>
+                <a:spcPct val="130000"/>
+              </a:lnSpc>
+            </a:pPr>
+            <a:endParaRPr lang="es-ES" sz="1800" b="1" dirty="0"/>
+          </a:p>
+        </p:txBody>
+      </p:sp>
+    </p:spTree>
+    <p:extLst>
+      <p:ext uri="{BB962C8B-B14F-4D97-AF65-F5344CB8AC3E}">
+        <p14:creationId xmlns:p14="http://schemas.microsoft.com/office/powerpoint/2010/main" val="1720667812"/>
+      </p:ext>
+    </p:extLst>
+  </p:cSld>
+  <p:clrMapOvr>
+    <a:masterClrMapping/>
+  </p:clrMapOvr>
+</p:sld>
+</file>
+
+<file path=ppt/slides/slide21.xml><?xml version="1.0" encoding="utf-8"?>
+<p:sld xmlns:a="http://schemas.openxmlformats.org/drawingml/2006/main" xmlns:r="http://schemas.openxmlformats.org/officeDocument/2006/relationships" xmlns:p="http://schemas.openxmlformats.org/presentationml/2006/main">
+  <p:cSld>
+    <p:spTree>
+      <p:nvGrpSpPr>
+        <p:cNvPr id="1" name=""/>
+        <p:cNvGrpSpPr/>
+        <p:nvPr/>
+      </p:nvGrpSpPr>
+      <p:grpSpPr>
+        <a:xfrm>
+          <a:off x="0" y="0"/>
+          <a:ext cx="0" cy="0"/>
+          <a:chOff x="0" y="0"/>
+          <a:chExt cx="0" cy="0"/>
+        </a:xfrm>
+      </p:grpSpPr>
+      <p:sp>
+        <p:nvSpPr>
+          <p:cNvPr id="2" name="Título 1"/>
+          <p:cNvSpPr>
+            <a:spLocks noGrp="1"/>
+          </p:cNvSpPr>
+          <p:nvPr>
+            <p:ph type="title"/>
+          </p:nvPr>
+        </p:nvSpPr>
+        <p:spPr>
+          <a:xfrm>
             <a:off x="0" y="-13252"/>
             <a:ext cx="12192000" cy="981986"/>
           </a:xfrm>
@@ -8397,7 +9022,7 @@
                 <a16:creationId xmlns:a16="http://schemas.microsoft.com/office/drawing/2014/main" id="{6EFC920F-B85A-4068-BD93-41064EDE93D3}"/>
               </a:ext>
               <a:ext uri="{C183D7F6-B498-43B3-948B-1728B52AA6E4}">
-                <adec:decorative xmlns:adec="http://schemas.microsoft.com/office/drawing/2017/decorative" xmlns="" val="1"/>
+                <adec:decorative xmlns="" xmlns:adec="http://schemas.microsoft.com/office/drawing/2017/decorative" val="1"/>
               </a:ext>
             </a:extLst>
           </p:cNvPr>
@@ -8457,7 +9082,7 @@
                 <a16:creationId xmlns:a16="http://schemas.microsoft.com/office/drawing/2014/main" id="{1C559108-BBAE-426C-8564-051D2BA6DDC8}"/>
               </a:ext>
               <a:ext uri="{C183D7F6-B498-43B3-948B-1728B52AA6E4}">
-                <adec:decorative xmlns:adec="http://schemas.microsoft.com/office/drawing/2017/decorative" xmlns="" val="1"/>
+                <adec:decorative xmlns="" xmlns:adec="http://schemas.microsoft.com/office/drawing/2017/decorative" val="1"/>
               </a:ext>
             </a:extLst>
           </p:cNvPr>
@@ -8491,7 +9116,7 @@
                   <a16:creationId xmlns:a16="http://schemas.microsoft.com/office/drawing/2014/main" id="{42BC35EE-6650-42D2-AEFB-4B7CD1AFC9BD}"/>
                 </a:ext>
                 <a:ext uri="{C183D7F6-B498-43B3-948B-1728B52AA6E4}">
-                  <adec:decorative xmlns:adec="http://schemas.microsoft.com/office/drawing/2017/decorative" xmlns="" val="1"/>
+                  <adec:decorative xmlns="" xmlns:adec="http://schemas.microsoft.com/office/drawing/2017/decorative" val="1"/>
                 </a:ext>
               </a:extLst>
             </p:cNvPr>
@@ -8550,7 +9175,7 @@
                   <a16:creationId xmlns:a16="http://schemas.microsoft.com/office/drawing/2014/main" id="{0952C743-9049-4DFB-878B-2AB07B6E4FD1}"/>
                 </a:ext>
                 <a:ext uri="{C183D7F6-B498-43B3-948B-1728B52AA6E4}">
-                  <adec:decorative xmlns:adec="http://schemas.microsoft.com/office/drawing/2017/decorative" xmlns="" val="1"/>
+                  <adec:decorative xmlns="" xmlns:adec="http://schemas.microsoft.com/office/drawing/2017/decorative" val="1"/>
                 </a:ext>
               </a:extLst>
             </p:cNvPr>
@@ -8610,7 +9235,7 @@
                 <a16:creationId xmlns:a16="http://schemas.microsoft.com/office/drawing/2014/main" id="{CBC4F608-B4B8-48C3-9572-C0F061B1CD99}"/>
               </a:ext>
               <a:ext uri="{C183D7F6-B498-43B3-948B-1728B52AA6E4}">
-                <adec:decorative xmlns:adec="http://schemas.microsoft.com/office/drawing/2017/decorative" xmlns="" val="1"/>
+                <adec:decorative xmlns="" xmlns:adec="http://schemas.microsoft.com/office/drawing/2017/decorative" val="1"/>
               </a:ext>
             </a:extLst>
           </p:cNvPr>
@@ -8732,7 +9357,7 @@
                 <a16:creationId xmlns:a16="http://schemas.microsoft.com/office/drawing/2014/main" id="{1382A32C-5B0C-4B1C-A074-76C6DBCC9F87}"/>
               </a:ext>
               <a:ext uri="{C183D7F6-B498-43B3-948B-1728B52AA6E4}">
-                <adec:decorative xmlns:adec="http://schemas.microsoft.com/office/drawing/2017/decorative" xmlns="" val="1"/>
+                <adec:decorative xmlns="" xmlns:adec="http://schemas.microsoft.com/office/drawing/2017/decorative" val="1"/>
               </a:ext>
             </a:extLst>
           </p:cNvPr>
@@ -11000,7 +11625,7 @@
                 <a16:creationId xmlns:a16="http://schemas.microsoft.com/office/drawing/2014/main" id="{85016AEC-0320-4ED0-8ECB-FE11DDDFE17A}"/>
               </a:ext>
               <a:ext uri="{C183D7F6-B498-43B3-948B-1728B52AA6E4}">
-                <adec:decorative xmlns:adec="http://schemas.microsoft.com/office/drawing/2017/decorative" xmlns="" val="1"/>
+                <adec:decorative xmlns="" xmlns:adec="http://schemas.microsoft.com/office/drawing/2017/decorative" val="1"/>
               </a:ext>
             </a:extLst>
           </p:cNvPr>
@@ -11060,7 +11685,7 @@
                 <a16:creationId xmlns:a16="http://schemas.microsoft.com/office/drawing/2014/main" id="{D3CDB30C-1F82-41E6-A067-831D6E89184F}"/>
               </a:ext>
               <a:ext uri="{C183D7F6-B498-43B3-948B-1728B52AA6E4}">
-                <adec:decorative xmlns:adec="http://schemas.microsoft.com/office/drawing/2017/decorative" xmlns="" val="1"/>
+                <adec:decorative xmlns="" xmlns:adec="http://schemas.microsoft.com/office/drawing/2017/decorative" val="1"/>
               </a:ext>
             </a:extLst>
           </p:cNvPr>
@@ -11149,7 +11774,7 @@
                 <a16:creationId xmlns:a16="http://schemas.microsoft.com/office/drawing/2014/main" id="{2DDA86DD-F997-4F66-A87C-5B58AB6D19EC}"/>
               </a:ext>
               <a:ext uri="{C183D7F6-B498-43B3-948B-1728B52AA6E4}">
-                <adec:decorative xmlns:adec="http://schemas.microsoft.com/office/drawing/2017/decorative" xmlns="" val="1"/>
+                <adec:decorative xmlns="" xmlns:adec="http://schemas.microsoft.com/office/drawing/2017/decorative" val="1"/>
               </a:ext>
             </a:extLst>
           </p:cNvPr>
@@ -11212,7 +11837,7 @@
                 <a16:creationId xmlns:a16="http://schemas.microsoft.com/office/drawing/2014/main" id="{D241B827-437E-40A3-A732-669230D6A5BC}"/>
               </a:ext>
               <a:ext uri="{C183D7F6-B498-43B3-948B-1728B52AA6E4}">
-                <adec:decorative xmlns:adec="http://schemas.microsoft.com/office/drawing/2017/decorative" xmlns="" val="1"/>
+                <adec:decorative xmlns="" xmlns:adec="http://schemas.microsoft.com/office/drawing/2017/decorative" val="1"/>
               </a:ext>
             </a:extLst>
           </p:cNvPr>
